--- a/10-pa/project/20190102.pptx
+++ b/10-pa/project/20190102.pptx
@@ -5,7 +5,7 @@
     <p:sldMasterId id="2147483648" r:id="rId1"/>
   </p:sldMasterIdLst>
   <p:handoutMasterIdLst>
-    <p:handoutMasterId r:id="rId33"/>
+    <p:handoutMasterId r:id="rId31"/>
   </p:handoutMasterIdLst>
   <p:sldIdLst>
     <p:sldId id="256" r:id="rId2"/>
@@ -26,19 +26,17 @@
     <p:sldId id="283" r:id="rId17"/>
     <p:sldId id="282" r:id="rId18"/>
     <p:sldId id="284" r:id="rId19"/>
-    <p:sldId id="285" r:id="rId20"/>
+    <p:sldId id="287" r:id="rId20"/>
     <p:sldId id="286" r:id="rId21"/>
     <p:sldId id="289" r:id="rId22"/>
-    <p:sldId id="287" r:id="rId23"/>
-    <p:sldId id="288" r:id="rId24"/>
-    <p:sldId id="263" r:id="rId25"/>
-    <p:sldId id="269" r:id="rId26"/>
-    <p:sldId id="268" r:id="rId27"/>
-    <p:sldId id="264" r:id="rId28"/>
-    <p:sldId id="270" r:id="rId29"/>
-    <p:sldId id="271" r:id="rId30"/>
-    <p:sldId id="272" r:id="rId31"/>
-    <p:sldId id="265" r:id="rId32"/>
+    <p:sldId id="263" r:id="rId23"/>
+    <p:sldId id="269" r:id="rId24"/>
+    <p:sldId id="268" r:id="rId25"/>
+    <p:sldId id="264" r:id="rId26"/>
+    <p:sldId id="270" r:id="rId27"/>
+    <p:sldId id="271" r:id="rId28"/>
+    <p:sldId id="272" r:id="rId29"/>
+    <p:sldId id="265" r:id="rId30"/>
   </p:sldIdLst>
   <p:sldSz cx="12192000" cy="6858000"/>
   <p:notesSz cx="6858000" cy="9144000"/>
@@ -8502,7 +8500,7 @@
         <p:spPr>
           <a:xfrm>
             <a:off x="566166" y="660451"/>
-            <a:ext cx="2940485" cy="646331"/>
+            <a:ext cx="3215304" cy="646331"/>
           </a:xfrm>
           <a:prstGeom prst="rect">
             <a:avLst/>
@@ -8522,7 +8520,7 @@
                 </a:solidFill>
                 <a:latin typeface="Tekton Pro" panose="020F0603020208020904" pitchFamily="34" charset="0"/>
               </a:rPr>
-              <a:t>Site Parameter</a:t>
+              <a:t>Nonlinear Hinge</a:t>
             </a:r>
             <a:endParaRPr lang="zh-TW" altLang="en-US" sz="3600" dirty="0">
               <a:solidFill>
@@ -8535,7 +8533,7 @@
       </p:sp>
       <p:pic>
         <p:nvPicPr>
-          <p:cNvPr id="5" name="圖片 4"/>
+          <p:cNvPr id="6" name="圖片 5"/>
           <p:cNvPicPr>
             <a:picLocks noChangeAspect="1"/>
           </p:cNvPicPr>
@@ -8549,8 +8547,8 @@
         </p:blipFill>
         <p:spPr>
           <a:xfrm>
-            <a:off x="1568310" y="1549400"/>
-            <a:ext cx="8223390" cy="5106986"/>
+            <a:off x="339842" y="2729364"/>
+            <a:ext cx="5759774" cy="3577002"/>
           </a:xfrm>
           <a:prstGeom prst="rect">
             <a:avLst/>
@@ -8559,7 +8557,7 @@
       </p:pic>
       <p:pic>
         <p:nvPicPr>
-          <p:cNvPr id="6" name="圖片 5"/>
+          <p:cNvPr id="19" name="圖片 18"/>
           <p:cNvPicPr>
             <a:picLocks noChangeAspect="1"/>
           </p:cNvPicPr>
@@ -8573,14 +8571,74 @@
         </p:blipFill>
         <p:spPr>
           <a:xfrm>
-            <a:off x="3352800" y="1913705"/>
-            <a:ext cx="8027446" cy="4985299"/>
+            <a:off x="6074678" y="2729364"/>
+            <a:ext cx="5780521" cy="3589887"/>
           </a:xfrm>
           <a:prstGeom prst="rect">
             <a:avLst/>
           </a:prstGeom>
         </p:spPr>
       </p:pic>
+      <p:sp>
+        <p:nvSpPr>
+          <p:cNvPr id="20" name="文字方塊 19"/>
+          <p:cNvSpPr txBox="1"/>
+          <p:nvPr/>
+        </p:nvSpPr>
+        <p:spPr>
+          <a:xfrm>
+            <a:off x="3005163" y="3775765"/>
+            <a:ext cx="423514" cy="369332"/>
+          </a:xfrm>
+          <a:prstGeom prst="rect">
+            <a:avLst/>
+          </a:prstGeom>
+          <a:noFill/>
+        </p:spPr>
+        <p:txBody>
+          <a:bodyPr wrap="none" rtlCol="0">
+            <a:spAutoFit/>
+          </a:bodyPr>
+          <a:lstStyle/>
+          <a:p>
+            <a:r>
+              <a:rPr lang="en-US" altLang="zh-TW" dirty="0" smtClean="0"/>
+              <a:t>XP</a:t>
+            </a:r>
+            <a:endParaRPr lang="zh-TW" altLang="en-US" dirty="0"/>
+          </a:p>
+        </p:txBody>
+      </p:sp>
+      <p:sp>
+        <p:nvSpPr>
+          <p:cNvPr id="21" name="文字方塊 20"/>
+          <p:cNvSpPr txBox="1"/>
+          <p:nvPr/>
+        </p:nvSpPr>
+        <p:spPr>
+          <a:xfrm>
+            <a:off x="8765823" y="3777552"/>
+            <a:ext cx="453970" cy="369332"/>
+          </a:xfrm>
+          <a:prstGeom prst="rect">
+            <a:avLst/>
+          </a:prstGeom>
+          <a:noFill/>
+        </p:spPr>
+        <p:txBody>
+          <a:bodyPr wrap="none" rtlCol="0">
+            <a:spAutoFit/>
+          </a:bodyPr>
+          <a:lstStyle/>
+          <a:p>
+            <a:r>
+              <a:rPr lang="en-US" altLang="zh-TW" dirty="0" smtClean="0"/>
+              <a:t>XN</a:t>
+            </a:r>
+            <a:endParaRPr lang="zh-TW" altLang="en-US" dirty="0"/>
+          </a:p>
+        </p:txBody>
+      </p:sp>
     </p:spTree>
     <p:extLst>
       <p:ext uri="{BB962C8B-B14F-4D97-AF65-F5344CB8AC3E}">
@@ -8989,7 +9047,7 @@
         <p:spPr>
           <a:xfrm>
             <a:off x="566166" y="660451"/>
-            <a:ext cx="2940485" cy="646331"/>
+            <a:ext cx="2595903" cy="646331"/>
           </a:xfrm>
           <a:prstGeom prst="rect">
             <a:avLst/>
@@ -9009,7 +9067,7 @@
                 </a:solidFill>
                 <a:latin typeface="Tekton Pro" panose="020F0603020208020904" pitchFamily="34" charset="0"/>
               </a:rPr>
-              <a:t>Site Parameter</a:t>
+              <a:t>Performance</a:t>
             </a:r>
             <a:endParaRPr lang="zh-TW" altLang="en-US" sz="3600" dirty="0">
               <a:solidFill>
@@ -9036,8 +9094,8 @@
         </p:blipFill>
         <p:spPr>
           <a:xfrm>
-            <a:off x="2782401" y="1306782"/>
-            <a:ext cx="8400624" cy="5217054"/>
+            <a:off x="340443" y="2733682"/>
+            <a:ext cx="5759171" cy="3576629"/>
           </a:xfrm>
           <a:prstGeom prst="rect">
             <a:avLst/>
@@ -9060,18 +9118,78 @@
         </p:blipFill>
         <p:spPr>
           <a:xfrm>
-            <a:off x="682153" y="1535405"/>
-            <a:ext cx="9053632" cy="5622593"/>
+            <a:off x="6099614" y="2733681"/>
+            <a:ext cx="5759173" cy="3576629"/>
           </a:xfrm>
           <a:prstGeom prst="rect">
             <a:avLst/>
           </a:prstGeom>
         </p:spPr>
       </p:pic>
+      <p:sp>
+        <p:nvSpPr>
+          <p:cNvPr id="10" name="文字方塊 9"/>
+          <p:cNvSpPr txBox="1"/>
+          <p:nvPr/>
+        </p:nvSpPr>
+        <p:spPr>
+          <a:xfrm>
+            <a:off x="2934393" y="1992234"/>
+            <a:ext cx="582211" cy="369332"/>
+          </a:xfrm>
+          <a:prstGeom prst="rect">
+            <a:avLst/>
+          </a:prstGeom>
+          <a:noFill/>
+        </p:spPr>
+        <p:txBody>
+          <a:bodyPr wrap="none" rtlCol="0">
+            <a:spAutoFit/>
+          </a:bodyPr>
+          <a:lstStyle/>
+          <a:p>
+            <a:r>
+              <a:rPr lang="en-US" altLang="zh-TW" dirty="0" smtClean="0"/>
+              <a:t>&lt;2%</a:t>
+            </a:r>
+            <a:endParaRPr lang="zh-TW" altLang="en-US" dirty="0"/>
+          </a:p>
+        </p:txBody>
+      </p:sp>
+      <p:sp>
+        <p:nvSpPr>
+          <p:cNvPr id="20" name="文字方塊 19"/>
+          <p:cNvSpPr txBox="1"/>
+          <p:nvPr/>
+        </p:nvSpPr>
+        <p:spPr>
+          <a:xfrm>
+            <a:off x="8858714" y="1992234"/>
+            <a:ext cx="582211" cy="369332"/>
+          </a:xfrm>
+          <a:prstGeom prst="rect">
+            <a:avLst/>
+          </a:prstGeom>
+          <a:noFill/>
+        </p:spPr>
+        <p:txBody>
+          <a:bodyPr wrap="none" rtlCol="0">
+            <a:spAutoFit/>
+          </a:bodyPr>
+          <a:lstStyle/>
+          <a:p>
+            <a:r>
+              <a:rPr lang="en-US" altLang="zh-TW" dirty="0" smtClean="0"/>
+              <a:t>&lt;2%</a:t>
+            </a:r>
+            <a:endParaRPr lang="zh-TW" altLang="en-US" dirty="0"/>
+          </a:p>
+        </p:txBody>
+      </p:sp>
     </p:spTree>
     <p:extLst>
       <p:ext uri="{BB962C8B-B14F-4D97-AF65-F5344CB8AC3E}">
-        <p14:creationId xmlns:p14="http://schemas.microsoft.com/office/powerpoint/2010/main" val="3940486668"/>
+        <p14:creationId xmlns:p14="http://schemas.microsoft.com/office/powerpoint/2010/main" val="3006853703"/>
       </p:ext>
     </p:extLst>
   </p:cSld>
@@ -10194,7 +10312,7 @@
         <p:spPr>
           <a:xfrm>
             <a:off x="566166" y="660451"/>
-            <a:ext cx="2940485" cy="646331"/>
+            <a:ext cx="3177793" cy="646331"/>
           </a:xfrm>
           <a:prstGeom prst="rect">
             <a:avLst/>
@@ -10214,7 +10332,7 @@
                 </a:solidFill>
                 <a:latin typeface="Tekton Pro" panose="020F0603020208020904" pitchFamily="34" charset="0"/>
               </a:rPr>
-              <a:t>Site Parameter</a:t>
+              <a:t>XP Performance</a:t>
             </a:r>
             <a:endParaRPr lang="zh-TW" altLang="en-US" sz="3600" dirty="0">
               <a:solidFill>
@@ -10241,14 +10359,44 @@
         </p:blipFill>
         <p:spPr>
           <a:xfrm>
-            <a:off x="-159" y="1118424"/>
-            <a:ext cx="12446917" cy="5922811"/>
+            <a:off x="355600" y="1385925"/>
+            <a:ext cx="11499688" cy="5472076"/>
           </a:xfrm>
           <a:prstGeom prst="rect">
             <a:avLst/>
           </a:prstGeom>
         </p:spPr>
       </p:pic>
+      <p:sp>
+        <p:nvSpPr>
+          <p:cNvPr id="19" name="文字方塊 18"/>
+          <p:cNvSpPr txBox="1"/>
+          <p:nvPr/>
+        </p:nvSpPr>
+        <p:spPr>
+          <a:xfrm>
+            <a:off x="3942902" y="904198"/>
+            <a:ext cx="1037976" cy="369332"/>
+          </a:xfrm>
+          <a:prstGeom prst="rect">
+            <a:avLst/>
+          </a:prstGeom>
+          <a:noFill/>
+        </p:spPr>
+        <p:txBody>
+          <a:bodyPr wrap="none" rtlCol="0">
+            <a:spAutoFit/>
+          </a:bodyPr>
+          <a:lstStyle/>
+          <a:p>
+            <a:r>
+              <a:rPr lang="en-US" altLang="zh-TW" dirty="0" smtClean="0"/>
+              <a:t>AT: 0.548</a:t>
+            </a:r>
+            <a:endParaRPr lang="zh-TW" altLang="en-US" dirty="0"/>
+          </a:p>
+        </p:txBody>
+      </p:sp>
     </p:spTree>
     <p:extLst>
       <p:ext uri="{BB962C8B-B14F-4D97-AF65-F5344CB8AC3E}">
@@ -10657,7 +10805,7 @@
         <p:spPr>
           <a:xfrm>
             <a:off x="566166" y="660451"/>
-            <a:ext cx="2940485" cy="646331"/>
+            <a:ext cx="3237105" cy="646331"/>
           </a:xfrm>
           <a:prstGeom prst="rect">
             <a:avLst/>
@@ -10677,7 +10825,16 @@
                 </a:solidFill>
                 <a:latin typeface="Tekton Pro" panose="020F0603020208020904" pitchFamily="34" charset="0"/>
               </a:rPr>
-              <a:t>Site Parameter</a:t>
+              <a:t>XN </a:t>
+            </a:r>
+            <a:r>
+              <a:rPr lang="en-US" altLang="zh-TW" sz="3600" dirty="0">
+                <a:solidFill>
+                  <a:srgbClr val="98CFCE"/>
+                </a:solidFill>
+                <a:latin typeface="Tekton Pro" panose="020F0603020208020904" pitchFamily="34" charset="0"/>
+              </a:rPr>
+              <a:t>Performance</a:t>
             </a:r>
             <a:endParaRPr lang="zh-TW" altLang="en-US" sz="3600" dirty="0">
               <a:solidFill>
@@ -10704,14 +10861,44 @@
         </p:blipFill>
         <p:spPr>
           <a:xfrm>
-            <a:off x="-423335" y="288000"/>
-            <a:ext cx="12514651" cy="6316152"/>
+            <a:off x="355600" y="1045032"/>
+            <a:ext cx="11497733" cy="5802913"/>
           </a:xfrm>
           <a:prstGeom prst="rect">
             <a:avLst/>
           </a:prstGeom>
         </p:spPr>
       </p:pic>
+      <p:sp>
+        <p:nvSpPr>
+          <p:cNvPr id="19" name="文字方塊 18"/>
+          <p:cNvSpPr txBox="1"/>
+          <p:nvPr/>
+        </p:nvSpPr>
+        <p:spPr>
+          <a:xfrm>
+            <a:off x="3942902" y="904198"/>
+            <a:ext cx="1037976" cy="369332"/>
+          </a:xfrm>
+          <a:prstGeom prst="rect">
+            <a:avLst/>
+          </a:prstGeom>
+          <a:noFill/>
+        </p:spPr>
+        <p:txBody>
+          <a:bodyPr wrap="none" rtlCol="0">
+            <a:spAutoFit/>
+          </a:bodyPr>
+          <a:lstStyle/>
+          <a:p>
+            <a:r>
+              <a:rPr lang="en-US" altLang="zh-TW" dirty="0" smtClean="0"/>
+              <a:t>AT: 0.548</a:t>
+            </a:r>
+            <a:endParaRPr lang="zh-TW" altLang="en-US" dirty="0"/>
+          </a:p>
+        </p:txBody>
+      </p:sp>
     </p:spTree>
     <p:extLst>
       <p:ext uri="{BB962C8B-B14F-4D97-AF65-F5344CB8AC3E}">
@@ -10733,932 +10920,6 @@
 </file>
 
 <file path=ppt/slides/slide22.xml><?xml version="1.0" encoding="utf-8"?>
-<p:sld xmlns:a="http://schemas.openxmlformats.org/drawingml/2006/main" xmlns:r="http://schemas.openxmlformats.org/officeDocument/2006/relationships" xmlns:p="http://schemas.openxmlformats.org/presentationml/2006/main">
-  <p:cSld>
-    <p:spTree>
-      <p:nvGrpSpPr>
-        <p:cNvPr id="1" name=""/>
-        <p:cNvGrpSpPr/>
-        <p:nvPr/>
-      </p:nvGrpSpPr>
-      <p:grpSpPr>
-        <a:xfrm>
-          <a:off x="0" y="0"/>
-          <a:ext cx="0" cy="0"/>
-          <a:chOff x="0" y="0"/>
-          <a:chExt cx="0" cy="0"/>
-        </a:xfrm>
-      </p:grpSpPr>
-      <p:sp>
-        <p:nvSpPr>
-          <p:cNvPr id="11" name="矩形 10"/>
-          <p:cNvSpPr/>
-          <p:nvPr/>
-        </p:nvSpPr>
-        <p:spPr>
-          <a:xfrm>
-            <a:off x="-1" y="288000"/>
-            <a:ext cx="12200025" cy="542424"/>
-          </a:xfrm>
-          <a:prstGeom prst="rect">
-            <a:avLst/>
-          </a:prstGeom>
-          <a:solidFill>
-            <a:srgbClr val="98CFCE"/>
-          </a:solidFill>
-          <a:ln>
-            <a:noFill/>
-          </a:ln>
-        </p:spPr>
-        <p:style>
-          <a:lnRef idx="2">
-            <a:schemeClr val="accent1">
-              <a:shade val="50000"/>
-            </a:schemeClr>
-          </a:lnRef>
-          <a:fillRef idx="1">
-            <a:schemeClr val="accent1"/>
-          </a:fillRef>
-          <a:effectRef idx="0">
-            <a:schemeClr val="accent1"/>
-          </a:effectRef>
-          <a:fontRef idx="minor">
-            <a:schemeClr val="lt1"/>
-          </a:fontRef>
-        </p:style>
-        <p:txBody>
-          <a:bodyPr rtlCol="0" anchor="ctr"/>
-          <a:lstStyle/>
-          <a:p>
-            <a:pPr algn="ctr"/>
-            <a:endParaRPr lang="zh-TW" altLang="en-US"/>
-          </a:p>
-        </p:txBody>
-      </p:sp>
-      <p:sp>
-        <p:nvSpPr>
-          <p:cNvPr id="4" name="文字方塊 3"/>
-          <p:cNvSpPr txBox="1"/>
-          <p:nvPr/>
-        </p:nvSpPr>
-        <p:spPr>
-          <a:xfrm>
-            <a:off x="-159" y="232014"/>
-            <a:ext cx="2280753" cy="830997"/>
-          </a:xfrm>
-          <a:prstGeom prst="rect">
-            <a:avLst/>
-          </a:prstGeom>
-          <a:noFill/>
-        </p:spPr>
-        <p:txBody>
-          <a:bodyPr wrap="none" rtlCol="0">
-            <a:spAutoFit/>
-          </a:bodyPr>
-          <a:lstStyle/>
-          <a:p>
-            <a:r>
-              <a:rPr lang="en-US" altLang="zh-TW" sz="4800" dirty="0" smtClean="0">
-                <a:solidFill>
-                  <a:schemeClr val="bg1"/>
-                </a:solidFill>
-                <a:latin typeface="Tekton Pro" panose="020F0603020208020904" pitchFamily="34" charset="0"/>
-              </a:rPr>
-              <a:t>TEASPA</a:t>
-            </a:r>
-            <a:endParaRPr lang="zh-TW" altLang="en-US" sz="4800" dirty="0">
-              <a:solidFill>
-                <a:schemeClr val="bg1"/>
-              </a:solidFill>
-              <a:latin typeface="Tekton Pro" panose="020F0603020208020904" pitchFamily="34" charset="0"/>
-            </a:endParaRPr>
-          </a:p>
-        </p:txBody>
-      </p:sp>
-      <p:sp>
-        <p:nvSpPr>
-          <p:cNvPr id="12" name="矩形 11"/>
-          <p:cNvSpPr/>
-          <p:nvPr/>
-        </p:nvSpPr>
-        <p:spPr>
-          <a:xfrm>
-            <a:off x="0" y="0"/>
-            <a:ext cx="2034000" cy="288000"/>
-          </a:xfrm>
-          <a:prstGeom prst="rect">
-            <a:avLst/>
-          </a:prstGeom>
-          <a:solidFill>
-            <a:srgbClr val="79ADDD"/>
-          </a:solidFill>
-          <a:ln>
-            <a:noFill/>
-          </a:ln>
-        </p:spPr>
-        <p:style>
-          <a:lnRef idx="2">
-            <a:schemeClr val="accent1">
-              <a:shade val="50000"/>
-            </a:schemeClr>
-          </a:lnRef>
-          <a:fillRef idx="1">
-            <a:schemeClr val="accent1"/>
-          </a:fillRef>
-          <a:effectRef idx="0">
-            <a:schemeClr val="accent1"/>
-          </a:effectRef>
-          <a:fontRef idx="minor">
-            <a:schemeClr val="lt1"/>
-          </a:fontRef>
-        </p:style>
-        <p:txBody>
-          <a:bodyPr rtlCol="0" anchor="ctr"/>
-          <a:lstStyle/>
-          <a:p>
-            <a:pPr algn="ctr"/>
-            <a:endParaRPr lang="zh-TW" altLang="en-US"/>
-          </a:p>
-        </p:txBody>
-      </p:sp>
-      <p:sp>
-        <p:nvSpPr>
-          <p:cNvPr id="13" name="矩形 12"/>
-          <p:cNvSpPr/>
-          <p:nvPr/>
-        </p:nvSpPr>
-        <p:spPr>
-          <a:xfrm>
-            <a:off x="2033046" y="0"/>
-            <a:ext cx="2034000" cy="288000"/>
-          </a:xfrm>
-          <a:prstGeom prst="rect">
-            <a:avLst/>
-          </a:prstGeom>
-          <a:solidFill>
-            <a:srgbClr val="9FB8CD"/>
-          </a:solidFill>
-          <a:ln>
-            <a:noFill/>
-          </a:ln>
-        </p:spPr>
-        <p:style>
-          <a:lnRef idx="2">
-            <a:schemeClr val="accent1">
-              <a:shade val="50000"/>
-            </a:schemeClr>
-          </a:lnRef>
-          <a:fillRef idx="1">
-            <a:schemeClr val="accent1"/>
-          </a:fillRef>
-          <a:effectRef idx="0">
-            <a:schemeClr val="accent1"/>
-          </a:effectRef>
-          <a:fontRef idx="minor">
-            <a:schemeClr val="lt1"/>
-          </a:fontRef>
-        </p:style>
-        <p:txBody>
-          <a:bodyPr rtlCol="0" anchor="ctr"/>
-          <a:lstStyle/>
-          <a:p>
-            <a:pPr algn="ctr"/>
-            <a:endParaRPr lang="zh-TW" altLang="en-US"/>
-          </a:p>
-        </p:txBody>
-      </p:sp>
-      <p:sp>
-        <p:nvSpPr>
-          <p:cNvPr id="14" name="矩形 13"/>
-          <p:cNvSpPr/>
-          <p:nvPr/>
-        </p:nvSpPr>
-        <p:spPr>
-          <a:xfrm>
-            <a:off x="4066251" y="0"/>
-            <a:ext cx="2034000" cy="288000"/>
-          </a:xfrm>
-          <a:prstGeom prst="rect">
-            <a:avLst/>
-          </a:prstGeom>
-          <a:solidFill>
-            <a:srgbClr val="98CFCE"/>
-          </a:solidFill>
-          <a:ln>
-            <a:noFill/>
-          </a:ln>
-        </p:spPr>
-        <p:style>
-          <a:lnRef idx="2">
-            <a:schemeClr val="accent1">
-              <a:shade val="50000"/>
-            </a:schemeClr>
-          </a:lnRef>
-          <a:fillRef idx="1">
-            <a:schemeClr val="accent1"/>
-          </a:fillRef>
-          <a:effectRef idx="0">
-            <a:schemeClr val="accent1"/>
-          </a:effectRef>
-          <a:fontRef idx="minor">
-            <a:schemeClr val="lt1"/>
-          </a:fontRef>
-        </p:style>
-        <p:txBody>
-          <a:bodyPr rtlCol="0" anchor="ctr"/>
-          <a:lstStyle/>
-          <a:p>
-            <a:pPr algn="ctr"/>
-            <a:endParaRPr lang="zh-TW" altLang="en-US"/>
-          </a:p>
-        </p:txBody>
-      </p:sp>
-      <p:sp>
-        <p:nvSpPr>
-          <p:cNvPr id="15" name="矩形 14"/>
-          <p:cNvSpPr/>
-          <p:nvPr/>
-        </p:nvSpPr>
-        <p:spPr>
-          <a:xfrm>
-            <a:off x="6099615" y="0"/>
-            <a:ext cx="2034000" cy="288000"/>
-          </a:xfrm>
-          <a:prstGeom prst="rect">
-            <a:avLst/>
-          </a:prstGeom>
-          <a:solidFill>
-            <a:srgbClr val="8AD48C"/>
-          </a:solidFill>
-          <a:ln>
-            <a:noFill/>
-          </a:ln>
-        </p:spPr>
-        <p:style>
-          <a:lnRef idx="2">
-            <a:schemeClr val="accent1">
-              <a:shade val="50000"/>
-            </a:schemeClr>
-          </a:lnRef>
-          <a:fillRef idx="1">
-            <a:schemeClr val="accent1"/>
-          </a:fillRef>
-          <a:effectRef idx="0">
-            <a:schemeClr val="accent1"/>
-          </a:effectRef>
-          <a:fontRef idx="minor">
-            <a:schemeClr val="lt1"/>
-          </a:fontRef>
-        </p:style>
-        <p:txBody>
-          <a:bodyPr rtlCol="0" anchor="ctr"/>
-          <a:lstStyle/>
-          <a:p>
-            <a:pPr algn="ctr"/>
-            <a:endParaRPr lang="zh-TW" altLang="en-US"/>
-          </a:p>
-        </p:txBody>
-      </p:sp>
-      <p:sp>
-        <p:nvSpPr>
-          <p:cNvPr id="16" name="矩形 15"/>
-          <p:cNvSpPr/>
-          <p:nvPr/>
-        </p:nvSpPr>
-        <p:spPr>
-          <a:xfrm>
-            <a:off x="8132820" y="0"/>
-            <a:ext cx="2034000" cy="288000"/>
-          </a:xfrm>
-          <a:prstGeom prst="rect">
-            <a:avLst/>
-          </a:prstGeom>
-          <a:solidFill>
-            <a:srgbClr val="A7D782"/>
-          </a:solidFill>
-          <a:ln>
-            <a:noFill/>
-          </a:ln>
-        </p:spPr>
-        <p:style>
-          <a:lnRef idx="2">
-            <a:schemeClr val="accent1">
-              <a:shade val="50000"/>
-            </a:schemeClr>
-          </a:lnRef>
-          <a:fillRef idx="1">
-            <a:schemeClr val="accent1"/>
-          </a:fillRef>
-          <a:effectRef idx="0">
-            <a:schemeClr val="accent1"/>
-          </a:effectRef>
-          <a:fontRef idx="minor">
-            <a:schemeClr val="lt1"/>
-          </a:fontRef>
-        </p:style>
-        <p:txBody>
-          <a:bodyPr rtlCol="0" anchor="ctr"/>
-          <a:lstStyle/>
-          <a:p>
-            <a:pPr algn="ctr"/>
-            <a:endParaRPr lang="zh-TW" altLang="en-US"/>
-          </a:p>
-        </p:txBody>
-      </p:sp>
-      <p:sp>
-        <p:nvSpPr>
-          <p:cNvPr id="17" name="矩形 16"/>
-          <p:cNvSpPr/>
-          <p:nvPr/>
-        </p:nvSpPr>
-        <p:spPr>
-          <a:xfrm>
-            <a:off x="10166025" y="0"/>
-            <a:ext cx="2034000" cy="288000"/>
-          </a:xfrm>
-          <a:prstGeom prst="rect">
-            <a:avLst/>
-          </a:prstGeom>
-          <a:solidFill>
-            <a:srgbClr val="D2DA7A"/>
-          </a:solidFill>
-          <a:ln>
-            <a:noFill/>
-          </a:ln>
-        </p:spPr>
-        <p:style>
-          <a:lnRef idx="2">
-            <a:schemeClr val="accent1">
-              <a:shade val="50000"/>
-            </a:schemeClr>
-          </a:lnRef>
-          <a:fillRef idx="1">
-            <a:schemeClr val="accent1"/>
-          </a:fillRef>
-          <a:effectRef idx="0">
-            <a:schemeClr val="accent1"/>
-          </a:effectRef>
-          <a:fontRef idx="minor">
-            <a:schemeClr val="lt1"/>
-          </a:fontRef>
-        </p:style>
-        <p:txBody>
-          <a:bodyPr rtlCol="0" anchor="ctr"/>
-          <a:lstStyle/>
-          <a:p>
-            <a:pPr algn="ctr"/>
-            <a:endParaRPr lang="zh-TW" altLang="en-US"/>
-          </a:p>
-        </p:txBody>
-      </p:sp>
-      <p:sp>
-        <p:nvSpPr>
-          <p:cNvPr id="18" name="文字方塊 17"/>
-          <p:cNvSpPr txBox="1"/>
-          <p:nvPr/>
-        </p:nvSpPr>
-        <p:spPr>
-          <a:xfrm>
-            <a:off x="566166" y="660451"/>
-            <a:ext cx="2940485" cy="646331"/>
-          </a:xfrm>
-          <a:prstGeom prst="rect">
-            <a:avLst/>
-          </a:prstGeom>
-          <a:noFill/>
-        </p:spPr>
-        <p:txBody>
-          <a:bodyPr wrap="none" rtlCol="0">
-            <a:spAutoFit/>
-          </a:bodyPr>
-          <a:lstStyle/>
-          <a:p>
-            <a:r>
-              <a:rPr lang="en-US" altLang="zh-TW" sz="3600" dirty="0" smtClean="0">
-                <a:solidFill>
-                  <a:srgbClr val="98CFCE"/>
-                </a:solidFill>
-                <a:latin typeface="Tekton Pro" panose="020F0603020208020904" pitchFamily="34" charset="0"/>
-              </a:rPr>
-              <a:t>Site Parameter</a:t>
-            </a:r>
-            <a:endParaRPr lang="zh-TW" altLang="en-US" sz="3600" dirty="0">
-              <a:solidFill>
-                <a:srgbClr val="98CFCE"/>
-              </a:solidFill>
-              <a:latin typeface="Tekton Pro" panose="020F0603020208020904" pitchFamily="34" charset="0"/>
-            </a:endParaRPr>
-          </a:p>
-        </p:txBody>
-      </p:sp>
-      <p:pic>
-        <p:nvPicPr>
-          <p:cNvPr id="2" name="圖片 1"/>
-          <p:cNvPicPr>
-            <a:picLocks noChangeAspect="1"/>
-          </p:cNvPicPr>
-          <p:nvPr/>
-        </p:nvPicPr>
-        <p:blipFill>
-          <a:blip r:embed="rId2"/>
-          <a:stretch>
-            <a:fillRect/>
-          </a:stretch>
-        </p:blipFill>
-        <p:spPr>
-          <a:xfrm>
-            <a:off x="-159" y="1063011"/>
-            <a:ext cx="8942538" cy="5553600"/>
-          </a:xfrm>
-          <a:prstGeom prst="rect">
-            <a:avLst/>
-          </a:prstGeom>
-        </p:spPr>
-      </p:pic>
-      <p:pic>
-        <p:nvPicPr>
-          <p:cNvPr id="3" name="圖片 2"/>
-          <p:cNvPicPr>
-            <a:picLocks noChangeAspect="1"/>
-          </p:cNvPicPr>
-          <p:nvPr/>
-        </p:nvPicPr>
-        <p:blipFill>
-          <a:blip r:embed="rId3"/>
-          <a:stretch>
-            <a:fillRect/>
-          </a:stretch>
-        </p:blipFill>
-        <p:spPr>
-          <a:xfrm>
-            <a:off x="3506651" y="1310387"/>
-            <a:ext cx="8544207" cy="5306224"/>
-          </a:xfrm>
-          <a:prstGeom prst="rect">
-            <a:avLst/>
-          </a:prstGeom>
-        </p:spPr>
-      </p:pic>
-    </p:spTree>
-    <p:extLst>
-      <p:ext uri="{BB962C8B-B14F-4D97-AF65-F5344CB8AC3E}">
-        <p14:creationId xmlns:p14="http://schemas.microsoft.com/office/powerpoint/2010/main" val="3006853703"/>
-      </p:ext>
-    </p:extLst>
-  </p:cSld>
-  <p:clrMapOvr>
-    <a:masterClrMapping/>
-  </p:clrMapOvr>
-  <p:timing>
-    <p:tnLst>
-      <p:par>
-        <p:cTn id="1" dur="indefinite" restart="never" nodeType="tmRoot"/>
-      </p:par>
-    </p:tnLst>
-  </p:timing>
-</p:sld>
-</file>
-
-<file path=ppt/slides/slide23.xml><?xml version="1.0" encoding="utf-8"?>
-<p:sld xmlns:a="http://schemas.openxmlformats.org/drawingml/2006/main" xmlns:r="http://schemas.openxmlformats.org/officeDocument/2006/relationships" xmlns:p="http://schemas.openxmlformats.org/presentationml/2006/main">
-  <p:cSld>
-    <p:spTree>
-      <p:nvGrpSpPr>
-        <p:cNvPr id="1" name=""/>
-        <p:cNvGrpSpPr/>
-        <p:nvPr/>
-      </p:nvGrpSpPr>
-      <p:grpSpPr>
-        <a:xfrm>
-          <a:off x="0" y="0"/>
-          <a:ext cx="0" cy="0"/>
-          <a:chOff x="0" y="0"/>
-          <a:chExt cx="0" cy="0"/>
-        </a:xfrm>
-      </p:grpSpPr>
-      <p:sp>
-        <p:nvSpPr>
-          <p:cNvPr id="11" name="矩形 10"/>
-          <p:cNvSpPr/>
-          <p:nvPr/>
-        </p:nvSpPr>
-        <p:spPr>
-          <a:xfrm>
-            <a:off x="-1" y="288000"/>
-            <a:ext cx="12200025" cy="542424"/>
-          </a:xfrm>
-          <a:prstGeom prst="rect">
-            <a:avLst/>
-          </a:prstGeom>
-          <a:solidFill>
-            <a:srgbClr val="98CFCE"/>
-          </a:solidFill>
-          <a:ln>
-            <a:noFill/>
-          </a:ln>
-        </p:spPr>
-        <p:style>
-          <a:lnRef idx="2">
-            <a:schemeClr val="accent1">
-              <a:shade val="50000"/>
-            </a:schemeClr>
-          </a:lnRef>
-          <a:fillRef idx="1">
-            <a:schemeClr val="accent1"/>
-          </a:fillRef>
-          <a:effectRef idx="0">
-            <a:schemeClr val="accent1"/>
-          </a:effectRef>
-          <a:fontRef idx="minor">
-            <a:schemeClr val="lt1"/>
-          </a:fontRef>
-        </p:style>
-        <p:txBody>
-          <a:bodyPr rtlCol="0" anchor="ctr"/>
-          <a:lstStyle/>
-          <a:p>
-            <a:pPr algn="ctr"/>
-            <a:endParaRPr lang="zh-TW" altLang="en-US"/>
-          </a:p>
-        </p:txBody>
-      </p:sp>
-      <p:sp>
-        <p:nvSpPr>
-          <p:cNvPr id="4" name="文字方塊 3"/>
-          <p:cNvSpPr txBox="1"/>
-          <p:nvPr/>
-        </p:nvSpPr>
-        <p:spPr>
-          <a:xfrm>
-            <a:off x="-159" y="232014"/>
-            <a:ext cx="2280753" cy="830997"/>
-          </a:xfrm>
-          <a:prstGeom prst="rect">
-            <a:avLst/>
-          </a:prstGeom>
-          <a:noFill/>
-        </p:spPr>
-        <p:txBody>
-          <a:bodyPr wrap="none" rtlCol="0">
-            <a:spAutoFit/>
-          </a:bodyPr>
-          <a:lstStyle/>
-          <a:p>
-            <a:r>
-              <a:rPr lang="en-US" altLang="zh-TW" sz="4800" dirty="0" smtClean="0">
-                <a:solidFill>
-                  <a:schemeClr val="bg1"/>
-                </a:solidFill>
-                <a:latin typeface="Tekton Pro" panose="020F0603020208020904" pitchFamily="34" charset="0"/>
-              </a:rPr>
-              <a:t>TEASPA</a:t>
-            </a:r>
-            <a:endParaRPr lang="zh-TW" altLang="en-US" sz="4800" dirty="0">
-              <a:solidFill>
-                <a:schemeClr val="bg1"/>
-              </a:solidFill>
-              <a:latin typeface="Tekton Pro" panose="020F0603020208020904" pitchFamily="34" charset="0"/>
-            </a:endParaRPr>
-          </a:p>
-        </p:txBody>
-      </p:sp>
-      <p:sp>
-        <p:nvSpPr>
-          <p:cNvPr id="12" name="矩形 11"/>
-          <p:cNvSpPr/>
-          <p:nvPr/>
-        </p:nvSpPr>
-        <p:spPr>
-          <a:xfrm>
-            <a:off x="0" y="0"/>
-            <a:ext cx="2034000" cy="288000"/>
-          </a:xfrm>
-          <a:prstGeom prst="rect">
-            <a:avLst/>
-          </a:prstGeom>
-          <a:solidFill>
-            <a:srgbClr val="79ADDD"/>
-          </a:solidFill>
-          <a:ln>
-            <a:noFill/>
-          </a:ln>
-        </p:spPr>
-        <p:style>
-          <a:lnRef idx="2">
-            <a:schemeClr val="accent1">
-              <a:shade val="50000"/>
-            </a:schemeClr>
-          </a:lnRef>
-          <a:fillRef idx="1">
-            <a:schemeClr val="accent1"/>
-          </a:fillRef>
-          <a:effectRef idx="0">
-            <a:schemeClr val="accent1"/>
-          </a:effectRef>
-          <a:fontRef idx="minor">
-            <a:schemeClr val="lt1"/>
-          </a:fontRef>
-        </p:style>
-        <p:txBody>
-          <a:bodyPr rtlCol="0" anchor="ctr"/>
-          <a:lstStyle/>
-          <a:p>
-            <a:pPr algn="ctr"/>
-            <a:endParaRPr lang="zh-TW" altLang="en-US"/>
-          </a:p>
-        </p:txBody>
-      </p:sp>
-      <p:sp>
-        <p:nvSpPr>
-          <p:cNvPr id="13" name="矩形 12"/>
-          <p:cNvSpPr/>
-          <p:nvPr/>
-        </p:nvSpPr>
-        <p:spPr>
-          <a:xfrm>
-            <a:off x="2033046" y="0"/>
-            <a:ext cx="2034000" cy="288000"/>
-          </a:xfrm>
-          <a:prstGeom prst="rect">
-            <a:avLst/>
-          </a:prstGeom>
-          <a:solidFill>
-            <a:srgbClr val="9FB8CD"/>
-          </a:solidFill>
-          <a:ln>
-            <a:noFill/>
-          </a:ln>
-        </p:spPr>
-        <p:style>
-          <a:lnRef idx="2">
-            <a:schemeClr val="accent1">
-              <a:shade val="50000"/>
-            </a:schemeClr>
-          </a:lnRef>
-          <a:fillRef idx="1">
-            <a:schemeClr val="accent1"/>
-          </a:fillRef>
-          <a:effectRef idx="0">
-            <a:schemeClr val="accent1"/>
-          </a:effectRef>
-          <a:fontRef idx="minor">
-            <a:schemeClr val="lt1"/>
-          </a:fontRef>
-        </p:style>
-        <p:txBody>
-          <a:bodyPr rtlCol="0" anchor="ctr"/>
-          <a:lstStyle/>
-          <a:p>
-            <a:pPr algn="ctr"/>
-            <a:endParaRPr lang="zh-TW" altLang="en-US"/>
-          </a:p>
-        </p:txBody>
-      </p:sp>
-      <p:sp>
-        <p:nvSpPr>
-          <p:cNvPr id="14" name="矩形 13"/>
-          <p:cNvSpPr/>
-          <p:nvPr/>
-        </p:nvSpPr>
-        <p:spPr>
-          <a:xfrm>
-            <a:off x="4066251" y="0"/>
-            <a:ext cx="2034000" cy="288000"/>
-          </a:xfrm>
-          <a:prstGeom prst="rect">
-            <a:avLst/>
-          </a:prstGeom>
-          <a:solidFill>
-            <a:srgbClr val="98CFCE"/>
-          </a:solidFill>
-          <a:ln>
-            <a:noFill/>
-          </a:ln>
-        </p:spPr>
-        <p:style>
-          <a:lnRef idx="2">
-            <a:schemeClr val="accent1">
-              <a:shade val="50000"/>
-            </a:schemeClr>
-          </a:lnRef>
-          <a:fillRef idx="1">
-            <a:schemeClr val="accent1"/>
-          </a:fillRef>
-          <a:effectRef idx="0">
-            <a:schemeClr val="accent1"/>
-          </a:effectRef>
-          <a:fontRef idx="minor">
-            <a:schemeClr val="lt1"/>
-          </a:fontRef>
-        </p:style>
-        <p:txBody>
-          <a:bodyPr rtlCol="0" anchor="ctr"/>
-          <a:lstStyle/>
-          <a:p>
-            <a:pPr algn="ctr"/>
-            <a:endParaRPr lang="zh-TW" altLang="en-US"/>
-          </a:p>
-        </p:txBody>
-      </p:sp>
-      <p:sp>
-        <p:nvSpPr>
-          <p:cNvPr id="15" name="矩形 14"/>
-          <p:cNvSpPr/>
-          <p:nvPr/>
-        </p:nvSpPr>
-        <p:spPr>
-          <a:xfrm>
-            <a:off x="6099615" y="0"/>
-            <a:ext cx="2034000" cy="288000"/>
-          </a:xfrm>
-          <a:prstGeom prst="rect">
-            <a:avLst/>
-          </a:prstGeom>
-          <a:solidFill>
-            <a:srgbClr val="8AD48C"/>
-          </a:solidFill>
-          <a:ln>
-            <a:noFill/>
-          </a:ln>
-        </p:spPr>
-        <p:style>
-          <a:lnRef idx="2">
-            <a:schemeClr val="accent1">
-              <a:shade val="50000"/>
-            </a:schemeClr>
-          </a:lnRef>
-          <a:fillRef idx="1">
-            <a:schemeClr val="accent1"/>
-          </a:fillRef>
-          <a:effectRef idx="0">
-            <a:schemeClr val="accent1"/>
-          </a:effectRef>
-          <a:fontRef idx="minor">
-            <a:schemeClr val="lt1"/>
-          </a:fontRef>
-        </p:style>
-        <p:txBody>
-          <a:bodyPr rtlCol="0" anchor="ctr"/>
-          <a:lstStyle/>
-          <a:p>
-            <a:pPr algn="ctr"/>
-            <a:endParaRPr lang="zh-TW" altLang="en-US"/>
-          </a:p>
-        </p:txBody>
-      </p:sp>
-      <p:sp>
-        <p:nvSpPr>
-          <p:cNvPr id="16" name="矩形 15"/>
-          <p:cNvSpPr/>
-          <p:nvPr/>
-        </p:nvSpPr>
-        <p:spPr>
-          <a:xfrm>
-            <a:off x="8132820" y="0"/>
-            <a:ext cx="2034000" cy="288000"/>
-          </a:xfrm>
-          <a:prstGeom prst="rect">
-            <a:avLst/>
-          </a:prstGeom>
-          <a:solidFill>
-            <a:srgbClr val="A7D782"/>
-          </a:solidFill>
-          <a:ln>
-            <a:noFill/>
-          </a:ln>
-        </p:spPr>
-        <p:style>
-          <a:lnRef idx="2">
-            <a:schemeClr val="accent1">
-              <a:shade val="50000"/>
-            </a:schemeClr>
-          </a:lnRef>
-          <a:fillRef idx="1">
-            <a:schemeClr val="accent1"/>
-          </a:fillRef>
-          <a:effectRef idx="0">
-            <a:schemeClr val="accent1"/>
-          </a:effectRef>
-          <a:fontRef idx="minor">
-            <a:schemeClr val="lt1"/>
-          </a:fontRef>
-        </p:style>
-        <p:txBody>
-          <a:bodyPr rtlCol="0" anchor="ctr"/>
-          <a:lstStyle/>
-          <a:p>
-            <a:pPr algn="ctr"/>
-            <a:endParaRPr lang="zh-TW" altLang="en-US"/>
-          </a:p>
-        </p:txBody>
-      </p:sp>
-      <p:sp>
-        <p:nvSpPr>
-          <p:cNvPr id="17" name="矩形 16"/>
-          <p:cNvSpPr/>
-          <p:nvPr/>
-        </p:nvSpPr>
-        <p:spPr>
-          <a:xfrm>
-            <a:off x="10166025" y="0"/>
-            <a:ext cx="2034000" cy="288000"/>
-          </a:xfrm>
-          <a:prstGeom prst="rect">
-            <a:avLst/>
-          </a:prstGeom>
-          <a:solidFill>
-            <a:srgbClr val="D2DA7A"/>
-          </a:solidFill>
-          <a:ln>
-            <a:noFill/>
-          </a:ln>
-        </p:spPr>
-        <p:style>
-          <a:lnRef idx="2">
-            <a:schemeClr val="accent1">
-              <a:shade val="50000"/>
-            </a:schemeClr>
-          </a:lnRef>
-          <a:fillRef idx="1">
-            <a:schemeClr val="accent1"/>
-          </a:fillRef>
-          <a:effectRef idx="0">
-            <a:schemeClr val="accent1"/>
-          </a:effectRef>
-          <a:fontRef idx="minor">
-            <a:schemeClr val="lt1"/>
-          </a:fontRef>
-        </p:style>
-        <p:txBody>
-          <a:bodyPr rtlCol="0" anchor="ctr"/>
-          <a:lstStyle/>
-          <a:p>
-            <a:pPr algn="ctr"/>
-            <a:endParaRPr lang="zh-TW" altLang="en-US"/>
-          </a:p>
-        </p:txBody>
-      </p:sp>
-      <p:sp>
-        <p:nvSpPr>
-          <p:cNvPr id="18" name="文字方塊 17"/>
-          <p:cNvSpPr txBox="1"/>
-          <p:nvPr/>
-        </p:nvSpPr>
-        <p:spPr>
-          <a:xfrm>
-            <a:off x="566166" y="660451"/>
-            <a:ext cx="2940485" cy="646331"/>
-          </a:xfrm>
-          <a:prstGeom prst="rect">
-            <a:avLst/>
-          </a:prstGeom>
-          <a:noFill/>
-        </p:spPr>
-        <p:txBody>
-          <a:bodyPr wrap="none" rtlCol="0">
-            <a:spAutoFit/>
-          </a:bodyPr>
-          <a:lstStyle/>
-          <a:p>
-            <a:r>
-              <a:rPr lang="en-US" altLang="zh-TW" sz="3600" dirty="0" smtClean="0">
-                <a:solidFill>
-                  <a:srgbClr val="98CFCE"/>
-                </a:solidFill>
-                <a:latin typeface="Tekton Pro" panose="020F0603020208020904" pitchFamily="34" charset="0"/>
-              </a:rPr>
-              <a:t>Site Parameter</a:t>
-            </a:r>
-            <a:endParaRPr lang="zh-TW" altLang="en-US" sz="3600" dirty="0">
-              <a:solidFill>
-                <a:srgbClr val="98CFCE"/>
-              </a:solidFill>
-              <a:latin typeface="Tekton Pro" panose="020F0603020208020904" pitchFamily="34" charset="0"/>
-            </a:endParaRPr>
-          </a:p>
-        </p:txBody>
-      </p:sp>
-    </p:spTree>
-    <p:extLst>
-      <p:ext uri="{BB962C8B-B14F-4D97-AF65-F5344CB8AC3E}">
-        <p14:creationId xmlns:p14="http://schemas.microsoft.com/office/powerpoint/2010/main" val="3832326206"/>
-      </p:ext>
-    </p:extLst>
-  </p:cSld>
-  <p:clrMapOvr>
-    <a:masterClrMapping/>
-  </p:clrMapOvr>
-  <p:timing>
-    <p:tnLst>
-      <p:par>
-        <p:cTn id="1" dur="indefinite" restart="never" nodeType="tmRoot"/>
-      </p:par>
-    </p:tnLst>
-  </p:timing>
-</p:sld>
-</file>
-
-<file path=ppt/slides/slide24.xml><?xml version="1.0" encoding="utf-8"?>
 <p:sld xmlns:a="http://schemas.openxmlformats.org/drawingml/2006/main" xmlns:r="http://schemas.openxmlformats.org/officeDocument/2006/relationships" xmlns:p="http://schemas.openxmlformats.org/presentationml/2006/main">
   <p:cSld>
     <p:spTree>
@@ -14372,7 +13633,7 @@
 </p:sld>
 </file>
 
-<file path=ppt/slides/slide25.xml><?xml version="1.0" encoding="utf-8"?>
+<file path=ppt/slides/slide23.xml><?xml version="1.0" encoding="utf-8"?>
 <p:sld xmlns:a="http://schemas.openxmlformats.org/drawingml/2006/main" xmlns:r="http://schemas.openxmlformats.org/officeDocument/2006/relationships" xmlns:p="http://schemas.openxmlformats.org/presentationml/2006/main">
   <p:cSld>
     <p:spTree>
@@ -14959,7 +14220,7 @@
 </p:sld>
 </file>
 
-<file path=ppt/slides/slide26.xml><?xml version="1.0" encoding="utf-8"?>
+<file path=ppt/slides/slide24.xml><?xml version="1.0" encoding="utf-8"?>
 <p:sld xmlns:a="http://schemas.openxmlformats.org/drawingml/2006/main" xmlns:r="http://schemas.openxmlformats.org/officeDocument/2006/relationships" xmlns:p="http://schemas.openxmlformats.org/presentationml/2006/main">
   <p:cSld>
     <p:spTree>
@@ -16662,7 +15923,7 @@
 </p:sld>
 </file>
 
-<file path=ppt/slides/slide27.xml><?xml version="1.0" encoding="utf-8"?>
+<file path=ppt/slides/slide25.xml><?xml version="1.0" encoding="utf-8"?>
 <p:sld xmlns:a="http://schemas.openxmlformats.org/drawingml/2006/main" xmlns:r="http://schemas.openxmlformats.org/officeDocument/2006/relationships" xmlns:p="http://schemas.openxmlformats.org/presentationml/2006/main">
   <p:cSld>
     <p:spTree>
@@ -17220,7 +16481,7 @@
 </p:sld>
 </file>
 
-<file path=ppt/slides/slide28.xml><?xml version="1.0" encoding="utf-8"?>
+<file path=ppt/slides/slide26.xml><?xml version="1.0" encoding="utf-8"?>
 <p:sld xmlns:a="http://schemas.openxmlformats.org/drawingml/2006/main" xmlns:r="http://schemas.openxmlformats.org/officeDocument/2006/relationships" xmlns:p="http://schemas.openxmlformats.org/presentationml/2006/main">
   <p:cSld>
     <p:spTree>
@@ -17842,7 +17103,7 @@
 </p:sld>
 </file>
 
-<file path=ppt/slides/slide29.xml><?xml version="1.0" encoding="utf-8"?>
+<file path=ppt/slides/slide27.xml><?xml version="1.0" encoding="utf-8"?>
 <p:sld xmlns:a="http://schemas.openxmlformats.org/drawingml/2006/main" xmlns:r="http://schemas.openxmlformats.org/officeDocument/2006/relationships" xmlns:p="http://schemas.openxmlformats.org/presentationml/2006/main">
   <p:cSld>
     <p:spTree>
@@ -20270,811 +19531,7 @@
 </p:sld>
 </file>
 
-<file path=ppt/slides/slide3.xml><?xml version="1.0" encoding="utf-8"?>
-<p:sld xmlns:a="http://schemas.openxmlformats.org/drawingml/2006/main" xmlns:r="http://schemas.openxmlformats.org/officeDocument/2006/relationships" xmlns:p="http://schemas.openxmlformats.org/presentationml/2006/main">
-  <p:cSld>
-    <p:spTree>
-      <p:nvGrpSpPr>
-        <p:cNvPr id="1" name=""/>
-        <p:cNvGrpSpPr/>
-        <p:nvPr/>
-      </p:nvGrpSpPr>
-      <p:grpSpPr>
-        <a:xfrm>
-          <a:off x="0" y="0"/>
-          <a:ext cx="0" cy="0"/>
-          <a:chOff x="0" y="0"/>
-          <a:chExt cx="0" cy="0"/>
-        </a:xfrm>
-      </p:grpSpPr>
-      <p:sp>
-        <p:nvSpPr>
-          <p:cNvPr id="5" name="矩形 4"/>
-          <p:cNvSpPr/>
-          <p:nvPr/>
-        </p:nvSpPr>
-        <p:spPr>
-          <a:xfrm>
-            <a:off x="0" y="0"/>
-            <a:ext cx="2034000" cy="540000"/>
-          </a:xfrm>
-          <a:prstGeom prst="rect">
-            <a:avLst/>
-          </a:prstGeom>
-          <a:solidFill>
-            <a:srgbClr val="79ADDD"/>
-          </a:solidFill>
-          <a:ln>
-            <a:noFill/>
-          </a:ln>
-        </p:spPr>
-        <p:style>
-          <a:lnRef idx="2">
-            <a:schemeClr val="accent1">
-              <a:shade val="50000"/>
-            </a:schemeClr>
-          </a:lnRef>
-          <a:fillRef idx="1">
-            <a:schemeClr val="accent1"/>
-          </a:fillRef>
-          <a:effectRef idx="0">
-            <a:schemeClr val="accent1"/>
-          </a:effectRef>
-          <a:fontRef idx="minor">
-            <a:schemeClr val="lt1"/>
-          </a:fontRef>
-        </p:style>
-        <p:txBody>
-          <a:bodyPr rtlCol="0" anchor="ctr"/>
-          <a:lstStyle/>
-          <a:p>
-            <a:pPr algn="ctr"/>
-            <a:endParaRPr lang="zh-TW" altLang="en-US"/>
-          </a:p>
-        </p:txBody>
-      </p:sp>
-      <p:sp>
-        <p:nvSpPr>
-          <p:cNvPr id="6" name="矩形 5"/>
-          <p:cNvSpPr/>
-          <p:nvPr/>
-        </p:nvSpPr>
-        <p:spPr>
-          <a:xfrm>
-            <a:off x="2033046" y="0"/>
-            <a:ext cx="2034000" cy="1080000"/>
-          </a:xfrm>
-          <a:prstGeom prst="rect">
-            <a:avLst/>
-          </a:prstGeom>
-          <a:solidFill>
-            <a:srgbClr val="9FB8CD"/>
-          </a:solidFill>
-          <a:ln>
-            <a:noFill/>
-          </a:ln>
-        </p:spPr>
-        <p:style>
-          <a:lnRef idx="2">
-            <a:schemeClr val="accent1">
-              <a:shade val="50000"/>
-            </a:schemeClr>
-          </a:lnRef>
-          <a:fillRef idx="1">
-            <a:schemeClr val="accent1"/>
-          </a:fillRef>
-          <a:effectRef idx="0">
-            <a:schemeClr val="accent1"/>
-          </a:effectRef>
-          <a:fontRef idx="minor">
-            <a:schemeClr val="lt1"/>
-          </a:fontRef>
-        </p:style>
-        <p:txBody>
-          <a:bodyPr rtlCol="0" anchor="ctr"/>
-          <a:lstStyle/>
-          <a:p>
-            <a:pPr algn="ctr"/>
-            <a:endParaRPr lang="zh-TW" altLang="en-US"/>
-          </a:p>
-        </p:txBody>
-      </p:sp>
-      <p:sp>
-        <p:nvSpPr>
-          <p:cNvPr id="7" name="矩形 6"/>
-          <p:cNvSpPr/>
-          <p:nvPr/>
-        </p:nvSpPr>
-        <p:spPr>
-          <a:xfrm>
-            <a:off x="4065218" y="0"/>
-            <a:ext cx="2034000" cy="1620000"/>
-          </a:xfrm>
-          <a:prstGeom prst="rect">
-            <a:avLst/>
-          </a:prstGeom>
-          <a:solidFill>
-            <a:srgbClr val="98CFCE"/>
-          </a:solidFill>
-          <a:ln>
-            <a:noFill/>
-          </a:ln>
-        </p:spPr>
-        <p:style>
-          <a:lnRef idx="2">
-            <a:schemeClr val="accent1">
-              <a:shade val="50000"/>
-            </a:schemeClr>
-          </a:lnRef>
-          <a:fillRef idx="1">
-            <a:schemeClr val="accent1"/>
-          </a:fillRef>
-          <a:effectRef idx="0">
-            <a:schemeClr val="accent1"/>
-          </a:effectRef>
-          <a:fontRef idx="minor">
-            <a:schemeClr val="lt1"/>
-          </a:fontRef>
-        </p:style>
-        <p:txBody>
-          <a:bodyPr rtlCol="0" anchor="ctr"/>
-          <a:lstStyle/>
-          <a:p>
-            <a:pPr algn="ctr"/>
-            <a:endParaRPr lang="zh-TW" altLang="en-US"/>
-          </a:p>
-        </p:txBody>
-      </p:sp>
-      <p:sp>
-        <p:nvSpPr>
-          <p:cNvPr id="8" name="矩形 7"/>
-          <p:cNvSpPr/>
-          <p:nvPr/>
-        </p:nvSpPr>
-        <p:spPr>
-          <a:xfrm>
-            <a:off x="6099615" y="0"/>
-            <a:ext cx="2034000" cy="2160000"/>
-          </a:xfrm>
-          <a:prstGeom prst="rect">
-            <a:avLst/>
-          </a:prstGeom>
-          <a:solidFill>
-            <a:srgbClr val="8AD48C"/>
-          </a:solidFill>
-          <a:ln>
-            <a:noFill/>
-          </a:ln>
-        </p:spPr>
-        <p:style>
-          <a:lnRef idx="2">
-            <a:schemeClr val="accent1">
-              <a:shade val="50000"/>
-            </a:schemeClr>
-          </a:lnRef>
-          <a:fillRef idx="1">
-            <a:schemeClr val="accent1"/>
-          </a:fillRef>
-          <a:effectRef idx="0">
-            <a:schemeClr val="accent1"/>
-          </a:effectRef>
-          <a:fontRef idx="minor">
-            <a:schemeClr val="lt1"/>
-          </a:fontRef>
-        </p:style>
-        <p:txBody>
-          <a:bodyPr rtlCol="0" anchor="ctr"/>
-          <a:lstStyle/>
-          <a:p>
-            <a:pPr algn="ctr"/>
-            <a:endParaRPr lang="zh-TW" altLang="en-US"/>
-          </a:p>
-        </p:txBody>
-      </p:sp>
-      <p:sp>
-        <p:nvSpPr>
-          <p:cNvPr id="9" name="矩形 8"/>
-          <p:cNvSpPr/>
-          <p:nvPr/>
-        </p:nvSpPr>
-        <p:spPr>
-          <a:xfrm>
-            <a:off x="8132820" y="0"/>
-            <a:ext cx="2034000" cy="2700000"/>
-          </a:xfrm>
-          <a:prstGeom prst="rect">
-            <a:avLst/>
-          </a:prstGeom>
-          <a:solidFill>
-            <a:srgbClr val="A7D782"/>
-          </a:solidFill>
-          <a:ln>
-            <a:noFill/>
-          </a:ln>
-        </p:spPr>
-        <p:style>
-          <a:lnRef idx="2">
-            <a:schemeClr val="accent1">
-              <a:shade val="50000"/>
-            </a:schemeClr>
-          </a:lnRef>
-          <a:fillRef idx="1">
-            <a:schemeClr val="accent1"/>
-          </a:fillRef>
-          <a:effectRef idx="0">
-            <a:schemeClr val="accent1"/>
-          </a:effectRef>
-          <a:fontRef idx="minor">
-            <a:schemeClr val="lt1"/>
-          </a:fontRef>
-        </p:style>
-        <p:txBody>
-          <a:bodyPr rtlCol="0" anchor="ctr"/>
-          <a:lstStyle/>
-          <a:p>
-            <a:pPr algn="ctr"/>
-            <a:endParaRPr lang="zh-TW" altLang="en-US"/>
-          </a:p>
-        </p:txBody>
-      </p:sp>
-      <p:sp>
-        <p:nvSpPr>
-          <p:cNvPr id="10" name="矩形 9"/>
-          <p:cNvSpPr/>
-          <p:nvPr/>
-        </p:nvSpPr>
-        <p:spPr>
-          <a:xfrm>
-            <a:off x="10166025" y="0"/>
-            <a:ext cx="2034000" cy="3240000"/>
-          </a:xfrm>
-          <a:prstGeom prst="rect">
-            <a:avLst/>
-          </a:prstGeom>
-          <a:solidFill>
-            <a:srgbClr val="D2DA7A"/>
-          </a:solidFill>
-          <a:ln>
-            <a:noFill/>
-          </a:ln>
-        </p:spPr>
-        <p:style>
-          <a:lnRef idx="2">
-            <a:schemeClr val="accent1">
-              <a:shade val="50000"/>
-            </a:schemeClr>
-          </a:lnRef>
-          <a:fillRef idx="1">
-            <a:schemeClr val="accent1"/>
-          </a:fillRef>
-          <a:effectRef idx="0">
-            <a:schemeClr val="accent1"/>
-          </a:effectRef>
-          <a:fontRef idx="minor">
-            <a:schemeClr val="lt1"/>
-          </a:fontRef>
-        </p:style>
-        <p:txBody>
-          <a:bodyPr rtlCol="0" anchor="ctr"/>
-          <a:lstStyle/>
-          <a:p>
-            <a:pPr algn="ctr"/>
-            <a:endParaRPr lang="zh-TW" altLang="en-US"/>
-          </a:p>
-        </p:txBody>
-      </p:sp>
-      <p:sp>
-        <p:nvSpPr>
-          <p:cNvPr id="4" name="文字方塊 3"/>
-          <p:cNvSpPr txBox="1"/>
-          <p:nvPr/>
-        </p:nvSpPr>
-        <p:spPr>
-          <a:xfrm>
-            <a:off x="-1" y="1134815"/>
-            <a:ext cx="2032013" cy="523220"/>
-          </a:xfrm>
-          <a:prstGeom prst="rect">
-            <a:avLst/>
-          </a:prstGeom>
-          <a:noFill/>
-        </p:spPr>
-        <p:txBody>
-          <a:bodyPr wrap="square" rtlCol="0">
-            <a:spAutoFit/>
-          </a:bodyPr>
-          <a:lstStyle/>
-          <a:p>
-            <a:pPr algn="ctr"/>
-            <a:r>
-              <a:rPr lang="en-US" altLang="zh-TW" sz="2800" dirty="0">
-                <a:latin typeface="Tekton Pro" panose="020F0603020208020904" pitchFamily="34" charset="0"/>
-              </a:rPr>
-              <a:t>I</a:t>
-            </a:r>
-            <a:r>
-              <a:rPr lang="en-US" altLang="zh-TW" sz="2800" dirty="0" smtClean="0">
-                <a:latin typeface="Tekton Pro" panose="020F0603020208020904" pitchFamily="34" charset="0"/>
-              </a:rPr>
-              <a:t>ntroduction</a:t>
-            </a:r>
-            <a:endParaRPr lang="zh-TW" altLang="en-US" sz="2800" dirty="0">
-              <a:latin typeface="Tekton Pro" panose="020F0603020208020904" pitchFamily="34" charset="0"/>
-            </a:endParaRPr>
-          </a:p>
-        </p:txBody>
-      </p:sp>
-      <p:sp>
-        <p:nvSpPr>
-          <p:cNvPr id="18" name="文字方塊 17"/>
-          <p:cNvSpPr txBox="1"/>
-          <p:nvPr/>
-        </p:nvSpPr>
-        <p:spPr>
-          <a:xfrm>
-            <a:off x="2446982" y="1636796"/>
-            <a:ext cx="1074461" cy="523220"/>
-          </a:xfrm>
-          <a:prstGeom prst="rect">
-            <a:avLst/>
-          </a:prstGeom>
-          <a:noFill/>
-        </p:spPr>
-        <p:txBody>
-          <a:bodyPr wrap="none" rtlCol="0">
-            <a:spAutoFit/>
-          </a:bodyPr>
-          <a:lstStyle/>
-          <a:p>
-            <a:r>
-              <a:rPr lang="en-US" altLang="zh-TW" sz="2800" dirty="0" smtClean="0">
-                <a:latin typeface="Tekton Pro" panose="020F0603020208020904" pitchFamily="34" charset="0"/>
-              </a:rPr>
-              <a:t>Etabs</a:t>
-            </a:r>
-            <a:endParaRPr lang="zh-TW" altLang="en-US" sz="2800" dirty="0">
-              <a:latin typeface="Tekton Pro" panose="020F0603020208020904" pitchFamily="34" charset="0"/>
-            </a:endParaRPr>
-          </a:p>
-        </p:txBody>
-      </p:sp>
-      <p:sp>
-        <p:nvSpPr>
-          <p:cNvPr id="20" name="矩形 19"/>
-          <p:cNvSpPr/>
-          <p:nvPr/>
-        </p:nvSpPr>
-        <p:spPr>
-          <a:xfrm>
-            <a:off x="-955" y="2160000"/>
-            <a:ext cx="2041907" cy="4698000"/>
-          </a:xfrm>
-          <a:prstGeom prst="rect">
-            <a:avLst/>
-          </a:prstGeom>
-          <a:solidFill>
-            <a:srgbClr val="79ADDD"/>
-          </a:solidFill>
-          <a:ln>
-            <a:noFill/>
-          </a:ln>
-        </p:spPr>
-        <p:style>
-          <a:lnRef idx="2">
-            <a:schemeClr val="accent1">
-              <a:shade val="50000"/>
-            </a:schemeClr>
-          </a:lnRef>
-          <a:fillRef idx="1">
-            <a:schemeClr val="accent1"/>
-          </a:fillRef>
-          <a:effectRef idx="0">
-            <a:schemeClr val="accent1"/>
-          </a:effectRef>
-          <a:fontRef idx="minor">
-            <a:schemeClr val="lt1"/>
-          </a:fontRef>
-        </p:style>
-        <p:txBody>
-          <a:bodyPr rtlCol="0" anchor="ctr"/>
-          <a:lstStyle/>
-          <a:p>
-            <a:pPr algn="ctr"/>
-            <a:endParaRPr lang="zh-TW" altLang="en-US"/>
-          </a:p>
-        </p:txBody>
-      </p:sp>
-      <p:sp>
-        <p:nvSpPr>
-          <p:cNvPr id="21" name="矩形 20"/>
-          <p:cNvSpPr/>
-          <p:nvPr/>
-        </p:nvSpPr>
-        <p:spPr>
-          <a:xfrm>
-            <a:off x="2042383" y="2700000"/>
-            <a:ext cx="2034000" cy="4158000"/>
-          </a:xfrm>
-          <a:prstGeom prst="rect">
-            <a:avLst/>
-          </a:prstGeom>
-          <a:solidFill>
-            <a:srgbClr val="9FB8CD"/>
-          </a:solidFill>
-          <a:ln>
-            <a:noFill/>
-          </a:ln>
-        </p:spPr>
-        <p:style>
-          <a:lnRef idx="2">
-            <a:schemeClr val="accent1">
-              <a:shade val="50000"/>
-            </a:schemeClr>
-          </a:lnRef>
-          <a:fillRef idx="1">
-            <a:schemeClr val="accent1"/>
-          </a:fillRef>
-          <a:effectRef idx="0">
-            <a:schemeClr val="accent1"/>
-          </a:effectRef>
-          <a:fontRef idx="minor">
-            <a:schemeClr val="lt1"/>
-          </a:fontRef>
-        </p:style>
-        <p:txBody>
-          <a:bodyPr rtlCol="0" anchor="ctr"/>
-          <a:lstStyle/>
-          <a:p>
-            <a:pPr algn="ctr"/>
-            <a:endParaRPr lang="zh-TW" altLang="en-US"/>
-          </a:p>
-        </p:txBody>
-      </p:sp>
-      <p:sp>
-        <p:nvSpPr>
-          <p:cNvPr id="22" name="矩形 21"/>
-          <p:cNvSpPr/>
-          <p:nvPr/>
-        </p:nvSpPr>
-        <p:spPr>
-          <a:xfrm>
-            <a:off x="4074555" y="3240000"/>
-            <a:ext cx="2034000" cy="3618000"/>
-          </a:xfrm>
-          <a:prstGeom prst="rect">
-            <a:avLst/>
-          </a:prstGeom>
-          <a:solidFill>
-            <a:srgbClr val="98CFCE"/>
-          </a:solidFill>
-          <a:ln>
-            <a:noFill/>
-          </a:ln>
-        </p:spPr>
-        <p:style>
-          <a:lnRef idx="2">
-            <a:schemeClr val="accent1">
-              <a:shade val="50000"/>
-            </a:schemeClr>
-          </a:lnRef>
-          <a:fillRef idx="1">
-            <a:schemeClr val="accent1"/>
-          </a:fillRef>
-          <a:effectRef idx="0">
-            <a:schemeClr val="accent1"/>
-          </a:effectRef>
-          <a:fontRef idx="minor">
-            <a:schemeClr val="lt1"/>
-          </a:fontRef>
-        </p:style>
-        <p:txBody>
-          <a:bodyPr rtlCol="0" anchor="ctr"/>
-          <a:lstStyle/>
-          <a:p>
-            <a:pPr algn="ctr"/>
-            <a:endParaRPr lang="zh-TW" altLang="en-US"/>
-          </a:p>
-        </p:txBody>
-      </p:sp>
-      <p:sp>
-        <p:nvSpPr>
-          <p:cNvPr id="23" name="矩形 22"/>
-          <p:cNvSpPr/>
-          <p:nvPr/>
-        </p:nvSpPr>
-        <p:spPr>
-          <a:xfrm>
-            <a:off x="6108952" y="3780000"/>
-            <a:ext cx="2034000" cy="3078000"/>
-          </a:xfrm>
-          <a:prstGeom prst="rect">
-            <a:avLst/>
-          </a:prstGeom>
-          <a:solidFill>
-            <a:srgbClr val="8AD48C"/>
-          </a:solidFill>
-          <a:ln>
-            <a:noFill/>
-          </a:ln>
-        </p:spPr>
-        <p:style>
-          <a:lnRef idx="2">
-            <a:schemeClr val="accent1">
-              <a:shade val="50000"/>
-            </a:schemeClr>
-          </a:lnRef>
-          <a:fillRef idx="1">
-            <a:schemeClr val="accent1"/>
-          </a:fillRef>
-          <a:effectRef idx="0">
-            <a:schemeClr val="accent1"/>
-          </a:effectRef>
-          <a:fontRef idx="minor">
-            <a:schemeClr val="lt1"/>
-          </a:fontRef>
-        </p:style>
-        <p:txBody>
-          <a:bodyPr rtlCol="0" anchor="ctr"/>
-          <a:lstStyle/>
-          <a:p>
-            <a:pPr algn="ctr"/>
-            <a:endParaRPr lang="zh-TW" altLang="en-US"/>
-          </a:p>
-        </p:txBody>
-      </p:sp>
-      <p:sp>
-        <p:nvSpPr>
-          <p:cNvPr id="24" name="矩形 23"/>
-          <p:cNvSpPr/>
-          <p:nvPr/>
-        </p:nvSpPr>
-        <p:spPr>
-          <a:xfrm>
-            <a:off x="8142157" y="4320000"/>
-            <a:ext cx="2034000" cy="2538000"/>
-          </a:xfrm>
-          <a:prstGeom prst="rect">
-            <a:avLst/>
-          </a:prstGeom>
-          <a:solidFill>
-            <a:srgbClr val="A7D782"/>
-          </a:solidFill>
-          <a:ln>
-            <a:noFill/>
-          </a:ln>
-        </p:spPr>
-        <p:style>
-          <a:lnRef idx="2">
-            <a:schemeClr val="accent1">
-              <a:shade val="50000"/>
-            </a:schemeClr>
-          </a:lnRef>
-          <a:fillRef idx="1">
-            <a:schemeClr val="accent1"/>
-          </a:fillRef>
-          <a:effectRef idx="0">
-            <a:schemeClr val="accent1"/>
-          </a:effectRef>
-          <a:fontRef idx="minor">
-            <a:schemeClr val="lt1"/>
-          </a:fontRef>
-        </p:style>
-        <p:txBody>
-          <a:bodyPr rtlCol="0" anchor="ctr"/>
-          <a:lstStyle/>
-          <a:p>
-            <a:pPr algn="ctr"/>
-            <a:endParaRPr lang="zh-TW" altLang="en-US"/>
-          </a:p>
-        </p:txBody>
-      </p:sp>
-      <p:sp>
-        <p:nvSpPr>
-          <p:cNvPr id="25" name="矩形 24"/>
-          <p:cNvSpPr/>
-          <p:nvPr/>
-        </p:nvSpPr>
-        <p:spPr>
-          <a:xfrm>
-            <a:off x="10175362" y="4860000"/>
-            <a:ext cx="2034000" cy="1998000"/>
-          </a:xfrm>
-          <a:prstGeom prst="rect">
-            <a:avLst/>
-          </a:prstGeom>
-          <a:solidFill>
-            <a:srgbClr val="D2DA7A"/>
-          </a:solidFill>
-          <a:ln>
-            <a:noFill/>
-          </a:ln>
-        </p:spPr>
-        <p:style>
-          <a:lnRef idx="2">
-            <a:schemeClr val="accent1">
-              <a:shade val="50000"/>
-            </a:schemeClr>
-          </a:lnRef>
-          <a:fillRef idx="1">
-            <a:schemeClr val="accent1"/>
-          </a:fillRef>
-          <a:effectRef idx="0">
-            <a:schemeClr val="accent1"/>
-          </a:effectRef>
-          <a:fontRef idx="minor">
-            <a:schemeClr val="lt1"/>
-          </a:fontRef>
-        </p:style>
-        <p:txBody>
-          <a:bodyPr rtlCol="0" anchor="ctr"/>
-          <a:lstStyle/>
-          <a:p>
-            <a:pPr algn="ctr"/>
-            <a:endParaRPr lang="zh-TW" altLang="en-US"/>
-          </a:p>
-        </p:txBody>
-      </p:sp>
-      <p:sp>
-        <p:nvSpPr>
-          <p:cNvPr id="26" name="文字方塊 25"/>
-          <p:cNvSpPr txBox="1"/>
-          <p:nvPr/>
-        </p:nvSpPr>
-        <p:spPr>
-          <a:xfrm>
-            <a:off x="4065218" y="2159984"/>
-            <a:ext cx="2034000" cy="523220"/>
-          </a:xfrm>
-          <a:prstGeom prst="rect">
-            <a:avLst/>
-          </a:prstGeom>
-          <a:noFill/>
-        </p:spPr>
-        <p:txBody>
-          <a:bodyPr wrap="square" rtlCol="0">
-            <a:spAutoFit/>
-          </a:bodyPr>
-          <a:lstStyle/>
-          <a:p>
-            <a:pPr algn="ctr"/>
-            <a:r>
-              <a:rPr lang="en-US" altLang="zh-TW" sz="2800" dirty="0" smtClean="0">
-                <a:latin typeface="Tekton Pro" panose="020F0603020208020904" pitchFamily="34" charset="0"/>
-              </a:rPr>
-              <a:t>TEASPA</a:t>
-            </a:r>
-            <a:endParaRPr lang="zh-TW" altLang="en-US" sz="2800" dirty="0">
-              <a:latin typeface="Tekton Pro" panose="020F0603020208020904" pitchFamily="34" charset="0"/>
-            </a:endParaRPr>
-          </a:p>
-        </p:txBody>
-      </p:sp>
-      <p:sp>
-        <p:nvSpPr>
-          <p:cNvPr id="27" name="文字方塊 26"/>
-          <p:cNvSpPr txBox="1"/>
-          <p:nvPr/>
-        </p:nvSpPr>
-        <p:spPr>
-          <a:xfrm>
-            <a:off x="6108952" y="2708390"/>
-            <a:ext cx="2034000" cy="523220"/>
-          </a:xfrm>
-          <a:prstGeom prst="rect">
-            <a:avLst/>
-          </a:prstGeom>
-          <a:noFill/>
-        </p:spPr>
-        <p:txBody>
-          <a:bodyPr wrap="square" rtlCol="0">
-            <a:spAutoFit/>
-          </a:bodyPr>
-          <a:lstStyle/>
-          <a:p>
-            <a:pPr algn="ctr"/>
-            <a:r>
-              <a:rPr lang="en-US" altLang="zh-TW" sz="2800" dirty="0" smtClean="0">
-                <a:latin typeface="Tekton Pro" panose="020F0603020208020904" pitchFamily="34" charset="0"/>
-              </a:rPr>
-              <a:t>Xtract</a:t>
-            </a:r>
-            <a:endParaRPr lang="zh-TW" altLang="en-US" sz="2800" dirty="0">
-              <a:latin typeface="Tekton Pro" panose="020F0603020208020904" pitchFamily="34" charset="0"/>
-            </a:endParaRPr>
-          </a:p>
-        </p:txBody>
-      </p:sp>
-      <p:sp>
-        <p:nvSpPr>
-          <p:cNvPr id="28" name="文字方塊 27"/>
-          <p:cNvSpPr txBox="1"/>
-          <p:nvPr/>
-        </p:nvSpPr>
-        <p:spPr>
-          <a:xfrm>
-            <a:off x="8142157" y="3240000"/>
-            <a:ext cx="2034000" cy="523220"/>
-          </a:xfrm>
-          <a:prstGeom prst="rect">
-            <a:avLst/>
-          </a:prstGeom>
-          <a:noFill/>
-        </p:spPr>
-        <p:txBody>
-          <a:bodyPr wrap="square" rtlCol="0">
-            <a:spAutoFit/>
-          </a:bodyPr>
-          <a:lstStyle/>
-          <a:p>
-            <a:pPr algn="ctr"/>
-            <a:r>
-              <a:rPr lang="en-US" altLang="zh-TW" sz="2800" dirty="0" smtClean="0">
-                <a:latin typeface="Tekton Pro" panose="020F0603020208020904" pitchFamily="34" charset="0"/>
-              </a:rPr>
-              <a:t>Upper bound</a:t>
-            </a:r>
-            <a:endParaRPr lang="zh-TW" altLang="en-US" sz="2800" dirty="0">
-              <a:latin typeface="Tekton Pro" panose="020F0603020208020904" pitchFamily="34" charset="0"/>
-            </a:endParaRPr>
-          </a:p>
-        </p:txBody>
-      </p:sp>
-      <p:sp>
-        <p:nvSpPr>
-          <p:cNvPr id="29" name="文字方塊 28"/>
-          <p:cNvSpPr txBox="1"/>
-          <p:nvPr/>
-        </p:nvSpPr>
-        <p:spPr>
-          <a:xfrm>
-            <a:off x="10175362" y="3780000"/>
-            <a:ext cx="2034000" cy="523220"/>
-          </a:xfrm>
-          <a:prstGeom prst="rect">
-            <a:avLst/>
-          </a:prstGeom>
-          <a:noFill/>
-        </p:spPr>
-        <p:txBody>
-          <a:bodyPr wrap="square" rtlCol="0">
-            <a:spAutoFit/>
-          </a:bodyPr>
-          <a:lstStyle/>
-          <a:p>
-            <a:pPr algn="ctr"/>
-            <a:r>
-              <a:rPr lang="en-US" altLang="zh-TW" sz="2800" dirty="0" smtClean="0">
-                <a:latin typeface="Tekton Pro" panose="020F0603020208020904" pitchFamily="34" charset="0"/>
-              </a:rPr>
-              <a:t>Summary</a:t>
-            </a:r>
-            <a:endParaRPr lang="zh-TW" altLang="en-US" sz="2800" dirty="0">
-              <a:latin typeface="Tekton Pro" panose="020F0603020208020904" pitchFamily="34" charset="0"/>
-            </a:endParaRPr>
-          </a:p>
-        </p:txBody>
-      </p:sp>
-    </p:spTree>
-    <p:extLst>
-      <p:ext uri="{BB962C8B-B14F-4D97-AF65-F5344CB8AC3E}">
-        <p14:creationId xmlns:p14="http://schemas.microsoft.com/office/powerpoint/2010/main" val="2534147135"/>
-      </p:ext>
-    </p:extLst>
-  </p:cSld>
-  <p:clrMapOvr>
-    <a:masterClrMapping/>
-  </p:clrMapOvr>
-  <p:timing>
-    <p:tnLst>
-      <p:par>
-        <p:cTn id="1" dur="indefinite" restart="never" nodeType="tmRoot"/>
-      </p:par>
-    </p:tnLst>
-  </p:timing>
-</p:sld>
-</file>
-
-<file path=ppt/slides/slide30.xml><?xml version="1.0" encoding="utf-8"?>
+<file path=ppt/slides/slide28.xml><?xml version="1.0" encoding="utf-8"?>
 <p:sld xmlns:a="http://schemas.openxmlformats.org/drawingml/2006/main" xmlns:r="http://schemas.openxmlformats.org/officeDocument/2006/relationships" xmlns:p="http://schemas.openxmlformats.org/presentationml/2006/main">
   <p:cSld>
     <p:spTree>
@@ -22219,14 +20676,14 @@
                         <a:rPr lang="en-US" altLang="zh-TW" sz="2000" b="0" i="1" smtClean="0">
                           <a:latin typeface="Cambria Math" panose="02040503050406030204" pitchFamily="18" charset="0"/>
                         </a:rPr>
-                        <m:t>=1.519×134560.</m:t>
+                        <m:t>=1.519×134560.02=2</m:t>
                       </m:r>
                       <m:r>
                         <a:rPr lang="en-US" altLang="zh-TW" sz="2000" b="0" i="1" smtClean="0">
                           <a:latin typeface="Cambria Math" panose="02040503050406030204" pitchFamily="18" charset="0"/>
                           <a:ea typeface="Cambria Math" panose="02040503050406030204" pitchFamily="18" charset="0"/>
                         </a:rPr>
-                        <m:t>02=204396.7 </m:t>
+                        <m:t>04396.7 </m:t>
                       </m:r>
                       <m:r>
                         <a:rPr lang="en-US" altLang="zh-TW" sz="2000" b="0" i="1" smtClean="0">
@@ -22467,7 +20924,7 @@
 </p:sld>
 </file>
 
-<file path=ppt/slides/slide31.xml><?xml version="1.0" encoding="utf-8"?>
+<file path=ppt/slides/slide29.xml><?xml version="1.0" encoding="utf-8"?>
 <p:sld xmlns:a="http://schemas.openxmlformats.org/drawingml/2006/main" xmlns:r="http://schemas.openxmlformats.org/officeDocument/2006/relationships" xmlns:p="http://schemas.openxmlformats.org/presentationml/2006/main">
   <p:cSld>
     <p:spTree>
@@ -22850,6 +21307,810 @@
     <p:extLst>
       <p:ext uri="{BB962C8B-B14F-4D97-AF65-F5344CB8AC3E}">
         <p14:creationId xmlns:p14="http://schemas.microsoft.com/office/powerpoint/2010/main" val="916037179"/>
+      </p:ext>
+    </p:extLst>
+  </p:cSld>
+  <p:clrMapOvr>
+    <a:masterClrMapping/>
+  </p:clrMapOvr>
+  <p:timing>
+    <p:tnLst>
+      <p:par>
+        <p:cTn id="1" dur="indefinite" restart="never" nodeType="tmRoot"/>
+      </p:par>
+    </p:tnLst>
+  </p:timing>
+</p:sld>
+</file>
+
+<file path=ppt/slides/slide3.xml><?xml version="1.0" encoding="utf-8"?>
+<p:sld xmlns:a="http://schemas.openxmlformats.org/drawingml/2006/main" xmlns:r="http://schemas.openxmlformats.org/officeDocument/2006/relationships" xmlns:p="http://schemas.openxmlformats.org/presentationml/2006/main">
+  <p:cSld>
+    <p:spTree>
+      <p:nvGrpSpPr>
+        <p:cNvPr id="1" name=""/>
+        <p:cNvGrpSpPr/>
+        <p:nvPr/>
+      </p:nvGrpSpPr>
+      <p:grpSpPr>
+        <a:xfrm>
+          <a:off x="0" y="0"/>
+          <a:ext cx="0" cy="0"/>
+          <a:chOff x="0" y="0"/>
+          <a:chExt cx="0" cy="0"/>
+        </a:xfrm>
+      </p:grpSpPr>
+      <p:sp>
+        <p:nvSpPr>
+          <p:cNvPr id="5" name="矩形 4"/>
+          <p:cNvSpPr/>
+          <p:nvPr/>
+        </p:nvSpPr>
+        <p:spPr>
+          <a:xfrm>
+            <a:off x="0" y="0"/>
+            <a:ext cx="2034000" cy="540000"/>
+          </a:xfrm>
+          <a:prstGeom prst="rect">
+            <a:avLst/>
+          </a:prstGeom>
+          <a:solidFill>
+            <a:srgbClr val="79ADDD"/>
+          </a:solidFill>
+          <a:ln>
+            <a:noFill/>
+          </a:ln>
+        </p:spPr>
+        <p:style>
+          <a:lnRef idx="2">
+            <a:schemeClr val="accent1">
+              <a:shade val="50000"/>
+            </a:schemeClr>
+          </a:lnRef>
+          <a:fillRef idx="1">
+            <a:schemeClr val="accent1"/>
+          </a:fillRef>
+          <a:effectRef idx="0">
+            <a:schemeClr val="accent1"/>
+          </a:effectRef>
+          <a:fontRef idx="minor">
+            <a:schemeClr val="lt1"/>
+          </a:fontRef>
+        </p:style>
+        <p:txBody>
+          <a:bodyPr rtlCol="0" anchor="ctr"/>
+          <a:lstStyle/>
+          <a:p>
+            <a:pPr algn="ctr"/>
+            <a:endParaRPr lang="zh-TW" altLang="en-US"/>
+          </a:p>
+        </p:txBody>
+      </p:sp>
+      <p:sp>
+        <p:nvSpPr>
+          <p:cNvPr id="6" name="矩形 5"/>
+          <p:cNvSpPr/>
+          <p:nvPr/>
+        </p:nvSpPr>
+        <p:spPr>
+          <a:xfrm>
+            <a:off x="2033046" y="0"/>
+            <a:ext cx="2034000" cy="1080000"/>
+          </a:xfrm>
+          <a:prstGeom prst="rect">
+            <a:avLst/>
+          </a:prstGeom>
+          <a:solidFill>
+            <a:srgbClr val="9FB8CD"/>
+          </a:solidFill>
+          <a:ln>
+            <a:noFill/>
+          </a:ln>
+        </p:spPr>
+        <p:style>
+          <a:lnRef idx="2">
+            <a:schemeClr val="accent1">
+              <a:shade val="50000"/>
+            </a:schemeClr>
+          </a:lnRef>
+          <a:fillRef idx="1">
+            <a:schemeClr val="accent1"/>
+          </a:fillRef>
+          <a:effectRef idx="0">
+            <a:schemeClr val="accent1"/>
+          </a:effectRef>
+          <a:fontRef idx="minor">
+            <a:schemeClr val="lt1"/>
+          </a:fontRef>
+        </p:style>
+        <p:txBody>
+          <a:bodyPr rtlCol="0" anchor="ctr"/>
+          <a:lstStyle/>
+          <a:p>
+            <a:pPr algn="ctr"/>
+            <a:endParaRPr lang="zh-TW" altLang="en-US"/>
+          </a:p>
+        </p:txBody>
+      </p:sp>
+      <p:sp>
+        <p:nvSpPr>
+          <p:cNvPr id="7" name="矩形 6"/>
+          <p:cNvSpPr/>
+          <p:nvPr/>
+        </p:nvSpPr>
+        <p:spPr>
+          <a:xfrm>
+            <a:off x="4065218" y="0"/>
+            <a:ext cx="2034000" cy="1620000"/>
+          </a:xfrm>
+          <a:prstGeom prst="rect">
+            <a:avLst/>
+          </a:prstGeom>
+          <a:solidFill>
+            <a:srgbClr val="98CFCE"/>
+          </a:solidFill>
+          <a:ln>
+            <a:noFill/>
+          </a:ln>
+        </p:spPr>
+        <p:style>
+          <a:lnRef idx="2">
+            <a:schemeClr val="accent1">
+              <a:shade val="50000"/>
+            </a:schemeClr>
+          </a:lnRef>
+          <a:fillRef idx="1">
+            <a:schemeClr val="accent1"/>
+          </a:fillRef>
+          <a:effectRef idx="0">
+            <a:schemeClr val="accent1"/>
+          </a:effectRef>
+          <a:fontRef idx="minor">
+            <a:schemeClr val="lt1"/>
+          </a:fontRef>
+        </p:style>
+        <p:txBody>
+          <a:bodyPr rtlCol="0" anchor="ctr"/>
+          <a:lstStyle/>
+          <a:p>
+            <a:pPr algn="ctr"/>
+            <a:endParaRPr lang="zh-TW" altLang="en-US"/>
+          </a:p>
+        </p:txBody>
+      </p:sp>
+      <p:sp>
+        <p:nvSpPr>
+          <p:cNvPr id="8" name="矩形 7"/>
+          <p:cNvSpPr/>
+          <p:nvPr/>
+        </p:nvSpPr>
+        <p:spPr>
+          <a:xfrm>
+            <a:off x="6099615" y="0"/>
+            <a:ext cx="2034000" cy="2160000"/>
+          </a:xfrm>
+          <a:prstGeom prst="rect">
+            <a:avLst/>
+          </a:prstGeom>
+          <a:solidFill>
+            <a:srgbClr val="8AD48C"/>
+          </a:solidFill>
+          <a:ln>
+            <a:noFill/>
+          </a:ln>
+        </p:spPr>
+        <p:style>
+          <a:lnRef idx="2">
+            <a:schemeClr val="accent1">
+              <a:shade val="50000"/>
+            </a:schemeClr>
+          </a:lnRef>
+          <a:fillRef idx="1">
+            <a:schemeClr val="accent1"/>
+          </a:fillRef>
+          <a:effectRef idx="0">
+            <a:schemeClr val="accent1"/>
+          </a:effectRef>
+          <a:fontRef idx="minor">
+            <a:schemeClr val="lt1"/>
+          </a:fontRef>
+        </p:style>
+        <p:txBody>
+          <a:bodyPr rtlCol="0" anchor="ctr"/>
+          <a:lstStyle/>
+          <a:p>
+            <a:pPr algn="ctr"/>
+            <a:endParaRPr lang="zh-TW" altLang="en-US"/>
+          </a:p>
+        </p:txBody>
+      </p:sp>
+      <p:sp>
+        <p:nvSpPr>
+          <p:cNvPr id="9" name="矩形 8"/>
+          <p:cNvSpPr/>
+          <p:nvPr/>
+        </p:nvSpPr>
+        <p:spPr>
+          <a:xfrm>
+            <a:off x="8132820" y="0"/>
+            <a:ext cx="2034000" cy="2700000"/>
+          </a:xfrm>
+          <a:prstGeom prst="rect">
+            <a:avLst/>
+          </a:prstGeom>
+          <a:solidFill>
+            <a:srgbClr val="A7D782"/>
+          </a:solidFill>
+          <a:ln>
+            <a:noFill/>
+          </a:ln>
+        </p:spPr>
+        <p:style>
+          <a:lnRef idx="2">
+            <a:schemeClr val="accent1">
+              <a:shade val="50000"/>
+            </a:schemeClr>
+          </a:lnRef>
+          <a:fillRef idx="1">
+            <a:schemeClr val="accent1"/>
+          </a:fillRef>
+          <a:effectRef idx="0">
+            <a:schemeClr val="accent1"/>
+          </a:effectRef>
+          <a:fontRef idx="minor">
+            <a:schemeClr val="lt1"/>
+          </a:fontRef>
+        </p:style>
+        <p:txBody>
+          <a:bodyPr rtlCol="0" anchor="ctr"/>
+          <a:lstStyle/>
+          <a:p>
+            <a:pPr algn="ctr"/>
+            <a:endParaRPr lang="zh-TW" altLang="en-US"/>
+          </a:p>
+        </p:txBody>
+      </p:sp>
+      <p:sp>
+        <p:nvSpPr>
+          <p:cNvPr id="10" name="矩形 9"/>
+          <p:cNvSpPr/>
+          <p:nvPr/>
+        </p:nvSpPr>
+        <p:spPr>
+          <a:xfrm>
+            <a:off x="10166025" y="0"/>
+            <a:ext cx="2034000" cy="3240000"/>
+          </a:xfrm>
+          <a:prstGeom prst="rect">
+            <a:avLst/>
+          </a:prstGeom>
+          <a:solidFill>
+            <a:srgbClr val="D2DA7A"/>
+          </a:solidFill>
+          <a:ln>
+            <a:noFill/>
+          </a:ln>
+        </p:spPr>
+        <p:style>
+          <a:lnRef idx="2">
+            <a:schemeClr val="accent1">
+              <a:shade val="50000"/>
+            </a:schemeClr>
+          </a:lnRef>
+          <a:fillRef idx="1">
+            <a:schemeClr val="accent1"/>
+          </a:fillRef>
+          <a:effectRef idx="0">
+            <a:schemeClr val="accent1"/>
+          </a:effectRef>
+          <a:fontRef idx="minor">
+            <a:schemeClr val="lt1"/>
+          </a:fontRef>
+        </p:style>
+        <p:txBody>
+          <a:bodyPr rtlCol="0" anchor="ctr"/>
+          <a:lstStyle/>
+          <a:p>
+            <a:pPr algn="ctr"/>
+            <a:endParaRPr lang="zh-TW" altLang="en-US"/>
+          </a:p>
+        </p:txBody>
+      </p:sp>
+      <p:sp>
+        <p:nvSpPr>
+          <p:cNvPr id="4" name="文字方塊 3"/>
+          <p:cNvSpPr txBox="1"/>
+          <p:nvPr/>
+        </p:nvSpPr>
+        <p:spPr>
+          <a:xfrm>
+            <a:off x="-1" y="1134815"/>
+            <a:ext cx="2032013" cy="523220"/>
+          </a:xfrm>
+          <a:prstGeom prst="rect">
+            <a:avLst/>
+          </a:prstGeom>
+          <a:noFill/>
+        </p:spPr>
+        <p:txBody>
+          <a:bodyPr wrap="square" rtlCol="0">
+            <a:spAutoFit/>
+          </a:bodyPr>
+          <a:lstStyle/>
+          <a:p>
+            <a:pPr algn="ctr"/>
+            <a:r>
+              <a:rPr lang="en-US" altLang="zh-TW" sz="2800" dirty="0">
+                <a:latin typeface="Tekton Pro" panose="020F0603020208020904" pitchFamily="34" charset="0"/>
+              </a:rPr>
+              <a:t>I</a:t>
+            </a:r>
+            <a:r>
+              <a:rPr lang="en-US" altLang="zh-TW" sz="2800" dirty="0" smtClean="0">
+                <a:latin typeface="Tekton Pro" panose="020F0603020208020904" pitchFamily="34" charset="0"/>
+              </a:rPr>
+              <a:t>ntroduction</a:t>
+            </a:r>
+            <a:endParaRPr lang="zh-TW" altLang="en-US" sz="2800" dirty="0">
+              <a:latin typeface="Tekton Pro" panose="020F0603020208020904" pitchFamily="34" charset="0"/>
+            </a:endParaRPr>
+          </a:p>
+        </p:txBody>
+      </p:sp>
+      <p:sp>
+        <p:nvSpPr>
+          <p:cNvPr id="18" name="文字方塊 17"/>
+          <p:cNvSpPr txBox="1"/>
+          <p:nvPr/>
+        </p:nvSpPr>
+        <p:spPr>
+          <a:xfrm>
+            <a:off x="2446982" y="1636796"/>
+            <a:ext cx="1074461" cy="523220"/>
+          </a:xfrm>
+          <a:prstGeom prst="rect">
+            <a:avLst/>
+          </a:prstGeom>
+          <a:noFill/>
+        </p:spPr>
+        <p:txBody>
+          <a:bodyPr wrap="none" rtlCol="0">
+            <a:spAutoFit/>
+          </a:bodyPr>
+          <a:lstStyle/>
+          <a:p>
+            <a:r>
+              <a:rPr lang="en-US" altLang="zh-TW" sz="2800" dirty="0" smtClean="0">
+                <a:latin typeface="Tekton Pro" panose="020F0603020208020904" pitchFamily="34" charset="0"/>
+              </a:rPr>
+              <a:t>Etabs</a:t>
+            </a:r>
+            <a:endParaRPr lang="zh-TW" altLang="en-US" sz="2800" dirty="0">
+              <a:latin typeface="Tekton Pro" panose="020F0603020208020904" pitchFamily="34" charset="0"/>
+            </a:endParaRPr>
+          </a:p>
+        </p:txBody>
+      </p:sp>
+      <p:sp>
+        <p:nvSpPr>
+          <p:cNvPr id="20" name="矩形 19"/>
+          <p:cNvSpPr/>
+          <p:nvPr/>
+        </p:nvSpPr>
+        <p:spPr>
+          <a:xfrm>
+            <a:off x="-955" y="2160000"/>
+            <a:ext cx="2041907" cy="4698000"/>
+          </a:xfrm>
+          <a:prstGeom prst="rect">
+            <a:avLst/>
+          </a:prstGeom>
+          <a:solidFill>
+            <a:srgbClr val="79ADDD"/>
+          </a:solidFill>
+          <a:ln>
+            <a:noFill/>
+          </a:ln>
+        </p:spPr>
+        <p:style>
+          <a:lnRef idx="2">
+            <a:schemeClr val="accent1">
+              <a:shade val="50000"/>
+            </a:schemeClr>
+          </a:lnRef>
+          <a:fillRef idx="1">
+            <a:schemeClr val="accent1"/>
+          </a:fillRef>
+          <a:effectRef idx="0">
+            <a:schemeClr val="accent1"/>
+          </a:effectRef>
+          <a:fontRef idx="minor">
+            <a:schemeClr val="lt1"/>
+          </a:fontRef>
+        </p:style>
+        <p:txBody>
+          <a:bodyPr rtlCol="0" anchor="ctr"/>
+          <a:lstStyle/>
+          <a:p>
+            <a:pPr algn="ctr"/>
+            <a:endParaRPr lang="zh-TW" altLang="en-US"/>
+          </a:p>
+        </p:txBody>
+      </p:sp>
+      <p:sp>
+        <p:nvSpPr>
+          <p:cNvPr id="21" name="矩形 20"/>
+          <p:cNvSpPr/>
+          <p:nvPr/>
+        </p:nvSpPr>
+        <p:spPr>
+          <a:xfrm>
+            <a:off x="2042383" y="2700000"/>
+            <a:ext cx="2034000" cy="4158000"/>
+          </a:xfrm>
+          <a:prstGeom prst="rect">
+            <a:avLst/>
+          </a:prstGeom>
+          <a:solidFill>
+            <a:srgbClr val="9FB8CD"/>
+          </a:solidFill>
+          <a:ln>
+            <a:noFill/>
+          </a:ln>
+        </p:spPr>
+        <p:style>
+          <a:lnRef idx="2">
+            <a:schemeClr val="accent1">
+              <a:shade val="50000"/>
+            </a:schemeClr>
+          </a:lnRef>
+          <a:fillRef idx="1">
+            <a:schemeClr val="accent1"/>
+          </a:fillRef>
+          <a:effectRef idx="0">
+            <a:schemeClr val="accent1"/>
+          </a:effectRef>
+          <a:fontRef idx="minor">
+            <a:schemeClr val="lt1"/>
+          </a:fontRef>
+        </p:style>
+        <p:txBody>
+          <a:bodyPr rtlCol="0" anchor="ctr"/>
+          <a:lstStyle/>
+          <a:p>
+            <a:pPr algn="ctr"/>
+            <a:endParaRPr lang="zh-TW" altLang="en-US"/>
+          </a:p>
+        </p:txBody>
+      </p:sp>
+      <p:sp>
+        <p:nvSpPr>
+          <p:cNvPr id="22" name="矩形 21"/>
+          <p:cNvSpPr/>
+          <p:nvPr/>
+        </p:nvSpPr>
+        <p:spPr>
+          <a:xfrm>
+            <a:off x="4074555" y="3240000"/>
+            <a:ext cx="2034000" cy="3618000"/>
+          </a:xfrm>
+          <a:prstGeom prst="rect">
+            <a:avLst/>
+          </a:prstGeom>
+          <a:solidFill>
+            <a:srgbClr val="98CFCE"/>
+          </a:solidFill>
+          <a:ln>
+            <a:noFill/>
+          </a:ln>
+        </p:spPr>
+        <p:style>
+          <a:lnRef idx="2">
+            <a:schemeClr val="accent1">
+              <a:shade val="50000"/>
+            </a:schemeClr>
+          </a:lnRef>
+          <a:fillRef idx="1">
+            <a:schemeClr val="accent1"/>
+          </a:fillRef>
+          <a:effectRef idx="0">
+            <a:schemeClr val="accent1"/>
+          </a:effectRef>
+          <a:fontRef idx="minor">
+            <a:schemeClr val="lt1"/>
+          </a:fontRef>
+        </p:style>
+        <p:txBody>
+          <a:bodyPr rtlCol="0" anchor="ctr"/>
+          <a:lstStyle/>
+          <a:p>
+            <a:pPr algn="ctr"/>
+            <a:endParaRPr lang="zh-TW" altLang="en-US"/>
+          </a:p>
+        </p:txBody>
+      </p:sp>
+      <p:sp>
+        <p:nvSpPr>
+          <p:cNvPr id="23" name="矩形 22"/>
+          <p:cNvSpPr/>
+          <p:nvPr/>
+        </p:nvSpPr>
+        <p:spPr>
+          <a:xfrm>
+            <a:off x="6108952" y="3780000"/>
+            <a:ext cx="2034000" cy="3078000"/>
+          </a:xfrm>
+          <a:prstGeom prst="rect">
+            <a:avLst/>
+          </a:prstGeom>
+          <a:solidFill>
+            <a:srgbClr val="8AD48C"/>
+          </a:solidFill>
+          <a:ln>
+            <a:noFill/>
+          </a:ln>
+        </p:spPr>
+        <p:style>
+          <a:lnRef idx="2">
+            <a:schemeClr val="accent1">
+              <a:shade val="50000"/>
+            </a:schemeClr>
+          </a:lnRef>
+          <a:fillRef idx="1">
+            <a:schemeClr val="accent1"/>
+          </a:fillRef>
+          <a:effectRef idx="0">
+            <a:schemeClr val="accent1"/>
+          </a:effectRef>
+          <a:fontRef idx="minor">
+            <a:schemeClr val="lt1"/>
+          </a:fontRef>
+        </p:style>
+        <p:txBody>
+          <a:bodyPr rtlCol="0" anchor="ctr"/>
+          <a:lstStyle/>
+          <a:p>
+            <a:pPr algn="ctr"/>
+            <a:endParaRPr lang="zh-TW" altLang="en-US"/>
+          </a:p>
+        </p:txBody>
+      </p:sp>
+      <p:sp>
+        <p:nvSpPr>
+          <p:cNvPr id="24" name="矩形 23"/>
+          <p:cNvSpPr/>
+          <p:nvPr/>
+        </p:nvSpPr>
+        <p:spPr>
+          <a:xfrm>
+            <a:off x="8142157" y="4320000"/>
+            <a:ext cx="2034000" cy="2538000"/>
+          </a:xfrm>
+          <a:prstGeom prst="rect">
+            <a:avLst/>
+          </a:prstGeom>
+          <a:solidFill>
+            <a:srgbClr val="A7D782"/>
+          </a:solidFill>
+          <a:ln>
+            <a:noFill/>
+          </a:ln>
+        </p:spPr>
+        <p:style>
+          <a:lnRef idx="2">
+            <a:schemeClr val="accent1">
+              <a:shade val="50000"/>
+            </a:schemeClr>
+          </a:lnRef>
+          <a:fillRef idx="1">
+            <a:schemeClr val="accent1"/>
+          </a:fillRef>
+          <a:effectRef idx="0">
+            <a:schemeClr val="accent1"/>
+          </a:effectRef>
+          <a:fontRef idx="minor">
+            <a:schemeClr val="lt1"/>
+          </a:fontRef>
+        </p:style>
+        <p:txBody>
+          <a:bodyPr rtlCol="0" anchor="ctr"/>
+          <a:lstStyle/>
+          <a:p>
+            <a:pPr algn="ctr"/>
+            <a:endParaRPr lang="zh-TW" altLang="en-US"/>
+          </a:p>
+        </p:txBody>
+      </p:sp>
+      <p:sp>
+        <p:nvSpPr>
+          <p:cNvPr id="25" name="矩形 24"/>
+          <p:cNvSpPr/>
+          <p:nvPr/>
+        </p:nvSpPr>
+        <p:spPr>
+          <a:xfrm>
+            <a:off x="10175362" y="4860000"/>
+            <a:ext cx="2034000" cy="1998000"/>
+          </a:xfrm>
+          <a:prstGeom prst="rect">
+            <a:avLst/>
+          </a:prstGeom>
+          <a:solidFill>
+            <a:srgbClr val="D2DA7A"/>
+          </a:solidFill>
+          <a:ln>
+            <a:noFill/>
+          </a:ln>
+        </p:spPr>
+        <p:style>
+          <a:lnRef idx="2">
+            <a:schemeClr val="accent1">
+              <a:shade val="50000"/>
+            </a:schemeClr>
+          </a:lnRef>
+          <a:fillRef idx="1">
+            <a:schemeClr val="accent1"/>
+          </a:fillRef>
+          <a:effectRef idx="0">
+            <a:schemeClr val="accent1"/>
+          </a:effectRef>
+          <a:fontRef idx="minor">
+            <a:schemeClr val="lt1"/>
+          </a:fontRef>
+        </p:style>
+        <p:txBody>
+          <a:bodyPr rtlCol="0" anchor="ctr"/>
+          <a:lstStyle/>
+          <a:p>
+            <a:pPr algn="ctr"/>
+            <a:endParaRPr lang="zh-TW" altLang="en-US"/>
+          </a:p>
+        </p:txBody>
+      </p:sp>
+      <p:sp>
+        <p:nvSpPr>
+          <p:cNvPr id="26" name="文字方塊 25"/>
+          <p:cNvSpPr txBox="1"/>
+          <p:nvPr/>
+        </p:nvSpPr>
+        <p:spPr>
+          <a:xfrm>
+            <a:off x="4065218" y="2159984"/>
+            <a:ext cx="2034000" cy="523220"/>
+          </a:xfrm>
+          <a:prstGeom prst="rect">
+            <a:avLst/>
+          </a:prstGeom>
+          <a:noFill/>
+        </p:spPr>
+        <p:txBody>
+          <a:bodyPr wrap="square" rtlCol="0">
+            <a:spAutoFit/>
+          </a:bodyPr>
+          <a:lstStyle/>
+          <a:p>
+            <a:pPr algn="ctr"/>
+            <a:r>
+              <a:rPr lang="en-US" altLang="zh-TW" sz="2800" dirty="0" smtClean="0">
+                <a:latin typeface="Tekton Pro" panose="020F0603020208020904" pitchFamily="34" charset="0"/>
+              </a:rPr>
+              <a:t>TEASPA</a:t>
+            </a:r>
+            <a:endParaRPr lang="zh-TW" altLang="en-US" sz="2800" dirty="0">
+              <a:latin typeface="Tekton Pro" panose="020F0603020208020904" pitchFamily="34" charset="0"/>
+            </a:endParaRPr>
+          </a:p>
+        </p:txBody>
+      </p:sp>
+      <p:sp>
+        <p:nvSpPr>
+          <p:cNvPr id="27" name="文字方塊 26"/>
+          <p:cNvSpPr txBox="1"/>
+          <p:nvPr/>
+        </p:nvSpPr>
+        <p:spPr>
+          <a:xfrm>
+            <a:off x="6108952" y="2708390"/>
+            <a:ext cx="2034000" cy="523220"/>
+          </a:xfrm>
+          <a:prstGeom prst="rect">
+            <a:avLst/>
+          </a:prstGeom>
+          <a:noFill/>
+        </p:spPr>
+        <p:txBody>
+          <a:bodyPr wrap="square" rtlCol="0">
+            <a:spAutoFit/>
+          </a:bodyPr>
+          <a:lstStyle/>
+          <a:p>
+            <a:pPr algn="ctr"/>
+            <a:r>
+              <a:rPr lang="en-US" altLang="zh-TW" sz="2800" dirty="0" smtClean="0">
+                <a:latin typeface="Tekton Pro" panose="020F0603020208020904" pitchFamily="34" charset="0"/>
+              </a:rPr>
+              <a:t>Xtract</a:t>
+            </a:r>
+            <a:endParaRPr lang="zh-TW" altLang="en-US" sz="2800" dirty="0">
+              <a:latin typeface="Tekton Pro" panose="020F0603020208020904" pitchFamily="34" charset="0"/>
+            </a:endParaRPr>
+          </a:p>
+        </p:txBody>
+      </p:sp>
+      <p:sp>
+        <p:nvSpPr>
+          <p:cNvPr id="28" name="文字方塊 27"/>
+          <p:cNvSpPr txBox="1"/>
+          <p:nvPr/>
+        </p:nvSpPr>
+        <p:spPr>
+          <a:xfrm>
+            <a:off x="8142157" y="3240000"/>
+            <a:ext cx="2034000" cy="523220"/>
+          </a:xfrm>
+          <a:prstGeom prst="rect">
+            <a:avLst/>
+          </a:prstGeom>
+          <a:noFill/>
+        </p:spPr>
+        <p:txBody>
+          <a:bodyPr wrap="square" rtlCol="0">
+            <a:spAutoFit/>
+          </a:bodyPr>
+          <a:lstStyle/>
+          <a:p>
+            <a:pPr algn="ctr"/>
+            <a:r>
+              <a:rPr lang="en-US" altLang="zh-TW" sz="2800" dirty="0" smtClean="0">
+                <a:latin typeface="Tekton Pro" panose="020F0603020208020904" pitchFamily="34" charset="0"/>
+              </a:rPr>
+              <a:t>Upper bound</a:t>
+            </a:r>
+            <a:endParaRPr lang="zh-TW" altLang="en-US" sz="2800" dirty="0">
+              <a:latin typeface="Tekton Pro" panose="020F0603020208020904" pitchFamily="34" charset="0"/>
+            </a:endParaRPr>
+          </a:p>
+        </p:txBody>
+      </p:sp>
+      <p:sp>
+        <p:nvSpPr>
+          <p:cNvPr id="29" name="文字方塊 28"/>
+          <p:cNvSpPr txBox="1"/>
+          <p:nvPr/>
+        </p:nvSpPr>
+        <p:spPr>
+          <a:xfrm>
+            <a:off x="10175362" y="3780000"/>
+            <a:ext cx="2034000" cy="523220"/>
+          </a:xfrm>
+          <a:prstGeom prst="rect">
+            <a:avLst/>
+          </a:prstGeom>
+          <a:noFill/>
+        </p:spPr>
+        <p:txBody>
+          <a:bodyPr wrap="square" rtlCol="0">
+            <a:spAutoFit/>
+          </a:bodyPr>
+          <a:lstStyle/>
+          <a:p>
+            <a:pPr algn="ctr"/>
+            <a:r>
+              <a:rPr lang="en-US" altLang="zh-TW" sz="2800" dirty="0" smtClean="0">
+                <a:latin typeface="Tekton Pro" panose="020F0603020208020904" pitchFamily="34" charset="0"/>
+              </a:rPr>
+              <a:t>Summary</a:t>
+            </a:r>
+            <a:endParaRPr lang="zh-TW" altLang="en-US" sz="2800" dirty="0">
+              <a:latin typeface="Tekton Pro" panose="020F0603020208020904" pitchFamily="34" charset="0"/>
+            </a:endParaRPr>
+          </a:p>
+        </p:txBody>
+      </p:sp>
+    </p:spTree>
+    <p:extLst>
+      <p:ext uri="{BB962C8B-B14F-4D97-AF65-F5344CB8AC3E}">
+        <p14:creationId xmlns:p14="http://schemas.microsoft.com/office/powerpoint/2010/main" val="2534147135"/>
       </p:ext>
     </p:extLst>
   </p:cSld>

--- a/10-pa/project/20190102.pptx
+++ b/10-pa/project/20190102.pptx
@@ -5,7 +5,7 @@
     <p:sldMasterId id="2147483648" r:id="rId1"/>
   </p:sldMasterIdLst>
   <p:handoutMasterIdLst>
-    <p:handoutMasterId r:id="rId31"/>
+    <p:handoutMasterId r:id="rId34"/>
   </p:handoutMasterIdLst>
   <p:sldIdLst>
     <p:sldId id="256" r:id="rId2"/>
@@ -17,26 +17,29 @@
     <p:sldId id="261" r:id="rId8"/>
     <p:sldId id="275" r:id="rId9"/>
     <p:sldId id="276" r:id="rId10"/>
-    <p:sldId id="277" r:id="rId11"/>
-    <p:sldId id="280" r:id="rId12"/>
+    <p:sldId id="290" r:id="rId11"/>
+    <p:sldId id="291" r:id="rId12"/>
     <p:sldId id="279" r:id="rId13"/>
     <p:sldId id="278" r:id="rId14"/>
     <p:sldId id="281" r:id="rId15"/>
-    <p:sldId id="262" r:id="rId16"/>
-    <p:sldId id="283" r:id="rId17"/>
-    <p:sldId id="282" r:id="rId18"/>
-    <p:sldId id="284" r:id="rId19"/>
-    <p:sldId id="287" r:id="rId20"/>
-    <p:sldId id="286" r:id="rId21"/>
-    <p:sldId id="289" r:id="rId22"/>
-    <p:sldId id="263" r:id="rId23"/>
-    <p:sldId id="269" r:id="rId24"/>
-    <p:sldId id="268" r:id="rId25"/>
-    <p:sldId id="264" r:id="rId26"/>
-    <p:sldId id="270" r:id="rId27"/>
-    <p:sldId id="271" r:id="rId28"/>
-    <p:sldId id="272" r:id="rId29"/>
-    <p:sldId id="265" r:id="rId30"/>
+    <p:sldId id="295" r:id="rId16"/>
+    <p:sldId id="262" r:id="rId17"/>
+    <p:sldId id="293" r:id="rId18"/>
+    <p:sldId id="283" r:id="rId19"/>
+    <p:sldId id="296" r:id="rId20"/>
+    <p:sldId id="282" r:id="rId21"/>
+    <p:sldId id="297" r:id="rId22"/>
+    <p:sldId id="284" r:id="rId23"/>
+    <p:sldId id="287" r:id="rId24"/>
+    <p:sldId id="286" r:id="rId25"/>
+    <p:sldId id="263" r:id="rId26"/>
+    <p:sldId id="269" r:id="rId27"/>
+    <p:sldId id="268" r:id="rId28"/>
+    <p:sldId id="264" r:id="rId29"/>
+    <p:sldId id="270" r:id="rId30"/>
+    <p:sldId id="271" r:id="rId31"/>
+    <p:sldId id="272" r:id="rId32"/>
+    <p:sldId id="265" r:id="rId33"/>
   </p:sldIdLst>
   <p:sldSz cx="12192000" cy="6858000"/>
   <p:notesSz cx="6858000" cy="9144000"/>
@@ -228,7 +231,7 @@
           <a:p>
             <a:fld id="{8BEB6BEC-BF52-42D6-B9FF-B7022F121E6C}" type="datetimeFigureOut">
               <a:rPr lang="zh-TW" altLang="en-US" smtClean="0"/>
-              <a:t>2019/1/1</a:t>
+              <a:t>2019/1/8</a:t>
             </a:fld>
             <a:endParaRPr lang="zh-TW" altLang="en-US"/>
           </a:p>
@@ -442,7 +445,7 @@
           <a:p>
             <a:fld id="{B6CFD8AC-FB4D-4EBC-A375-B1700A516881}" type="datetimeFigureOut">
               <a:rPr lang="zh-TW" altLang="en-US" smtClean="0"/>
-              <a:t>2019/1/1</a:t>
+              <a:t>2019/1/8</a:t>
             </a:fld>
             <a:endParaRPr lang="zh-TW" altLang="en-US"/>
           </a:p>
@@ -612,7 +615,7 @@
           <a:p>
             <a:fld id="{B6CFD8AC-FB4D-4EBC-A375-B1700A516881}" type="datetimeFigureOut">
               <a:rPr lang="zh-TW" altLang="en-US" smtClean="0"/>
-              <a:t>2019/1/1</a:t>
+              <a:t>2019/1/8</a:t>
             </a:fld>
             <a:endParaRPr lang="zh-TW" altLang="en-US"/>
           </a:p>
@@ -792,7 +795,7 @@
           <a:p>
             <a:fld id="{B6CFD8AC-FB4D-4EBC-A375-B1700A516881}" type="datetimeFigureOut">
               <a:rPr lang="zh-TW" altLang="en-US" smtClean="0"/>
-              <a:t>2019/1/1</a:t>
+              <a:t>2019/1/8</a:t>
             </a:fld>
             <a:endParaRPr lang="zh-TW" altLang="en-US"/>
           </a:p>
@@ -962,7 +965,7 @@
           <a:p>
             <a:fld id="{B6CFD8AC-FB4D-4EBC-A375-B1700A516881}" type="datetimeFigureOut">
               <a:rPr lang="zh-TW" altLang="en-US" smtClean="0"/>
-              <a:t>2019/1/1</a:t>
+              <a:t>2019/1/8</a:t>
             </a:fld>
             <a:endParaRPr lang="zh-TW" altLang="en-US"/>
           </a:p>
@@ -1215,7 +1218,7 @@
           <a:p>
             <a:fld id="{B6CFD8AC-FB4D-4EBC-A375-B1700A516881}" type="datetimeFigureOut">
               <a:rPr lang="zh-TW" altLang="en-US" smtClean="0"/>
-              <a:t>2019/1/1</a:t>
+              <a:t>2019/1/8</a:t>
             </a:fld>
             <a:endParaRPr lang="zh-TW" altLang="en-US"/>
           </a:p>
@@ -1447,7 +1450,7 @@
           <a:p>
             <a:fld id="{B6CFD8AC-FB4D-4EBC-A375-B1700A516881}" type="datetimeFigureOut">
               <a:rPr lang="zh-TW" altLang="en-US" smtClean="0"/>
-              <a:t>2019/1/1</a:t>
+              <a:t>2019/1/8</a:t>
             </a:fld>
             <a:endParaRPr lang="zh-TW" altLang="en-US"/>
           </a:p>
@@ -1814,7 +1817,7 @@
           <a:p>
             <a:fld id="{B6CFD8AC-FB4D-4EBC-A375-B1700A516881}" type="datetimeFigureOut">
               <a:rPr lang="zh-TW" altLang="en-US" smtClean="0"/>
-              <a:t>2019/1/1</a:t>
+              <a:t>2019/1/8</a:t>
             </a:fld>
             <a:endParaRPr lang="zh-TW" altLang="en-US"/>
           </a:p>
@@ -1932,7 +1935,7 @@
           <a:p>
             <a:fld id="{B6CFD8AC-FB4D-4EBC-A375-B1700A516881}" type="datetimeFigureOut">
               <a:rPr lang="zh-TW" altLang="en-US" smtClean="0"/>
-              <a:t>2019/1/1</a:t>
+              <a:t>2019/1/8</a:t>
             </a:fld>
             <a:endParaRPr lang="zh-TW" altLang="en-US"/>
           </a:p>
@@ -2027,7 +2030,7 @@
           <a:p>
             <a:fld id="{B6CFD8AC-FB4D-4EBC-A375-B1700A516881}" type="datetimeFigureOut">
               <a:rPr lang="zh-TW" altLang="en-US" smtClean="0"/>
-              <a:t>2019/1/1</a:t>
+              <a:t>2019/1/8</a:t>
             </a:fld>
             <a:endParaRPr lang="zh-TW" altLang="en-US"/>
           </a:p>
@@ -2304,7 +2307,7 @@
           <a:p>
             <a:fld id="{B6CFD8AC-FB4D-4EBC-A375-B1700A516881}" type="datetimeFigureOut">
               <a:rPr lang="zh-TW" altLang="en-US" smtClean="0"/>
-              <a:t>2019/1/1</a:t>
+              <a:t>2019/1/8</a:t>
             </a:fld>
             <a:endParaRPr lang="zh-TW" altLang="en-US"/>
           </a:p>
@@ -2557,7 +2560,7 @@
           <a:p>
             <a:fld id="{B6CFD8AC-FB4D-4EBC-A375-B1700A516881}" type="datetimeFigureOut">
               <a:rPr lang="zh-TW" altLang="en-US" smtClean="0"/>
-              <a:t>2019/1/1</a:t>
+              <a:t>2019/1/8</a:t>
             </a:fld>
             <a:endParaRPr lang="zh-TW" altLang="en-US"/>
           </a:p>
@@ -2770,7 +2773,7 @@
           <a:p>
             <a:fld id="{B6CFD8AC-FB4D-4EBC-A375-B1700A516881}" type="datetimeFigureOut">
               <a:rPr lang="zh-TW" altLang="en-US" smtClean="0"/>
-              <a:t>2019/1/1</a:t>
+              <a:t>2019/1/8</a:t>
             </a:fld>
             <a:endParaRPr lang="zh-TW" altLang="en-US"/>
           </a:p>
@@ -4313,7 +4316,7 @@
         <p:spPr>
           <a:xfrm>
             <a:off x="566166" y="660451"/>
-            <a:ext cx="2563459" cy="646331"/>
+            <a:ext cx="1651414" cy="646331"/>
           </a:xfrm>
           <a:prstGeom prst="rect">
             <a:avLst/>
@@ -4333,7 +4336,7 @@
                 </a:solidFill>
                 <a:latin typeface="Tekton Pro" panose="020F0603020208020904" pitchFamily="34" charset="0"/>
               </a:rPr>
-              <a:t>Load Pattern</a:t>
+              <a:t>Loading</a:t>
             </a:r>
             <a:endParaRPr lang="zh-TW" altLang="en-US" sz="3600" dirty="0">
               <a:solidFill>
@@ -4366,8 +4369,8 @@
         </p:blipFill>
         <p:spPr>
           <a:xfrm>
-            <a:off x="2498823" y="1278399"/>
-            <a:ext cx="7792537" cy="2524477"/>
+            <a:off x="2966219" y="3747059"/>
+            <a:ext cx="5888717" cy="2313424"/>
           </a:xfrm>
           <a:prstGeom prst="rect">
             <a:avLst/>
@@ -4382,32 +4385,176 @@
           </p:cNvPicPr>
           <p:nvPr/>
         </p:nvPicPr>
-        <p:blipFill>
-          <a:blip r:embed="rId3">
-            <a:extLst>
-              <a:ext uri="{28A0092B-C50C-407E-A947-70E740481C1C}">
-                <a14:useLocalDpi xmlns:a14="http://schemas.microsoft.com/office/drawing/2010/main" val="0"/>
-              </a:ext>
-            </a:extLst>
-          </a:blip>
-          <a:stretch>
-            <a:fillRect/>
-          </a:stretch>
+        <p:blipFill rotWithShape="1">
+          <a:blip r:embed="rId3"/>
+          <a:srcRect t="38086" b="18936"/>
+          <a:stretch/>
         </p:blipFill>
         <p:spPr>
           <a:xfrm>
-            <a:off x="2498823" y="4152380"/>
-            <a:ext cx="6173061" cy="2476846"/>
+            <a:off x="1783930" y="1284221"/>
+            <a:ext cx="8253296" cy="2202873"/>
           </a:xfrm>
           <a:prstGeom prst="rect">
             <a:avLst/>
           </a:prstGeom>
         </p:spPr>
       </p:pic>
+      <p:sp>
+        <p:nvSpPr>
+          <p:cNvPr id="6" name="文字方塊 5"/>
+          <p:cNvSpPr txBox="1"/>
+          <p:nvPr/>
+        </p:nvSpPr>
+        <p:spPr>
+          <a:xfrm>
+            <a:off x="10099964" y="2244436"/>
+            <a:ext cx="733214" cy="369332"/>
+          </a:xfrm>
+          <a:prstGeom prst="rect">
+            <a:avLst/>
+          </a:prstGeom>
+          <a:noFill/>
+        </p:spPr>
+        <p:txBody>
+          <a:bodyPr wrap="none" rtlCol="0">
+            <a:spAutoFit/>
+          </a:bodyPr>
+          <a:lstStyle/>
+          <a:p>
+            <a:r>
+              <a:rPr lang="en-US" altLang="zh-TW" dirty="0" smtClean="0"/>
+              <a:t>DL, LL</a:t>
+            </a:r>
+            <a:endParaRPr lang="zh-TW" altLang="en-US" dirty="0"/>
+          </a:p>
+        </p:txBody>
+      </p:sp>
+      <p:grpSp>
+        <p:nvGrpSpPr>
+          <p:cNvPr id="7" name="群組 6"/>
+          <p:cNvGrpSpPr/>
+          <p:nvPr/>
+        </p:nvGrpSpPr>
+        <p:grpSpPr>
+          <a:xfrm>
+            <a:off x="9741260" y="4027780"/>
+            <a:ext cx="1946435" cy="2534709"/>
+            <a:chOff x="339565" y="1647458"/>
+            <a:chExt cx="3579904" cy="4661863"/>
+          </a:xfrm>
+        </p:grpSpPr>
+        <p:pic>
+          <p:nvPicPr>
+            <p:cNvPr id="19" name="圖片 18"/>
+            <p:cNvPicPr>
+              <a:picLocks noChangeAspect="1"/>
+            </p:cNvPicPr>
+            <p:nvPr/>
+          </p:nvPicPr>
+          <p:blipFill>
+            <a:blip r:embed="rId4" cstate="print">
+              <a:extLst>
+                <a:ext uri="{28A0092B-C50C-407E-A947-70E740481C1C}">
+                  <a14:useLocalDpi xmlns:a14="http://schemas.microsoft.com/office/drawing/2010/main" val="0"/>
+                </a:ext>
+              </a:extLst>
+            </a:blip>
+            <a:stretch>
+              <a:fillRect/>
+            </a:stretch>
+          </p:blipFill>
+          <p:spPr>
+            <a:xfrm>
+              <a:off x="339565" y="1647458"/>
+              <a:ext cx="3579904" cy="4661863"/>
+            </a:xfrm>
+            <a:prstGeom prst="rect">
+              <a:avLst/>
+            </a:prstGeom>
+          </p:spPr>
+        </p:pic>
+        <p:sp>
+          <p:nvSpPr>
+            <p:cNvPr id="20" name="矩形 19"/>
+            <p:cNvSpPr/>
+            <p:nvPr/>
+          </p:nvSpPr>
+          <p:spPr>
+            <a:xfrm>
+              <a:off x="2427316" y="3258589"/>
+              <a:ext cx="1246909" cy="548640"/>
+            </a:xfrm>
+            <a:prstGeom prst="rect">
+              <a:avLst/>
+            </a:prstGeom>
+            <a:noFill/>
+            <a:ln w="28575">
+              <a:solidFill>
+                <a:srgbClr val="FF0000"/>
+              </a:solidFill>
+            </a:ln>
+          </p:spPr>
+          <p:style>
+            <a:lnRef idx="2">
+              <a:schemeClr val="accent1">
+                <a:shade val="50000"/>
+              </a:schemeClr>
+            </a:lnRef>
+            <a:fillRef idx="1">
+              <a:schemeClr val="accent1"/>
+            </a:fillRef>
+            <a:effectRef idx="0">
+              <a:schemeClr val="accent1"/>
+            </a:effectRef>
+            <a:fontRef idx="minor">
+              <a:schemeClr val="lt1"/>
+            </a:fontRef>
+          </p:style>
+          <p:txBody>
+            <a:bodyPr rtlCol="0" anchor="ctr"/>
+            <a:lstStyle/>
+            <a:p>
+              <a:pPr algn="ctr"/>
+              <a:endParaRPr lang="zh-TW" altLang="en-US"/>
+            </a:p>
+          </p:txBody>
+        </p:sp>
+      </p:grpSp>
+      <p:sp>
+        <p:nvSpPr>
+          <p:cNvPr id="8" name="文字方塊 7"/>
+          <p:cNvSpPr txBox="1"/>
+          <p:nvPr/>
+        </p:nvSpPr>
+        <p:spPr>
+          <a:xfrm>
+            <a:off x="9486095" y="3589193"/>
+            <a:ext cx="2456763" cy="369332"/>
+          </a:xfrm>
+          <a:prstGeom prst="rect">
+            <a:avLst/>
+          </a:prstGeom>
+          <a:noFill/>
+        </p:spPr>
+        <p:txBody>
+          <a:bodyPr wrap="none" rtlCol="0">
+            <a:spAutoFit/>
+          </a:bodyPr>
+          <a:lstStyle/>
+          <a:p>
+            <a:r>
+              <a:rPr lang="en-US" altLang="zh-TW" dirty="0" smtClean="0"/>
+              <a:t>No Consider Self Weight</a:t>
+            </a:r>
+            <a:endParaRPr lang="zh-TW" altLang="en-US" dirty="0"/>
+          </a:p>
+        </p:txBody>
+      </p:sp>
     </p:spTree>
     <p:extLst>
       <p:ext uri="{BB962C8B-B14F-4D97-AF65-F5344CB8AC3E}">
-        <p14:creationId xmlns:p14="http://schemas.microsoft.com/office/powerpoint/2010/main" val="3220495935"/>
+        <p14:creationId xmlns:p14="http://schemas.microsoft.com/office/powerpoint/2010/main" val="264231600"/>
       </p:ext>
     </p:extLst>
   </p:cSld>
@@ -4812,7 +4959,7 @@
         <p:spPr>
           <a:xfrm>
             <a:off x="566166" y="660451"/>
-            <a:ext cx="1233158" cy="646331"/>
+            <a:ext cx="7402155" cy="646331"/>
           </a:xfrm>
           <a:prstGeom prst="rect">
             <a:avLst/>
@@ -4832,7 +4979,7 @@
                 </a:solidFill>
                 <a:latin typeface="Tekton Pro" panose="020F0603020208020904" pitchFamily="34" charset="0"/>
               </a:rPr>
-              <a:t>Brace</a:t>
+              <a:t>Rigid Zone Factor and Rigid Diaphragm</a:t>
             </a:r>
             <a:endParaRPr lang="zh-TW" altLang="en-US" sz="3600" dirty="0">
               <a:solidFill>
@@ -4852,21 +4999,15 @@
           <p:nvPr/>
         </p:nvPicPr>
         <p:blipFill>
-          <a:blip r:embed="rId2" cstate="print">
-            <a:extLst>
-              <a:ext uri="{28A0092B-C50C-407E-A947-70E740481C1C}">
-                <a14:useLocalDpi xmlns:a14="http://schemas.microsoft.com/office/drawing/2010/main" val="0"/>
-              </a:ext>
-            </a:extLst>
-          </a:blip>
+          <a:blip r:embed="rId2"/>
           <a:stretch>
             <a:fillRect/>
           </a:stretch>
         </p:blipFill>
         <p:spPr>
           <a:xfrm>
-            <a:off x="340839" y="2736570"/>
-            <a:ext cx="5758775" cy="3576382"/>
+            <a:off x="1220932" y="1875818"/>
+            <a:ext cx="2933700" cy="3571875"/>
           </a:xfrm>
           <a:prstGeom prst="rect">
             <a:avLst/>
@@ -4875,98 +5016,31 @@
       </p:pic>
       <p:pic>
         <p:nvPicPr>
-          <p:cNvPr id="3" name="圖片 2"/>
+          <p:cNvPr id="5" name="圖片 4"/>
           <p:cNvPicPr>
             <a:picLocks noChangeAspect="1"/>
           </p:cNvPicPr>
           <p:nvPr/>
         </p:nvPicPr>
-        <p:blipFill>
-          <a:blip r:embed="rId3" cstate="print">
-            <a:extLst>
-              <a:ext uri="{28A0092B-C50C-407E-A947-70E740481C1C}">
-                <a14:useLocalDpi xmlns:a14="http://schemas.microsoft.com/office/drawing/2010/main" val="0"/>
-              </a:ext>
-            </a:extLst>
-          </a:blip>
-          <a:stretch>
-            <a:fillRect/>
-          </a:stretch>
+        <p:blipFill rotWithShape="1">
+          <a:blip r:embed="rId3"/>
+          <a:srcRect t="36404"/>
+          <a:stretch/>
         </p:blipFill>
         <p:spPr>
           <a:xfrm>
-            <a:off x="6099615" y="2736570"/>
-            <a:ext cx="5754992" cy="3574032"/>
+            <a:off x="4663080" y="1992196"/>
+            <a:ext cx="6765458" cy="2672022"/>
           </a:xfrm>
           <a:prstGeom prst="rect">
             <a:avLst/>
           </a:prstGeom>
         </p:spPr>
       </p:pic>
-      <p:sp>
-        <p:nvSpPr>
-          <p:cNvPr id="5" name="文字方塊 4"/>
-          <p:cNvSpPr txBox="1"/>
-          <p:nvPr/>
-        </p:nvSpPr>
-        <p:spPr>
-          <a:xfrm>
-            <a:off x="2769360" y="5943599"/>
-            <a:ext cx="561372" cy="369332"/>
-          </a:xfrm>
-          <a:prstGeom prst="rect">
-            <a:avLst/>
-          </a:prstGeom>
-          <a:noFill/>
-        </p:spPr>
-        <p:txBody>
-          <a:bodyPr wrap="none" rtlCol="0">
-            <a:spAutoFit/>
-          </a:bodyPr>
-          <a:lstStyle/>
-          <a:p>
-            <a:r>
-              <a:rPr lang="en-US" altLang="zh-TW" dirty="0" smtClean="0"/>
-              <a:t>Link</a:t>
-            </a:r>
-            <a:endParaRPr lang="zh-TW" altLang="en-US" dirty="0"/>
-          </a:p>
-        </p:txBody>
-      </p:sp>
-      <p:sp>
-        <p:nvSpPr>
-          <p:cNvPr id="19" name="文字方塊 18"/>
-          <p:cNvSpPr txBox="1"/>
-          <p:nvPr/>
-        </p:nvSpPr>
-        <p:spPr>
-          <a:xfrm>
-            <a:off x="8538529" y="5941270"/>
-            <a:ext cx="877163" cy="369332"/>
-          </a:xfrm>
-          <a:prstGeom prst="rect">
-            <a:avLst/>
-          </a:prstGeom>
-          <a:noFill/>
-        </p:spPr>
-        <p:txBody>
-          <a:bodyPr wrap="none" rtlCol="0">
-            <a:spAutoFit/>
-          </a:bodyPr>
-          <a:lstStyle/>
-          <a:p>
-            <a:r>
-              <a:rPr lang="en-US" altLang="zh-TW" dirty="0" smtClean="0"/>
-              <a:t>Section</a:t>
-            </a:r>
-            <a:endParaRPr lang="zh-TW" altLang="en-US" dirty="0"/>
-          </a:p>
-        </p:txBody>
-      </p:sp>
     </p:spTree>
     <p:extLst>
       <p:ext uri="{BB962C8B-B14F-4D97-AF65-F5344CB8AC3E}">
-        <p14:creationId xmlns:p14="http://schemas.microsoft.com/office/powerpoint/2010/main" val="4170070813"/>
+        <p14:creationId xmlns:p14="http://schemas.microsoft.com/office/powerpoint/2010/main" val="1936192712"/>
       </p:ext>
     </p:extLst>
   </p:cSld>
@@ -5522,6 +5596,151 @@
           </a:p>
         </p:txBody>
       </p:sp>
+      <p:sp>
+        <p:nvSpPr>
+          <p:cNvPr id="5" name="文字方塊 4"/>
+          <p:cNvSpPr txBox="1"/>
+          <p:nvPr/>
+        </p:nvSpPr>
+        <p:spPr>
+          <a:xfrm>
+            <a:off x="2133061" y="3566160"/>
+            <a:ext cx="2173352" cy="369332"/>
+          </a:xfrm>
+          <a:prstGeom prst="rect">
+            <a:avLst/>
+          </a:prstGeom>
+          <a:noFill/>
+        </p:spPr>
+        <p:txBody>
+          <a:bodyPr wrap="none" rtlCol="0">
+            <a:spAutoFit/>
+          </a:bodyPr>
+          <a:lstStyle/>
+          <a:p>
+            <a:r>
+              <a:rPr lang="en-US" altLang="zh-TW" dirty="0" smtClean="0"/>
+              <a:t>Brace Resist Moment</a:t>
+            </a:r>
+            <a:endParaRPr lang="zh-TW" altLang="en-US" dirty="0"/>
+          </a:p>
+        </p:txBody>
+      </p:sp>
+      <p:sp>
+        <p:nvSpPr>
+          <p:cNvPr id="21" name="文字方塊 20"/>
+          <p:cNvSpPr txBox="1"/>
+          <p:nvPr/>
+        </p:nvSpPr>
+        <p:spPr>
+          <a:xfrm>
+            <a:off x="7789837" y="3566160"/>
+            <a:ext cx="2375266" cy="369332"/>
+          </a:xfrm>
+          <a:prstGeom prst="rect">
+            <a:avLst/>
+          </a:prstGeom>
+          <a:noFill/>
+        </p:spPr>
+        <p:txBody>
+          <a:bodyPr wrap="none" rtlCol="0">
+            <a:spAutoFit/>
+          </a:bodyPr>
+          <a:lstStyle/>
+          <a:p>
+            <a:r>
+              <a:rPr lang="en-US" altLang="zh-TW" dirty="0" smtClean="0"/>
+              <a:t>Column Resist Moment</a:t>
+            </a:r>
+            <a:endParaRPr lang="zh-TW" altLang="en-US" dirty="0"/>
+          </a:p>
+        </p:txBody>
+      </p:sp>
+      <p:grpSp>
+        <p:nvGrpSpPr>
+          <p:cNvPr id="22" name="群組 21"/>
+          <p:cNvGrpSpPr/>
+          <p:nvPr/>
+        </p:nvGrpSpPr>
+        <p:grpSpPr>
+          <a:xfrm>
+            <a:off x="3082577" y="3208725"/>
+            <a:ext cx="274320" cy="274321"/>
+            <a:chOff x="8132820" y="2269375"/>
+            <a:chExt cx="274320" cy="274321"/>
+          </a:xfrm>
+        </p:grpSpPr>
+        <p:cxnSp>
+          <p:nvCxnSpPr>
+            <p:cNvPr id="23" name="直線接點 22"/>
+            <p:cNvCxnSpPr/>
+            <p:nvPr/>
+          </p:nvCxnSpPr>
+          <p:spPr>
+            <a:xfrm>
+              <a:off x="8132820" y="2269375"/>
+              <a:ext cx="274320" cy="274320"/>
+            </a:xfrm>
+            <a:prstGeom prst="line">
+              <a:avLst/>
+            </a:prstGeom>
+            <a:ln w="12700">
+              <a:solidFill>
+                <a:srgbClr val="FF0000"/>
+              </a:solidFill>
+            </a:ln>
+          </p:spPr>
+          <p:style>
+            <a:lnRef idx="1">
+              <a:schemeClr val="accent1"/>
+            </a:lnRef>
+            <a:fillRef idx="0">
+              <a:schemeClr val="accent1"/>
+            </a:fillRef>
+            <a:effectRef idx="0">
+              <a:schemeClr val="accent1"/>
+            </a:effectRef>
+            <a:fontRef idx="minor">
+              <a:schemeClr val="tx1"/>
+            </a:fontRef>
+          </p:style>
+        </p:cxnSp>
+        <p:cxnSp>
+          <p:nvCxnSpPr>
+            <p:cNvPr id="24" name="直線接點 23"/>
+            <p:cNvCxnSpPr/>
+            <p:nvPr/>
+          </p:nvCxnSpPr>
+          <p:spPr>
+            <a:xfrm rot="5400000">
+              <a:off x="8132820" y="2269376"/>
+              <a:ext cx="274320" cy="274320"/>
+            </a:xfrm>
+            <a:prstGeom prst="line">
+              <a:avLst/>
+            </a:prstGeom>
+            <a:ln w="12700">
+              <a:solidFill>
+                <a:srgbClr val="FF0000"/>
+              </a:solidFill>
+            </a:ln>
+          </p:spPr>
+          <p:style>
+            <a:lnRef idx="1">
+              <a:schemeClr val="accent1"/>
+            </a:lnRef>
+            <a:fillRef idx="0">
+              <a:schemeClr val="accent1"/>
+            </a:fillRef>
+            <a:effectRef idx="0">
+              <a:schemeClr val="accent1"/>
+            </a:effectRef>
+            <a:fontRef idx="minor">
+              <a:schemeClr val="tx1"/>
+            </a:fontRef>
+          </p:style>
+        </p:cxnSp>
+      </p:grpSp>
     </p:spTree>
     <p:extLst>
       <p:ext uri="{BB962C8B-B14F-4D97-AF65-F5344CB8AC3E}">
@@ -5983,7 +6202,7 @@
         </p:blipFill>
         <p:spPr>
           <a:xfrm>
-            <a:off x="4266944" y="2342998"/>
+            <a:off x="1091944" y="2613931"/>
             <a:ext cx="3658111" cy="2172003"/>
           </a:xfrm>
           <a:prstGeom prst="rect">
@@ -5991,6 +6210,220 @@
           </a:prstGeom>
         </p:spPr>
       </p:pic>
+      <p:pic>
+        <p:nvPicPr>
+          <p:cNvPr id="3" name="圖片 2"/>
+          <p:cNvPicPr>
+            <a:picLocks noChangeAspect="1"/>
+          </p:cNvPicPr>
+          <p:nvPr/>
+        </p:nvPicPr>
+        <p:blipFill>
+          <a:blip r:embed="rId3"/>
+          <a:stretch>
+            <a:fillRect/>
+          </a:stretch>
+        </p:blipFill>
+        <p:spPr>
+          <a:xfrm>
+            <a:off x="5390280" y="1995054"/>
+            <a:ext cx="5713906" cy="3548517"/>
+          </a:xfrm>
+          <a:prstGeom prst="rect">
+            <a:avLst/>
+          </a:prstGeom>
+        </p:spPr>
+      </p:pic>
+      <p:sp>
+        <p:nvSpPr>
+          <p:cNvPr id="5" name="文字方塊 4"/>
+          <p:cNvSpPr txBox="1"/>
+          <p:nvPr/>
+        </p:nvSpPr>
+        <p:spPr>
+          <a:xfrm>
+            <a:off x="7443904" y="2718262"/>
+            <a:ext cx="1606658" cy="369332"/>
+          </a:xfrm>
+          <a:prstGeom prst="rect">
+            <a:avLst/>
+          </a:prstGeom>
+          <a:noFill/>
+        </p:spPr>
+        <p:txBody>
+          <a:bodyPr wrap="none" rtlCol="0">
+            <a:spAutoFit/>
+          </a:bodyPr>
+          <a:lstStyle/>
+          <a:p>
+            <a:r>
+              <a:rPr lang="en-US" altLang="zh-TW" dirty="0" smtClean="0"/>
+              <a:t>Torsion Control</a:t>
+            </a:r>
+            <a:endParaRPr lang="zh-TW" altLang="en-US" dirty="0"/>
+          </a:p>
+        </p:txBody>
+      </p:sp>
+      <p:grpSp>
+        <p:nvGrpSpPr>
+          <p:cNvPr id="10" name="群組 9"/>
+          <p:cNvGrpSpPr/>
+          <p:nvPr/>
+        </p:nvGrpSpPr>
+        <p:grpSpPr>
+          <a:xfrm>
+            <a:off x="8132820" y="2269375"/>
+            <a:ext cx="274320" cy="274321"/>
+            <a:chOff x="8132820" y="2269375"/>
+            <a:chExt cx="274320" cy="274321"/>
+          </a:xfrm>
+        </p:grpSpPr>
+        <p:cxnSp>
+          <p:nvCxnSpPr>
+            <p:cNvPr id="7" name="直線接點 6"/>
+            <p:cNvCxnSpPr/>
+            <p:nvPr/>
+          </p:nvCxnSpPr>
+          <p:spPr>
+            <a:xfrm>
+              <a:off x="8132820" y="2269375"/>
+              <a:ext cx="274320" cy="274320"/>
+            </a:xfrm>
+            <a:prstGeom prst="line">
+              <a:avLst/>
+            </a:prstGeom>
+            <a:ln w="12700">
+              <a:solidFill>
+                <a:srgbClr val="FF0000"/>
+              </a:solidFill>
+            </a:ln>
+          </p:spPr>
+          <p:style>
+            <a:lnRef idx="1">
+              <a:schemeClr val="accent1"/>
+            </a:lnRef>
+            <a:fillRef idx="0">
+              <a:schemeClr val="accent1"/>
+            </a:fillRef>
+            <a:effectRef idx="0">
+              <a:schemeClr val="accent1"/>
+            </a:effectRef>
+            <a:fontRef idx="minor">
+              <a:schemeClr val="tx1"/>
+            </a:fontRef>
+          </p:style>
+        </p:cxnSp>
+        <p:cxnSp>
+          <p:nvCxnSpPr>
+            <p:cNvPr id="19" name="直線接點 18"/>
+            <p:cNvCxnSpPr/>
+            <p:nvPr/>
+          </p:nvCxnSpPr>
+          <p:spPr>
+            <a:xfrm rot="5400000">
+              <a:off x="8132820" y="2269376"/>
+              <a:ext cx="274320" cy="274320"/>
+            </a:xfrm>
+            <a:prstGeom prst="line">
+              <a:avLst/>
+            </a:prstGeom>
+            <a:ln w="12700">
+              <a:solidFill>
+                <a:srgbClr val="FF0000"/>
+              </a:solidFill>
+            </a:ln>
+          </p:spPr>
+          <p:style>
+            <a:lnRef idx="1">
+              <a:schemeClr val="accent1"/>
+            </a:lnRef>
+            <a:fillRef idx="0">
+              <a:schemeClr val="accent1"/>
+            </a:fillRef>
+            <a:effectRef idx="0">
+              <a:schemeClr val="accent1"/>
+            </a:effectRef>
+            <a:fontRef idx="minor">
+              <a:schemeClr val="tx1"/>
+            </a:fontRef>
+          </p:style>
+        </p:cxnSp>
+      </p:grpSp>
+      <p:pic>
+        <p:nvPicPr>
+          <p:cNvPr id="21" name="圖片 20"/>
+          <p:cNvPicPr>
+            <a:picLocks noChangeAspect="1"/>
+          </p:cNvPicPr>
+          <p:nvPr/>
+        </p:nvPicPr>
+        <p:blipFill>
+          <a:blip r:embed="rId4"/>
+          <a:stretch>
+            <a:fillRect/>
+          </a:stretch>
+        </p:blipFill>
+        <p:spPr>
+          <a:xfrm>
+            <a:off x="5390280" y="5330084"/>
+            <a:ext cx="4200525" cy="1390650"/>
+          </a:xfrm>
+          <a:prstGeom prst="rect">
+            <a:avLst/>
+          </a:prstGeom>
+        </p:spPr>
+      </p:pic>
+      <p:sp>
+        <p:nvSpPr>
+          <p:cNvPr id="22" name="矩形 21"/>
+          <p:cNvSpPr/>
+          <p:nvPr/>
+        </p:nvSpPr>
+        <p:spPr>
+          <a:xfrm>
+            <a:off x="7909869" y="5990840"/>
+            <a:ext cx="1662545" cy="366130"/>
+          </a:xfrm>
+          <a:prstGeom prst="rect">
+            <a:avLst/>
+          </a:prstGeom>
+          <a:noFill/>
+          <a:ln w="28575">
+            <a:solidFill>
+              <a:srgbClr val="FF0000"/>
+            </a:solidFill>
+          </a:ln>
+        </p:spPr>
+        <p:style>
+          <a:lnRef idx="2">
+            <a:schemeClr val="accent1">
+              <a:shade val="50000"/>
+            </a:schemeClr>
+          </a:lnRef>
+          <a:fillRef idx="1">
+            <a:schemeClr val="accent1"/>
+          </a:fillRef>
+          <a:effectRef idx="0">
+            <a:schemeClr val="accent1"/>
+          </a:effectRef>
+          <a:fontRef idx="minor">
+            <a:schemeClr val="lt1"/>
+          </a:fontRef>
+        </p:style>
+        <p:txBody>
+          <a:bodyPr rot="0" spcFirstLastPara="0" vertOverflow="overflow" horzOverflow="overflow" vert="horz" wrap="square" lIns="91440" tIns="45720" rIns="91440" bIns="45720" numCol="1" spcCol="0" rtlCol="0" fromWordArt="0" anchor="ctr" anchorCtr="0" forceAA="0" compatLnSpc="1">
+            <a:prstTxWarp prst="textNoShape">
+              <a:avLst/>
+            </a:prstTxWarp>
+            <a:noAutofit/>
+          </a:bodyPr>
+          <a:lstStyle/>
+          <a:p>
+            <a:pPr algn="ctr"/>
+            <a:endParaRPr lang="zh-TW" altLang="en-US"/>
+          </a:p>
+        </p:txBody>
+      </p:sp>
     </p:spTree>
     <p:extLst>
       <p:ext uri="{BB962C8B-B14F-4D97-AF65-F5344CB8AC3E}">
@@ -6486,7 +6919,7 @@
         </p:nvSpPr>
         <p:spPr>
           <a:xfrm>
-            <a:off x="5383953" y="1774947"/>
+            <a:off x="4206885" y="1730535"/>
             <a:ext cx="3785460" cy="923330"/>
           </a:xfrm>
           <a:prstGeom prst="rect">
@@ -6613,6 +7046,469 @@
 </file>
 
 <file path=ppt/slides/slide15.xml><?xml version="1.0" encoding="utf-8"?>
+<p:sld xmlns:a="http://schemas.openxmlformats.org/drawingml/2006/main" xmlns:r="http://schemas.openxmlformats.org/officeDocument/2006/relationships" xmlns:p="http://schemas.openxmlformats.org/presentationml/2006/main">
+  <p:cSld>
+    <p:spTree>
+      <p:nvGrpSpPr>
+        <p:cNvPr id="1" name=""/>
+        <p:cNvGrpSpPr/>
+        <p:nvPr/>
+      </p:nvGrpSpPr>
+      <p:grpSpPr>
+        <a:xfrm>
+          <a:off x="0" y="0"/>
+          <a:ext cx="0" cy="0"/>
+          <a:chOff x="0" y="0"/>
+          <a:chExt cx="0" cy="0"/>
+        </a:xfrm>
+      </p:grpSpPr>
+      <p:sp>
+        <p:nvSpPr>
+          <p:cNvPr id="11" name="矩形 10"/>
+          <p:cNvSpPr/>
+          <p:nvPr/>
+        </p:nvSpPr>
+        <p:spPr>
+          <a:xfrm>
+            <a:off x="-1" y="288000"/>
+            <a:ext cx="12200025" cy="542424"/>
+          </a:xfrm>
+          <a:prstGeom prst="rect">
+            <a:avLst/>
+          </a:prstGeom>
+          <a:solidFill>
+            <a:srgbClr val="98CFCE"/>
+          </a:solidFill>
+          <a:ln>
+            <a:noFill/>
+          </a:ln>
+        </p:spPr>
+        <p:style>
+          <a:lnRef idx="2">
+            <a:schemeClr val="accent1">
+              <a:shade val="50000"/>
+            </a:schemeClr>
+          </a:lnRef>
+          <a:fillRef idx="1">
+            <a:schemeClr val="accent1"/>
+          </a:fillRef>
+          <a:effectRef idx="0">
+            <a:schemeClr val="accent1"/>
+          </a:effectRef>
+          <a:fontRef idx="minor">
+            <a:schemeClr val="lt1"/>
+          </a:fontRef>
+        </p:style>
+        <p:txBody>
+          <a:bodyPr rtlCol="0" anchor="ctr"/>
+          <a:lstStyle/>
+          <a:p>
+            <a:pPr algn="ctr"/>
+            <a:endParaRPr lang="zh-TW" altLang="en-US"/>
+          </a:p>
+        </p:txBody>
+      </p:sp>
+      <p:sp>
+        <p:nvSpPr>
+          <p:cNvPr id="4" name="文字方塊 3"/>
+          <p:cNvSpPr txBox="1"/>
+          <p:nvPr/>
+        </p:nvSpPr>
+        <p:spPr>
+          <a:xfrm>
+            <a:off x="-159" y="232014"/>
+            <a:ext cx="2280753" cy="830997"/>
+          </a:xfrm>
+          <a:prstGeom prst="rect">
+            <a:avLst/>
+          </a:prstGeom>
+          <a:noFill/>
+        </p:spPr>
+        <p:txBody>
+          <a:bodyPr wrap="none" rtlCol="0">
+            <a:spAutoFit/>
+          </a:bodyPr>
+          <a:lstStyle/>
+          <a:p>
+            <a:r>
+              <a:rPr lang="en-US" altLang="zh-TW" sz="4800" dirty="0" smtClean="0">
+                <a:solidFill>
+                  <a:schemeClr val="bg1"/>
+                </a:solidFill>
+                <a:latin typeface="Tekton Pro" panose="020F0603020208020904" pitchFamily="34" charset="0"/>
+              </a:rPr>
+              <a:t>TEASPA</a:t>
+            </a:r>
+            <a:endParaRPr lang="zh-TW" altLang="en-US" sz="4800" dirty="0">
+              <a:solidFill>
+                <a:schemeClr val="bg1"/>
+              </a:solidFill>
+              <a:latin typeface="Tekton Pro" panose="020F0603020208020904" pitchFamily="34" charset="0"/>
+            </a:endParaRPr>
+          </a:p>
+        </p:txBody>
+      </p:sp>
+      <p:sp>
+        <p:nvSpPr>
+          <p:cNvPr id="12" name="矩形 11"/>
+          <p:cNvSpPr/>
+          <p:nvPr/>
+        </p:nvSpPr>
+        <p:spPr>
+          <a:xfrm>
+            <a:off x="0" y="0"/>
+            <a:ext cx="2034000" cy="288000"/>
+          </a:xfrm>
+          <a:prstGeom prst="rect">
+            <a:avLst/>
+          </a:prstGeom>
+          <a:solidFill>
+            <a:srgbClr val="79ADDD"/>
+          </a:solidFill>
+          <a:ln>
+            <a:noFill/>
+          </a:ln>
+        </p:spPr>
+        <p:style>
+          <a:lnRef idx="2">
+            <a:schemeClr val="accent1">
+              <a:shade val="50000"/>
+            </a:schemeClr>
+          </a:lnRef>
+          <a:fillRef idx="1">
+            <a:schemeClr val="accent1"/>
+          </a:fillRef>
+          <a:effectRef idx="0">
+            <a:schemeClr val="accent1"/>
+          </a:effectRef>
+          <a:fontRef idx="minor">
+            <a:schemeClr val="lt1"/>
+          </a:fontRef>
+        </p:style>
+        <p:txBody>
+          <a:bodyPr rtlCol="0" anchor="ctr"/>
+          <a:lstStyle/>
+          <a:p>
+            <a:pPr algn="ctr"/>
+            <a:endParaRPr lang="zh-TW" altLang="en-US"/>
+          </a:p>
+        </p:txBody>
+      </p:sp>
+      <p:sp>
+        <p:nvSpPr>
+          <p:cNvPr id="13" name="矩形 12"/>
+          <p:cNvSpPr/>
+          <p:nvPr/>
+        </p:nvSpPr>
+        <p:spPr>
+          <a:xfrm>
+            <a:off x="2033046" y="0"/>
+            <a:ext cx="2034000" cy="288000"/>
+          </a:xfrm>
+          <a:prstGeom prst="rect">
+            <a:avLst/>
+          </a:prstGeom>
+          <a:solidFill>
+            <a:srgbClr val="9FB8CD"/>
+          </a:solidFill>
+          <a:ln>
+            <a:noFill/>
+          </a:ln>
+        </p:spPr>
+        <p:style>
+          <a:lnRef idx="2">
+            <a:schemeClr val="accent1">
+              <a:shade val="50000"/>
+            </a:schemeClr>
+          </a:lnRef>
+          <a:fillRef idx="1">
+            <a:schemeClr val="accent1"/>
+          </a:fillRef>
+          <a:effectRef idx="0">
+            <a:schemeClr val="accent1"/>
+          </a:effectRef>
+          <a:fontRef idx="minor">
+            <a:schemeClr val="lt1"/>
+          </a:fontRef>
+        </p:style>
+        <p:txBody>
+          <a:bodyPr rtlCol="0" anchor="ctr"/>
+          <a:lstStyle/>
+          <a:p>
+            <a:pPr algn="ctr"/>
+            <a:endParaRPr lang="zh-TW" altLang="en-US"/>
+          </a:p>
+        </p:txBody>
+      </p:sp>
+      <p:sp>
+        <p:nvSpPr>
+          <p:cNvPr id="14" name="矩形 13"/>
+          <p:cNvSpPr/>
+          <p:nvPr/>
+        </p:nvSpPr>
+        <p:spPr>
+          <a:xfrm>
+            <a:off x="4066251" y="0"/>
+            <a:ext cx="2034000" cy="288000"/>
+          </a:xfrm>
+          <a:prstGeom prst="rect">
+            <a:avLst/>
+          </a:prstGeom>
+          <a:solidFill>
+            <a:srgbClr val="98CFCE"/>
+          </a:solidFill>
+          <a:ln>
+            <a:noFill/>
+          </a:ln>
+        </p:spPr>
+        <p:style>
+          <a:lnRef idx="2">
+            <a:schemeClr val="accent1">
+              <a:shade val="50000"/>
+            </a:schemeClr>
+          </a:lnRef>
+          <a:fillRef idx="1">
+            <a:schemeClr val="accent1"/>
+          </a:fillRef>
+          <a:effectRef idx="0">
+            <a:schemeClr val="accent1"/>
+          </a:effectRef>
+          <a:fontRef idx="minor">
+            <a:schemeClr val="lt1"/>
+          </a:fontRef>
+        </p:style>
+        <p:txBody>
+          <a:bodyPr rtlCol="0" anchor="ctr"/>
+          <a:lstStyle/>
+          <a:p>
+            <a:pPr algn="ctr"/>
+            <a:endParaRPr lang="zh-TW" altLang="en-US"/>
+          </a:p>
+        </p:txBody>
+      </p:sp>
+      <p:sp>
+        <p:nvSpPr>
+          <p:cNvPr id="15" name="矩形 14"/>
+          <p:cNvSpPr/>
+          <p:nvPr/>
+        </p:nvSpPr>
+        <p:spPr>
+          <a:xfrm>
+            <a:off x="6099615" y="0"/>
+            <a:ext cx="2034000" cy="288000"/>
+          </a:xfrm>
+          <a:prstGeom prst="rect">
+            <a:avLst/>
+          </a:prstGeom>
+          <a:solidFill>
+            <a:srgbClr val="8AD48C"/>
+          </a:solidFill>
+          <a:ln>
+            <a:noFill/>
+          </a:ln>
+        </p:spPr>
+        <p:style>
+          <a:lnRef idx="2">
+            <a:schemeClr val="accent1">
+              <a:shade val="50000"/>
+            </a:schemeClr>
+          </a:lnRef>
+          <a:fillRef idx="1">
+            <a:schemeClr val="accent1"/>
+          </a:fillRef>
+          <a:effectRef idx="0">
+            <a:schemeClr val="accent1"/>
+          </a:effectRef>
+          <a:fontRef idx="minor">
+            <a:schemeClr val="lt1"/>
+          </a:fontRef>
+        </p:style>
+        <p:txBody>
+          <a:bodyPr rtlCol="0" anchor="ctr"/>
+          <a:lstStyle/>
+          <a:p>
+            <a:pPr algn="ctr"/>
+            <a:endParaRPr lang="zh-TW" altLang="en-US"/>
+          </a:p>
+        </p:txBody>
+      </p:sp>
+      <p:sp>
+        <p:nvSpPr>
+          <p:cNvPr id="16" name="矩形 15"/>
+          <p:cNvSpPr/>
+          <p:nvPr/>
+        </p:nvSpPr>
+        <p:spPr>
+          <a:xfrm>
+            <a:off x="8132820" y="0"/>
+            <a:ext cx="2034000" cy="288000"/>
+          </a:xfrm>
+          <a:prstGeom prst="rect">
+            <a:avLst/>
+          </a:prstGeom>
+          <a:solidFill>
+            <a:srgbClr val="A7D782"/>
+          </a:solidFill>
+          <a:ln>
+            <a:noFill/>
+          </a:ln>
+        </p:spPr>
+        <p:style>
+          <a:lnRef idx="2">
+            <a:schemeClr val="accent1">
+              <a:shade val="50000"/>
+            </a:schemeClr>
+          </a:lnRef>
+          <a:fillRef idx="1">
+            <a:schemeClr val="accent1"/>
+          </a:fillRef>
+          <a:effectRef idx="0">
+            <a:schemeClr val="accent1"/>
+          </a:effectRef>
+          <a:fontRef idx="minor">
+            <a:schemeClr val="lt1"/>
+          </a:fontRef>
+        </p:style>
+        <p:txBody>
+          <a:bodyPr rtlCol="0" anchor="ctr"/>
+          <a:lstStyle/>
+          <a:p>
+            <a:pPr algn="ctr"/>
+            <a:endParaRPr lang="zh-TW" altLang="en-US"/>
+          </a:p>
+        </p:txBody>
+      </p:sp>
+      <p:sp>
+        <p:nvSpPr>
+          <p:cNvPr id="17" name="矩形 16"/>
+          <p:cNvSpPr/>
+          <p:nvPr/>
+        </p:nvSpPr>
+        <p:spPr>
+          <a:xfrm>
+            <a:off x="10166025" y="0"/>
+            <a:ext cx="2034000" cy="288000"/>
+          </a:xfrm>
+          <a:prstGeom prst="rect">
+            <a:avLst/>
+          </a:prstGeom>
+          <a:solidFill>
+            <a:srgbClr val="D2DA7A"/>
+          </a:solidFill>
+          <a:ln>
+            <a:noFill/>
+          </a:ln>
+        </p:spPr>
+        <p:style>
+          <a:lnRef idx="2">
+            <a:schemeClr val="accent1">
+              <a:shade val="50000"/>
+            </a:schemeClr>
+          </a:lnRef>
+          <a:fillRef idx="1">
+            <a:schemeClr val="accent1"/>
+          </a:fillRef>
+          <a:effectRef idx="0">
+            <a:schemeClr val="accent1"/>
+          </a:effectRef>
+          <a:fontRef idx="minor">
+            <a:schemeClr val="lt1"/>
+          </a:fontRef>
+        </p:style>
+        <p:txBody>
+          <a:bodyPr rtlCol="0" anchor="ctr"/>
+          <a:lstStyle/>
+          <a:p>
+            <a:pPr algn="ctr"/>
+            <a:endParaRPr lang="zh-TW" altLang="en-US"/>
+          </a:p>
+        </p:txBody>
+      </p:sp>
+      <p:sp>
+        <p:nvSpPr>
+          <p:cNvPr id="18" name="文字方塊 17"/>
+          <p:cNvSpPr txBox="1"/>
+          <p:nvPr/>
+        </p:nvSpPr>
+        <p:spPr>
+          <a:xfrm>
+            <a:off x="566166" y="660451"/>
+            <a:ext cx="2183290" cy="646331"/>
+          </a:xfrm>
+          <a:prstGeom prst="rect">
+            <a:avLst/>
+          </a:prstGeom>
+          <a:noFill/>
+        </p:spPr>
+        <p:txBody>
+          <a:bodyPr wrap="none" rtlCol="0">
+            <a:spAutoFit/>
+          </a:bodyPr>
+          <a:lstStyle/>
+          <a:p>
+            <a:r>
+              <a:rPr lang="en-US" altLang="zh-TW" sz="3600" dirty="0" smtClean="0">
+                <a:solidFill>
+                  <a:srgbClr val="98CFCE"/>
+                </a:solidFill>
+                <a:latin typeface="Tekton Pro" panose="020F0603020208020904" pitchFamily="34" charset="0"/>
+              </a:rPr>
+              <a:t>Work Flow</a:t>
+            </a:r>
+            <a:endParaRPr lang="zh-TW" altLang="en-US" sz="3600" dirty="0">
+              <a:solidFill>
+                <a:srgbClr val="98CFCE"/>
+              </a:solidFill>
+              <a:latin typeface="Tekton Pro" panose="020F0603020208020904" pitchFamily="34" charset="0"/>
+            </a:endParaRPr>
+          </a:p>
+        </p:txBody>
+      </p:sp>
+      <p:pic>
+        <p:nvPicPr>
+          <p:cNvPr id="7" name="圖片 6"/>
+          <p:cNvPicPr>
+            <a:picLocks noChangeAspect="1"/>
+          </p:cNvPicPr>
+          <p:nvPr/>
+        </p:nvPicPr>
+        <p:blipFill>
+          <a:blip r:embed="rId2"/>
+          <a:stretch>
+            <a:fillRect/>
+          </a:stretch>
+        </p:blipFill>
+        <p:spPr>
+          <a:xfrm>
+            <a:off x="2033046" y="1679233"/>
+            <a:ext cx="7639744" cy="4346864"/>
+          </a:xfrm>
+          <a:prstGeom prst="rect">
+            <a:avLst/>
+          </a:prstGeom>
+        </p:spPr>
+      </p:pic>
+    </p:spTree>
+    <p:extLst>
+      <p:ext uri="{BB962C8B-B14F-4D97-AF65-F5344CB8AC3E}">
+        <p14:creationId xmlns:p14="http://schemas.microsoft.com/office/powerpoint/2010/main" val="2297808807"/>
+      </p:ext>
+    </p:extLst>
+  </p:cSld>
+  <p:clrMapOvr>
+    <a:masterClrMapping/>
+  </p:clrMapOvr>
+  <p:timing>
+    <p:tnLst>
+      <p:par>
+        <p:cTn id="1" dur="indefinite" restart="never" nodeType="tmRoot"/>
+      </p:par>
+    </p:tnLst>
+  </p:timing>
+</p:sld>
+</file>
+
+<file path=ppt/slides/slide16.xml><?xml version="1.0" encoding="utf-8"?>
 <p:sld xmlns:a="http://schemas.openxmlformats.org/drawingml/2006/main" xmlns:r="http://schemas.openxmlformats.org/officeDocument/2006/relationships" xmlns:p="http://schemas.openxmlformats.org/presentationml/2006/main">
   <p:cSld>
     <p:spTree>
@@ -7118,62 +8014,25 @@
           </p:spPr>
         </p:pic>
       </p:grpSp>
-    </p:spTree>
-    <p:extLst>
-      <p:ext uri="{BB962C8B-B14F-4D97-AF65-F5344CB8AC3E}">
-        <p14:creationId xmlns:p14="http://schemas.microsoft.com/office/powerpoint/2010/main" val="2525948976"/>
-      </p:ext>
-    </p:extLst>
-  </p:cSld>
-  <p:clrMapOvr>
-    <a:masterClrMapping/>
-  </p:clrMapOvr>
-  <p:timing>
-    <p:tnLst>
-      <p:par>
-        <p:cTn id="1" dur="indefinite" restart="never" nodeType="tmRoot"/>
-      </p:par>
-    </p:tnLst>
-  </p:timing>
-</p:sld>
-</file>
-
-<file path=ppt/slides/slide16.xml><?xml version="1.0" encoding="utf-8"?>
-<p:sld xmlns:a="http://schemas.openxmlformats.org/drawingml/2006/main" xmlns:r="http://schemas.openxmlformats.org/officeDocument/2006/relationships" xmlns:p="http://schemas.openxmlformats.org/presentationml/2006/main">
-  <p:cSld>
-    <p:spTree>
-      <p:nvGrpSpPr>
-        <p:cNvPr id="1" name=""/>
-        <p:cNvGrpSpPr/>
-        <p:nvPr/>
-      </p:nvGrpSpPr>
-      <p:grpSpPr>
-        <a:xfrm>
-          <a:off x="0" y="0"/>
-          <a:ext cx="0" cy="0"/>
-          <a:chOff x="0" y="0"/>
-          <a:chExt cx="0" cy="0"/>
-        </a:xfrm>
-      </p:grpSpPr>
-      <p:sp>
-        <p:nvSpPr>
-          <p:cNvPr id="11" name="矩形 10"/>
+      <p:sp>
+        <p:nvSpPr>
+          <p:cNvPr id="2" name="矩形 1"/>
           <p:cNvSpPr/>
           <p:nvPr/>
         </p:nvSpPr>
         <p:spPr>
           <a:xfrm>
-            <a:off x="-1" y="288000"/>
-            <a:ext cx="12200025" cy="542424"/>
-          </a:xfrm>
-          <a:prstGeom prst="rect">
-            <a:avLst/>
-          </a:prstGeom>
-          <a:solidFill>
-            <a:srgbClr val="98CFCE"/>
-          </a:solidFill>
-          <a:ln>
-            <a:noFill/>
+            <a:off x="5793971" y="4912822"/>
+            <a:ext cx="1379913" cy="647626"/>
+          </a:xfrm>
+          <a:prstGeom prst="rect">
+            <a:avLst/>
+          </a:prstGeom>
+          <a:noFill/>
+          <a:ln w="28575">
+            <a:solidFill>
+              <a:srgbClr val="FF0000"/>
+            </a:solidFill>
           </a:ln>
         </p:spPr>
         <p:style>
@@ -7193,7 +8052,12 @@
           </a:fontRef>
         </p:style>
         <p:txBody>
-          <a:bodyPr rtlCol="0" anchor="ctr"/>
+          <a:bodyPr rot="0" spcFirstLastPara="0" vertOverflow="overflow" horzOverflow="overflow" vert="horz" wrap="square" lIns="91440" tIns="45720" rIns="91440" bIns="45720" numCol="1" spcCol="0" rtlCol="0" fromWordArt="0" anchor="ctr" anchorCtr="0" forceAA="0" compatLnSpc="1">
+            <a:prstTxWarp prst="textNoShape">
+              <a:avLst/>
+            </a:prstTxWarp>
+            <a:noAutofit/>
+          </a:bodyPr>
           <a:lstStyle/>
           <a:p>
             <a:pPr algn="ctr"/>
@@ -7203,63 +8067,23 @@
       </p:sp>
       <p:sp>
         <p:nvSpPr>
-          <p:cNvPr id="4" name="文字方塊 3"/>
-          <p:cNvSpPr txBox="1"/>
-          <p:nvPr/>
-        </p:nvSpPr>
-        <p:spPr>
-          <a:xfrm>
-            <a:off x="-159" y="232014"/>
-            <a:ext cx="2280753" cy="830997"/>
+          <p:cNvPr id="5" name="矩形 4"/>
+          <p:cNvSpPr/>
+          <p:nvPr/>
+        </p:nvSpPr>
+        <p:spPr>
+          <a:xfrm>
+            <a:off x="9052560" y="4031673"/>
+            <a:ext cx="665018" cy="349134"/>
           </a:xfrm>
           <a:prstGeom prst="rect">
             <a:avLst/>
           </a:prstGeom>
           <a:noFill/>
-        </p:spPr>
-        <p:txBody>
-          <a:bodyPr wrap="none" rtlCol="0">
-            <a:spAutoFit/>
-          </a:bodyPr>
-          <a:lstStyle/>
-          <a:p>
-            <a:r>
-              <a:rPr lang="en-US" altLang="zh-TW" sz="4800" dirty="0" smtClean="0">
-                <a:solidFill>
-                  <a:schemeClr val="bg1"/>
-                </a:solidFill>
-                <a:latin typeface="Tekton Pro" panose="020F0603020208020904" pitchFamily="34" charset="0"/>
-              </a:rPr>
-              <a:t>TEASPA</a:t>
-            </a:r>
-            <a:endParaRPr lang="zh-TW" altLang="en-US" sz="4800" dirty="0">
-              <a:solidFill>
-                <a:schemeClr val="bg1"/>
-              </a:solidFill>
-              <a:latin typeface="Tekton Pro" panose="020F0603020208020904" pitchFamily="34" charset="0"/>
-            </a:endParaRPr>
-          </a:p>
-        </p:txBody>
-      </p:sp>
-      <p:sp>
-        <p:nvSpPr>
-          <p:cNvPr id="12" name="矩形 11"/>
-          <p:cNvSpPr/>
-          <p:nvPr/>
-        </p:nvSpPr>
-        <p:spPr>
-          <a:xfrm>
-            <a:off x="0" y="0"/>
-            <a:ext cx="2034000" cy="288000"/>
-          </a:xfrm>
-          <a:prstGeom prst="rect">
-            <a:avLst/>
-          </a:prstGeom>
-          <a:solidFill>
-            <a:srgbClr val="79ADDD"/>
-          </a:solidFill>
-          <a:ln>
-            <a:noFill/>
+          <a:ln w="28575">
+            <a:solidFill>
+              <a:srgbClr val="FF0000"/>
+            </a:solidFill>
           </a:ln>
         </p:spPr>
         <p:style>
@@ -7279,7 +8103,12 @@
           </a:fontRef>
         </p:style>
         <p:txBody>
-          <a:bodyPr rtlCol="0" anchor="ctr"/>
+          <a:bodyPr rot="0" spcFirstLastPara="0" vertOverflow="overflow" horzOverflow="overflow" vert="horz" wrap="square" lIns="91440" tIns="45720" rIns="91440" bIns="45720" numCol="1" spcCol="0" rtlCol="0" fromWordArt="0" anchor="ctr" anchorCtr="0" forceAA="0" compatLnSpc="1">
+            <a:prstTxWarp prst="textNoShape">
+              <a:avLst/>
+            </a:prstTxWarp>
+            <a:noAutofit/>
+          </a:bodyPr>
           <a:lstStyle/>
           <a:p>
             <a:pPr algn="ctr"/>
@@ -7287,328 +8116,10 @@
           </a:p>
         </p:txBody>
       </p:sp>
-      <p:sp>
-        <p:nvSpPr>
-          <p:cNvPr id="13" name="矩形 12"/>
-          <p:cNvSpPr/>
-          <p:nvPr/>
-        </p:nvSpPr>
-        <p:spPr>
-          <a:xfrm>
-            <a:off x="2033046" y="0"/>
-            <a:ext cx="2034000" cy="288000"/>
-          </a:xfrm>
-          <a:prstGeom prst="rect">
-            <a:avLst/>
-          </a:prstGeom>
-          <a:solidFill>
-            <a:srgbClr val="9FB8CD"/>
-          </a:solidFill>
-          <a:ln>
-            <a:noFill/>
-          </a:ln>
-        </p:spPr>
-        <p:style>
-          <a:lnRef idx="2">
-            <a:schemeClr val="accent1">
-              <a:shade val="50000"/>
-            </a:schemeClr>
-          </a:lnRef>
-          <a:fillRef idx="1">
-            <a:schemeClr val="accent1"/>
-          </a:fillRef>
-          <a:effectRef idx="0">
-            <a:schemeClr val="accent1"/>
-          </a:effectRef>
-          <a:fontRef idx="minor">
-            <a:schemeClr val="lt1"/>
-          </a:fontRef>
-        </p:style>
-        <p:txBody>
-          <a:bodyPr rtlCol="0" anchor="ctr"/>
-          <a:lstStyle/>
-          <a:p>
-            <a:pPr algn="ctr"/>
-            <a:endParaRPr lang="zh-TW" altLang="en-US"/>
-          </a:p>
-        </p:txBody>
-      </p:sp>
-      <p:sp>
-        <p:nvSpPr>
-          <p:cNvPr id="14" name="矩形 13"/>
-          <p:cNvSpPr/>
-          <p:nvPr/>
-        </p:nvSpPr>
-        <p:spPr>
-          <a:xfrm>
-            <a:off x="4066251" y="0"/>
-            <a:ext cx="2034000" cy="288000"/>
-          </a:xfrm>
-          <a:prstGeom prst="rect">
-            <a:avLst/>
-          </a:prstGeom>
-          <a:solidFill>
-            <a:srgbClr val="98CFCE"/>
-          </a:solidFill>
-          <a:ln>
-            <a:noFill/>
-          </a:ln>
-        </p:spPr>
-        <p:style>
-          <a:lnRef idx="2">
-            <a:schemeClr val="accent1">
-              <a:shade val="50000"/>
-            </a:schemeClr>
-          </a:lnRef>
-          <a:fillRef idx="1">
-            <a:schemeClr val="accent1"/>
-          </a:fillRef>
-          <a:effectRef idx="0">
-            <a:schemeClr val="accent1"/>
-          </a:effectRef>
-          <a:fontRef idx="minor">
-            <a:schemeClr val="lt1"/>
-          </a:fontRef>
-        </p:style>
-        <p:txBody>
-          <a:bodyPr rtlCol="0" anchor="ctr"/>
-          <a:lstStyle/>
-          <a:p>
-            <a:pPr algn="ctr"/>
-            <a:endParaRPr lang="zh-TW" altLang="en-US"/>
-          </a:p>
-        </p:txBody>
-      </p:sp>
-      <p:sp>
-        <p:nvSpPr>
-          <p:cNvPr id="15" name="矩形 14"/>
-          <p:cNvSpPr/>
-          <p:nvPr/>
-        </p:nvSpPr>
-        <p:spPr>
-          <a:xfrm>
-            <a:off x="6099615" y="0"/>
-            <a:ext cx="2034000" cy="288000"/>
-          </a:xfrm>
-          <a:prstGeom prst="rect">
-            <a:avLst/>
-          </a:prstGeom>
-          <a:solidFill>
-            <a:srgbClr val="8AD48C"/>
-          </a:solidFill>
-          <a:ln>
-            <a:noFill/>
-          </a:ln>
-        </p:spPr>
-        <p:style>
-          <a:lnRef idx="2">
-            <a:schemeClr val="accent1">
-              <a:shade val="50000"/>
-            </a:schemeClr>
-          </a:lnRef>
-          <a:fillRef idx="1">
-            <a:schemeClr val="accent1"/>
-          </a:fillRef>
-          <a:effectRef idx="0">
-            <a:schemeClr val="accent1"/>
-          </a:effectRef>
-          <a:fontRef idx="minor">
-            <a:schemeClr val="lt1"/>
-          </a:fontRef>
-        </p:style>
-        <p:txBody>
-          <a:bodyPr rtlCol="0" anchor="ctr"/>
-          <a:lstStyle/>
-          <a:p>
-            <a:pPr algn="ctr"/>
-            <a:endParaRPr lang="zh-TW" altLang="en-US"/>
-          </a:p>
-        </p:txBody>
-      </p:sp>
-      <p:sp>
-        <p:nvSpPr>
-          <p:cNvPr id="16" name="矩形 15"/>
-          <p:cNvSpPr/>
-          <p:nvPr/>
-        </p:nvSpPr>
-        <p:spPr>
-          <a:xfrm>
-            <a:off x="8132820" y="0"/>
-            <a:ext cx="2034000" cy="288000"/>
-          </a:xfrm>
-          <a:prstGeom prst="rect">
-            <a:avLst/>
-          </a:prstGeom>
-          <a:solidFill>
-            <a:srgbClr val="A7D782"/>
-          </a:solidFill>
-          <a:ln>
-            <a:noFill/>
-          </a:ln>
-        </p:spPr>
-        <p:style>
-          <a:lnRef idx="2">
-            <a:schemeClr val="accent1">
-              <a:shade val="50000"/>
-            </a:schemeClr>
-          </a:lnRef>
-          <a:fillRef idx="1">
-            <a:schemeClr val="accent1"/>
-          </a:fillRef>
-          <a:effectRef idx="0">
-            <a:schemeClr val="accent1"/>
-          </a:effectRef>
-          <a:fontRef idx="minor">
-            <a:schemeClr val="lt1"/>
-          </a:fontRef>
-        </p:style>
-        <p:txBody>
-          <a:bodyPr rtlCol="0" anchor="ctr"/>
-          <a:lstStyle/>
-          <a:p>
-            <a:pPr algn="ctr"/>
-            <a:endParaRPr lang="zh-TW" altLang="en-US"/>
-          </a:p>
-        </p:txBody>
-      </p:sp>
-      <p:sp>
-        <p:nvSpPr>
-          <p:cNvPr id="17" name="矩形 16"/>
-          <p:cNvSpPr/>
-          <p:nvPr/>
-        </p:nvSpPr>
-        <p:spPr>
-          <a:xfrm>
-            <a:off x="10166025" y="0"/>
-            <a:ext cx="2034000" cy="288000"/>
-          </a:xfrm>
-          <a:prstGeom prst="rect">
-            <a:avLst/>
-          </a:prstGeom>
-          <a:solidFill>
-            <a:srgbClr val="D2DA7A"/>
-          </a:solidFill>
-          <a:ln>
-            <a:noFill/>
-          </a:ln>
-        </p:spPr>
-        <p:style>
-          <a:lnRef idx="2">
-            <a:schemeClr val="accent1">
-              <a:shade val="50000"/>
-            </a:schemeClr>
-          </a:lnRef>
-          <a:fillRef idx="1">
-            <a:schemeClr val="accent1"/>
-          </a:fillRef>
-          <a:effectRef idx="0">
-            <a:schemeClr val="accent1"/>
-          </a:effectRef>
-          <a:fontRef idx="minor">
-            <a:schemeClr val="lt1"/>
-          </a:fontRef>
-        </p:style>
-        <p:txBody>
-          <a:bodyPr rtlCol="0" anchor="ctr"/>
-          <a:lstStyle/>
-          <a:p>
-            <a:pPr algn="ctr"/>
-            <a:endParaRPr lang="zh-TW" altLang="en-US"/>
-          </a:p>
-        </p:txBody>
-      </p:sp>
-      <p:sp>
-        <p:nvSpPr>
-          <p:cNvPr id="18" name="文字方塊 17"/>
-          <p:cNvSpPr txBox="1"/>
-          <p:nvPr/>
-        </p:nvSpPr>
-        <p:spPr>
-          <a:xfrm>
-            <a:off x="566166" y="660451"/>
-            <a:ext cx="1559914" cy="646331"/>
-          </a:xfrm>
-          <a:prstGeom prst="rect">
-            <a:avLst/>
-          </a:prstGeom>
-          <a:noFill/>
-        </p:spPr>
-        <p:txBody>
-          <a:bodyPr wrap="none" rtlCol="0">
-            <a:spAutoFit/>
-          </a:bodyPr>
-          <a:lstStyle/>
-          <a:p>
-            <a:r>
-              <a:rPr lang="en-US" altLang="zh-TW" sz="3600" dirty="0" smtClean="0">
-                <a:solidFill>
-                  <a:srgbClr val="98CFCE"/>
-                </a:solidFill>
-                <a:latin typeface="Tekton Pro" panose="020F0603020208020904" pitchFamily="34" charset="0"/>
-              </a:rPr>
-              <a:t>Relabel</a:t>
-            </a:r>
-            <a:endParaRPr lang="zh-TW" altLang="en-US" sz="3600" dirty="0">
-              <a:solidFill>
-                <a:srgbClr val="98CFCE"/>
-              </a:solidFill>
-              <a:latin typeface="Tekton Pro" panose="020F0603020208020904" pitchFamily="34" charset="0"/>
-            </a:endParaRPr>
-          </a:p>
-        </p:txBody>
-      </p:sp>
-      <p:pic>
-        <p:nvPicPr>
-          <p:cNvPr id="2" name="圖片 1"/>
-          <p:cNvPicPr>
-            <a:picLocks noChangeAspect="1"/>
-          </p:cNvPicPr>
-          <p:nvPr/>
-        </p:nvPicPr>
-        <p:blipFill>
-          <a:blip r:embed="rId2"/>
-          <a:stretch>
-            <a:fillRect/>
-          </a:stretch>
-        </p:blipFill>
-        <p:spPr>
-          <a:xfrm>
-            <a:off x="1066878" y="1621042"/>
-            <a:ext cx="2397325" cy="4689107"/>
-          </a:xfrm>
-          <a:prstGeom prst="rect">
-            <a:avLst/>
-          </a:prstGeom>
-        </p:spPr>
-      </p:pic>
-      <p:pic>
-        <p:nvPicPr>
-          <p:cNvPr id="6" name="圖片 5"/>
-          <p:cNvPicPr>
-            <a:picLocks noChangeAspect="1"/>
-          </p:cNvPicPr>
-          <p:nvPr/>
-        </p:nvPicPr>
-        <p:blipFill>
-          <a:blip r:embed="rId3"/>
-          <a:stretch>
-            <a:fillRect/>
-          </a:stretch>
-        </p:blipFill>
-        <p:spPr>
-          <a:xfrm>
-            <a:off x="3983126" y="1423295"/>
-            <a:ext cx="7868928" cy="4886854"/>
-          </a:xfrm>
-          <a:prstGeom prst="rect">
-            <a:avLst/>
-          </a:prstGeom>
-        </p:spPr>
-      </p:pic>
     </p:spTree>
     <p:extLst>
       <p:ext uri="{BB962C8B-B14F-4D97-AF65-F5344CB8AC3E}">
-        <p14:creationId xmlns:p14="http://schemas.microsoft.com/office/powerpoint/2010/main" val="2817864931"/>
+        <p14:creationId xmlns:p14="http://schemas.microsoft.com/office/powerpoint/2010/main" val="2525948976"/>
       </p:ext>
     </p:extLst>
   </p:cSld>
@@ -8013,7 +8524,7 @@
         <p:spPr>
           <a:xfrm>
             <a:off x="566166" y="660451"/>
-            <a:ext cx="1923796" cy="646331"/>
+            <a:ext cx="2989921" cy="646331"/>
           </a:xfrm>
           <a:prstGeom prst="rect">
             <a:avLst/>
@@ -8026,6 +8537,15 @@
           </a:bodyPr>
           <a:lstStyle/>
           <a:p>
+            <a:r>
+              <a:rPr lang="en-US" altLang="zh-TW" sz="3600" dirty="0">
+                <a:solidFill>
+                  <a:srgbClr val="98CFCE"/>
+                </a:solidFill>
+                <a:latin typeface="Tekton Pro" panose="020F0603020208020904" pitchFamily="34" charset="0"/>
+              </a:rPr>
+              <a:t>Build </a:t>
+            </a:r>
             <a:r>
               <a:rPr lang="en-US" altLang="zh-TW" sz="3600" dirty="0" smtClean="0">
                 <a:solidFill>
@@ -8033,7 +8553,7 @@
                 </a:solidFill>
                 <a:latin typeface="Tekton Pro" panose="020F0603020208020904" pitchFamily="34" charset="0"/>
               </a:rPr>
-              <a:t>Pushover</a:t>
+              <a:t>Input File</a:t>
             </a:r>
             <a:endParaRPr lang="zh-TW" altLang="en-US" sz="3600" dirty="0">
               <a:solidFill>
@@ -8044,58 +8564,381 @@
           </a:p>
         </p:txBody>
       </p:sp>
-      <p:pic>
-        <p:nvPicPr>
-          <p:cNvPr id="5" name="圖片 4"/>
-          <p:cNvPicPr>
-            <a:picLocks noChangeAspect="1"/>
-          </p:cNvPicPr>
-          <p:nvPr/>
-        </p:nvPicPr>
-        <p:blipFill>
-          <a:blip r:embed="rId2"/>
-          <a:stretch>
-            <a:fillRect/>
-          </a:stretch>
-        </p:blipFill>
-        <p:spPr>
-          <a:xfrm>
-            <a:off x="1066878" y="1990281"/>
-            <a:ext cx="4328082" cy="4321234"/>
-          </a:xfrm>
-          <a:prstGeom prst="rect">
-            <a:avLst/>
-          </a:prstGeom>
-        </p:spPr>
-      </p:pic>
-      <p:pic>
-        <p:nvPicPr>
-          <p:cNvPr id="7" name="圖片 6"/>
-          <p:cNvPicPr>
-            <a:picLocks noChangeAspect="1"/>
-          </p:cNvPicPr>
-          <p:nvPr/>
-        </p:nvPicPr>
-        <p:blipFill>
-          <a:blip r:embed="rId3"/>
-          <a:stretch>
-            <a:fillRect/>
-          </a:stretch>
-        </p:blipFill>
-        <p:spPr>
-          <a:xfrm>
-            <a:off x="6102587" y="1990759"/>
-            <a:ext cx="4645769" cy="4320756"/>
-          </a:xfrm>
-          <a:prstGeom prst="rect">
-            <a:avLst/>
-          </a:prstGeom>
-        </p:spPr>
-      </p:pic>
+      <p:sp>
+        <p:nvSpPr>
+          <p:cNvPr id="5" name="文字方塊 4"/>
+          <p:cNvSpPr txBox="1"/>
+          <p:nvPr/>
+        </p:nvSpPr>
+        <p:spPr>
+          <a:xfrm>
+            <a:off x="1066878" y="1544942"/>
+            <a:ext cx="2463816" cy="1200329"/>
+          </a:xfrm>
+          <a:prstGeom prst="rect">
+            <a:avLst/>
+          </a:prstGeom>
+          <a:noFill/>
+        </p:spPr>
+        <p:txBody>
+          <a:bodyPr wrap="none" rtlCol="0">
+            <a:spAutoFit/>
+          </a:bodyPr>
+          <a:lstStyle/>
+          <a:p>
+            <a:r>
+              <a:rPr lang="en-US" altLang="zh-TW" dirty="0"/>
+              <a:t>$ BUILDING PROPERTIES</a:t>
+            </a:r>
+          </a:p>
+          <a:p>
+            <a:r>
+              <a:rPr lang="en-US" altLang="zh-TW" dirty="0"/>
+              <a:t>$ Weight Height</a:t>
+            </a:r>
+          </a:p>
+          <a:p>
+            <a:r>
+              <a:rPr lang="en-US" altLang="zh-TW" dirty="0"/>
+              <a:t>562802   400</a:t>
+            </a:r>
+          </a:p>
+          <a:p>
+            <a:r>
+              <a:rPr lang="en-US" altLang="zh-TW" dirty="0"/>
+              <a:t>562802   770</a:t>
+            </a:r>
+            <a:endParaRPr lang="zh-TW" altLang="en-US" dirty="0"/>
+          </a:p>
+        </p:txBody>
+      </p:sp>
+      <p:sp>
+        <p:nvSpPr>
+          <p:cNvPr id="2" name="文字方塊 1"/>
+          <p:cNvSpPr txBox="1"/>
+          <p:nvPr/>
+        </p:nvSpPr>
+        <p:spPr>
+          <a:xfrm>
+            <a:off x="4662585" y="1547270"/>
+            <a:ext cx="3040319" cy="923330"/>
+          </a:xfrm>
+          <a:prstGeom prst="rect">
+            <a:avLst/>
+          </a:prstGeom>
+          <a:noFill/>
+        </p:spPr>
+        <p:txBody>
+          <a:bodyPr wrap="none" rtlCol="0">
+            <a:spAutoFit/>
+          </a:bodyPr>
+          <a:lstStyle/>
+          <a:p>
+            <a:r>
+              <a:rPr lang="pt-BR" altLang="zh-TW" dirty="0"/>
+              <a:t>$ SITE SPECTRUM PARAMETER</a:t>
+            </a:r>
+          </a:p>
+          <a:p>
+            <a:r>
+              <a:rPr lang="pt-BR" altLang="zh-TW" dirty="0"/>
+              <a:t>$S_DS    S_D1</a:t>
+            </a:r>
+          </a:p>
+          <a:p>
+            <a:r>
+              <a:rPr lang="pt-BR" altLang="zh-TW" dirty="0"/>
+              <a:t>1.096    0.778</a:t>
+            </a:r>
+            <a:endParaRPr lang="zh-TW" altLang="en-US" dirty="0"/>
+          </a:p>
+        </p:txBody>
+      </p:sp>
+      <p:sp>
+        <p:nvSpPr>
+          <p:cNvPr id="3" name="文字方塊 2"/>
+          <p:cNvSpPr txBox="1"/>
+          <p:nvPr/>
+        </p:nvSpPr>
+        <p:spPr>
+          <a:xfrm>
+            <a:off x="1066878" y="2838397"/>
+            <a:ext cx="6530186" cy="1200329"/>
+          </a:xfrm>
+          <a:prstGeom prst="rect">
+            <a:avLst/>
+          </a:prstGeom>
+          <a:noFill/>
+        </p:spPr>
+        <p:txBody>
+          <a:bodyPr wrap="none" rtlCol="0">
+            <a:spAutoFit/>
+          </a:bodyPr>
+          <a:lstStyle/>
+          <a:p>
+            <a:r>
+              <a:rPr lang="en-US" altLang="zh-TW" dirty="0"/>
+              <a:t>$ BRICK WALL PROPERTIES</a:t>
+            </a:r>
+          </a:p>
+          <a:p>
+            <a:r>
+              <a:rPr lang="en-US" altLang="zh-TW" dirty="0"/>
+              <a:t>$ Name  width   height  thick   </a:t>
+            </a:r>
+            <a:r>
+              <a:rPr lang="en-US" altLang="zh-TW" dirty="0" err="1"/>
+              <a:t>f_mc</a:t>
+            </a:r>
+            <a:r>
+              <a:rPr lang="en-US" altLang="zh-TW" dirty="0"/>
+              <a:t>    </a:t>
+            </a:r>
+            <a:r>
+              <a:rPr lang="en-US" altLang="zh-TW" dirty="0" err="1"/>
+              <a:t>f_bc</a:t>
+            </a:r>
+            <a:r>
+              <a:rPr lang="en-US" altLang="zh-TW" dirty="0"/>
+              <a:t>    P   Bond    Confinement</a:t>
+            </a:r>
+          </a:p>
+          <a:p>
+            <a:r>
+              <a:rPr lang="en-US" altLang="zh-TW" dirty="0"/>
+              <a:t>D370    370     100     24      210     150     0   3       2</a:t>
+            </a:r>
+          </a:p>
+          <a:p>
+            <a:r>
+              <a:rPr lang="en-US" altLang="zh-TW" dirty="0"/>
+              <a:t>D400    400     100     24      210     150     0   3       2</a:t>
+            </a:r>
+            <a:endParaRPr lang="zh-TW" altLang="en-US" dirty="0"/>
+          </a:p>
+        </p:txBody>
+      </p:sp>
+      <p:sp>
+        <p:nvSpPr>
+          <p:cNvPr id="19" name="矩形 18"/>
+          <p:cNvSpPr/>
+          <p:nvPr/>
+        </p:nvSpPr>
+        <p:spPr>
+          <a:xfrm>
+            <a:off x="1066878" y="4269241"/>
+            <a:ext cx="6096000" cy="1477328"/>
+          </a:xfrm>
+          <a:prstGeom prst="rect">
+            <a:avLst/>
+          </a:prstGeom>
+        </p:spPr>
+        <p:txBody>
+          <a:bodyPr>
+            <a:spAutoFit/>
+          </a:bodyPr>
+          <a:lstStyle/>
+          <a:p>
+            <a:r>
+              <a:rPr lang="zh-TW" altLang="en-US" dirty="0"/>
+              <a:t>$ COLUMN PROPERTIES</a:t>
+            </a:r>
+          </a:p>
+          <a:p>
+            <a:r>
+              <a:rPr lang="zh-TW" altLang="en-US" dirty="0"/>
+              <a:t>$Name   f_cp    f_yl    f_yt    cover   hoop    spacing num_hoop    TR</a:t>
+            </a:r>
+          </a:p>
+          <a:p>
+            <a:r>
+              <a:rPr lang="zh-TW" altLang="en-US" dirty="0"/>
+              <a:t>1C1     280     2800    2800    4       3       10      2           0</a:t>
+            </a:r>
+          </a:p>
+          <a:p>
+            <a:r>
+              <a:rPr lang="zh-TW" altLang="en-US" dirty="0"/>
+              <a:t>1C2     280     2800    2800    4       3       10      2           </a:t>
+            </a:r>
+            <a:r>
+              <a:rPr lang="zh-TW" altLang="en-US" dirty="0" smtClean="0"/>
+              <a:t>0</a:t>
+            </a:r>
+            <a:endParaRPr lang="zh-TW" altLang="en-US" dirty="0"/>
+          </a:p>
+        </p:txBody>
+      </p:sp>
+      <p:sp>
+        <p:nvSpPr>
+          <p:cNvPr id="6" name="矩形 5"/>
+          <p:cNvSpPr/>
+          <p:nvPr/>
+        </p:nvSpPr>
+        <p:spPr>
+          <a:xfrm>
+            <a:off x="4662585" y="5033942"/>
+            <a:ext cx="325051" cy="748146"/>
+          </a:xfrm>
+          <a:prstGeom prst="rect">
+            <a:avLst/>
+          </a:prstGeom>
+          <a:noFill/>
+          <a:ln w="28575">
+            <a:solidFill>
+              <a:srgbClr val="FF0000"/>
+            </a:solidFill>
+          </a:ln>
+        </p:spPr>
+        <p:style>
+          <a:lnRef idx="2">
+            <a:schemeClr val="accent1">
+              <a:shade val="50000"/>
+            </a:schemeClr>
+          </a:lnRef>
+          <a:fillRef idx="1">
+            <a:schemeClr val="accent1"/>
+          </a:fillRef>
+          <a:effectRef idx="0">
+            <a:schemeClr val="accent1"/>
+          </a:effectRef>
+          <a:fontRef idx="minor">
+            <a:schemeClr val="lt1"/>
+          </a:fontRef>
+        </p:style>
+        <p:txBody>
+          <a:bodyPr rot="0" spcFirstLastPara="0" vertOverflow="overflow" horzOverflow="overflow" vert="horz" wrap="square" lIns="91440" tIns="45720" rIns="91440" bIns="45720" numCol="1" spcCol="0" rtlCol="0" fromWordArt="0" anchor="ctr" anchorCtr="0" forceAA="0" compatLnSpc="1">
+            <a:prstTxWarp prst="textNoShape">
+              <a:avLst/>
+            </a:prstTxWarp>
+            <a:noAutofit/>
+          </a:bodyPr>
+          <a:lstStyle/>
+          <a:p>
+            <a:pPr algn="ctr"/>
+            <a:endParaRPr lang="zh-TW" altLang="en-US"/>
+          </a:p>
+        </p:txBody>
+      </p:sp>
+      <p:sp>
+        <p:nvSpPr>
+          <p:cNvPr id="20" name="矩形 19"/>
+          <p:cNvSpPr/>
+          <p:nvPr/>
+        </p:nvSpPr>
+        <p:spPr>
+          <a:xfrm>
+            <a:off x="1066878" y="5977084"/>
+            <a:ext cx="7993996" cy="646331"/>
+          </a:xfrm>
+          <a:prstGeom prst="rect">
+            <a:avLst/>
+          </a:prstGeom>
+        </p:spPr>
+        <p:txBody>
+          <a:bodyPr wrap="square">
+            <a:spAutoFit/>
+          </a:bodyPr>
+          <a:lstStyle/>
+          <a:p>
+            <a:r>
+              <a:rPr lang="zh-TW" altLang="en-US" dirty="0"/>
+              <a:t>$ BEAM PROPERTIES</a:t>
+            </a:r>
+          </a:p>
+          <a:p>
+            <a:r>
+              <a:rPr lang="zh-TW" altLang="en-US" dirty="0"/>
+              <a:t>$Name       </a:t>
+            </a:r>
+            <a:r>
+              <a:rPr lang="zh-TW" altLang="en-US" dirty="0" smtClean="0"/>
+              <a:t>L</a:t>
+            </a:r>
+            <a:r>
+              <a:rPr lang="en-US" altLang="zh-TW" dirty="0" smtClean="0"/>
+              <a:t>c</a:t>
+            </a:r>
+            <a:r>
+              <a:rPr lang="zh-TW" altLang="en-US" dirty="0" smtClean="0"/>
+              <a:t>       </a:t>
+            </a:r>
+            <a:r>
+              <a:rPr lang="zh-TW" altLang="en-US" dirty="0"/>
+              <a:t>f_cp    f_yl    f_yt    cover   hoop    spacing num_hoop   TR</a:t>
+            </a:r>
+          </a:p>
+        </p:txBody>
+      </p:sp>
+      <p:sp>
+        <p:nvSpPr>
+          <p:cNvPr id="7" name="文字方塊 6"/>
+          <p:cNvSpPr txBox="1"/>
+          <p:nvPr/>
+        </p:nvSpPr>
+        <p:spPr>
+          <a:xfrm>
+            <a:off x="7702904" y="5510254"/>
+            <a:ext cx="4108817" cy="369332"/>
+          </a:xfrm>
+          <a:prstGeom prst="rect">
+            <a:avLst/>
+          </a:prstGeom>
+          <a:noFill/>
+        </p:spPr>
+        <p:txBody>
+          <a:bodyPr wrap="none" rtlCol="0">
+            <a:spAutoFit/>
+          </a:bodyPr>
+          <a:lstStyle/>
+          <a:p>
+            <a:r>
+              <a:rPr lang="zh-TW" altLang="en-US" dirty="0"/>
+              <a:t>梁不同跨距與單雙翼視為不同分開建立</a:t>
+            </a:r>
+          </a:p>
+        </p:txBody>
+      </p:sp>
+      <p:cxnSp>
+        <p:nvCxnSpPr>
+          <p:cNvPr id="9" name="直線單箭頭接點 8"/>
+          <p:cNvCxnSpPr/>
+          <p:nvPr/>
+        </p:nvCxnSpPr>
+        <p:spPr>
+          <a:xfrm flipV="1">
+            <a:off x="5827222" y="5746569"/>
+            <a:ext cx="1620982" cy="379911"/>
+          </a:xfrm>
+          <a:prstGeom prst="straightConnector1">
+            <a:avLst/>
+          </a:prstGeom>
+          <a:ln w="38100">
+            <a:solidFill>
+              <a:srgbClr val="FF0000"/>
+            </a:solidFill>
+            <a:tailEnd type="triangle"/>
+          </a:ln>
+        </p:spPr>
+        <p:style>
+          <a:lnRef idx="1">
+            <a:schemeClr val="accent1"/>
+          </a:lnRef>
+          <a:fillRef idx="0">
+            <a:schemeClr val="accent1"/>
+          </a:fillRef>
+          <a:effectRef idx="0">
+            <a:schemeClr val="accent1"/>
+          </a:effectRef>
+          <a:fontRef idx="minor">
+            <a:schemeClr val="tx1"/>
+          </a:fontRef>
+        </p:style>
+      </p:cxnSp>
     </p:spTree>
     <p:extLst>
       <p:ext uri="{BB962C8B-B14F-4D97-AF65-F5344CB8AC3E}">
-        <p14:creationId xmlns:p14="http://schemas.microsoft.com/office/powerpoint/2010/main" val="3274696501"/>
+        <p14:creationId xmlns:p14="http://schemas.microsoft.com/office/powerpoint/2010/main" val="1734212225"/>
       </p:ext>
     </p:extLst>
   </p:cSld>
@@ -8500,7 +9343,7 @@
         <p:spPr>
           <a:xfrm>
             <a:off x="566166" y="660451"/>
-            <a:ext cx="3215304" cy="646331"/>
+            <a:ext cx="1559914" cy="646331"/>
           </a:xfrm>
           <a:prstGeom prst="rect">
             <a:avLst/>
@@ -8520,7 +9363,7 @@
                 </a:solidFill>
                 <a:latin typeface="Tekton Pro" panose="020F0603020208020904" pitchFamily="34" charset="0"/>
               </a:rPr>
-              <a:t>Nonlinear Hinge</a:t>
+              <a:t>Relabel</a:t>
             </a:r>
             <a:endParaRPr lang="zh-TW" altLang="en-US" sz="3600" dirty="0">
               <a:solidFill>
@@ -8533,7 +9376,7 @@
       </p:sp>
       <p:pic>
         <p:nvPicPr>
-          <p:cNvPr id="6" name="圖片 5"/>
+          <p:cNvPr id="2" name="圖片 1"/>
           <p:cNvPicPr>
             <a:picLocks noChangeAspect="1"/>
           </p:cNvPicPr>
@@ -8547,8 +9390,8 @@
         </p:blipFill>
         <p:spPr>
           <a:xfrm>
-            <a:off x="339842" y="2729364"/>
-            <a:ext cx="5759774" cy="3577002"/>
+            <a:off x="1066878" y="1621042"/>
+            <a:ext cx="2397325" cy="4689107"/>
           </a:xfrm>
           <a:prstGeom prst="rect">
             <a:avLst/>
@@ -8557,7 +9400,7 @@
       </p:pic>
       <p:pic>
         <p:nvPicPr>
-          <p:cNvPr id="19" name="圖片 18"/>
+          <p:cNvPr id="6" name="圖片 5"/>
           <p:cNvPicPr>
             <a:picLocks noChangeAspect="1"/>
           </p:cNvPicPr>
@@ -8571,8 +9414,8 @@
         </p:blipFill>
         <p:spPr>
           <a:xfrm>
-            <a:off x="6074678" y="2729364"/>
-            <a:ext cx="5780521" cy="3589887"/>
+            <a:off x="3983126" y="1423295"/>
+            <a:ext cx="7868928" cy="4886854"/>
           </a:xfrm>
           <a:prstGeom prst="rect">
             <a:avLst/>
@@ -8581,68 +9424,59 @@
       </p:pic>
       <p:sp>
         <p:nvSpPr>
-          <p:cNvPr id="20" name="文字方塊 19"/>
-          <p:cNvSpPr txBox="1"/>
-          <p:nvPr/>
-        </p:nvSpPr>
-        <p:spPr>
-          <a:xfrm>
-            <a:off x="3005163" y="3775765"/>
-            <a:ext cx="423514" cy="369332"/>
+          <p:cNvPr id="3" name="矩形 2"/>
+          <p:cNvSpPr/>
+          <p:nvPr/>
+        </p:nvSpPr>
+        <p:spPr>
+          <a:xfrm>
+            <a:off x="964276" y="6076604"/>
+            <a:ext cx="2610197" cy="307571"/>
           </a:xfrm>
           <a:prstGeom prst="rect">
             <a:avLst/>
           </a:prstGeom>
           <a:noFill/>
-        </p:spPr>
-        <p:txBody>
-          <a:bodyPr wrap="none" rtlCol="0">
-            <a:spAutoFit/>
+          <a:ln w="28575">
+            <a:solidFill>
+              <a:srgbClr val="FF0000"/>
+            </a:solidFill>
+          </a:ln>
+        </p:spPr>
+        <p:style>
+          <a:lnRef idx="2">
+            <a:schemeClr val="accent1">
+              <a:shade val="50000"/>
+            </a:schemeClr>
+          </a:lnRef>
+          <a:fillRef idx="1">
+            <a:schemeClr val="accent1"/>
+          </a:fillRef>
+          <a:effectRef idx="0">
+            <a:schemeClr val="accent1"/>
+          </a:effectRef>
+          <a:fontRef idx="minor">
+            <a:schemeClr val="lt1"/>
+          </a:fontRef>
+        </p:style>
+        <p:txBody>
+          <a:bodyPr rot="0" spcFirstLastPara="0" vertOverflow="overflow" horzOverflow="overflow" vert="horz" wrap="square" lIns="91440" tIns="45720" rIns="91440" bIns="45720" numCol="1" spcCol="0" rtlCol="0" fromWordArt="0" anchor="ctr" anchorCtr="0" forceAA="0" compatLnSpc="1">
+            <a:prstTxWarp prst="textNoShape">
+              <a:avLst/>
+            </a:prstTxWarp>
+            <a:noAutofit/>
           </a:bodyPr>
           <a:lstStyle/>
           <a:p>
-            <a:r>
-              <a:rPr lang="en-US" altLang="zh-TW" dirty="0" smtClean="0"/>
-              <a:t>XP</a:t>
-            </a:r>
-            <a:endParaRPr lang="zh-TW" altLang="en-US" dirty="0"/>
-          </a:p>
-        </p:txBody>
-      </p:sp>
-      <p:sp>
-        <p:nvSpPr>
-          <p:cNvPr id="21" name="文字方塊 20"/>
-          <p:cNvSpPr txBox="1"/>
-          <p:nvPr/>
-        </p:nvSpPr>
-        <p:spPr>
-          <a:xfrm>
-            <a:off x="8765823" y="3777552"/>
-            <a:ext cx="453970" cy="369332"/>
-          </a:xfrm>
-          <a:prstGeom prst="rect">
-            <a:avLst/>
-          </a:prstGeom>
-          <a:noFill/>
-        </p:spPr>
-        <p:txBody>
-          <a:bodyPr wrap="none" rtlCol="0">
-            <a:spAutoFit/>
-          </a:bodyPr>
-          <a:lstStyle/>
-          <a:p>
-            <a:r>
-              <a:rPr lang="en-US" altLang="zh-TW" dirty="0" smtClean="0"/>
-              <a:t>XN</a:t>
-            </a:r>
-            <a:endParaRPr lang="zh-TW" altLang="en-US" dirty="0"/>
+            <a:pPr algn="ctr"/>
+            <a:endParaRPr lang="zh-TW" altLang="en-US"/>
           </a:p>
         </p:txBody>
       </p:sp>
     </p:spTree>
     <p:extLst>
       <p:ext uri="{BB962C8B-B14F-4D97-AF65-F5344CB8AC3E}">
-        <p14:creationId xmlns:p14="http://schemas.microsoft.com/office/powerpoint/2010/main" val="1876642533"/>
+        <p14:creationId xmlns:p14="http://schemas.microsoft.com/office/powerpoint/2010/main" val="2817864931"/>
       </p:ext>
     </p:extLst>
   </p:cSld>
@@ -9047,7 +9881,7 @@
         <p:spPr>
           <a:xfrm>
             <a:off x="566166" y="660451"/>
-            <a:ext cx="2595903" cy="646331"/>
+            <a:ext cx="2989921" cy="646331"/>
           </a:xfrm>
           <a:prstGeom prst="rect">
             <a:avLst/>
@@ -9060,6 +9894,15 @@
           </a:bodyPr>
           <a:lstStyle/>
           <a:p>
+            <a:r>
+              <a:rPr lang="en-US" altLang="zh-TW" sz="3600" dirty="0">
+                <a:solidFill>
+                  <a:srgbClr val="98CFCE"/>
+                </a:solidFill>
+                <a:latin typeface="Tekton Pro" panose="020F0603020208020904" pitchFamily="34" charset="0"/>
+              </a:rPr>
+              <a:t>Build </a:t>
+            </a:r>
             <a:r>
               <a:rPr lang="en-US" altLang="zh-TW" sz="3600" dirty="0" smtClean="0">
                 <a:solidFill>
@@ -9067,7 +9910,7 @@
                 </a:solidFill>
                 <a:latin typeface="Tekton Pro" panose="020F0603020208020904" pitchFamily="34" charset="0"/>
               </a:rPr>
-              <a:t>Performance</a:t>
+              <a:t>Input File</a:t>
             </a:r>
             <a:endParaRPr lang="zh-TW" altLang="en-US" sz="3600" dirty="0">
               <a:solidFill>
@@ -9078,64 +9921,50 @@
           </a:p>
         </p:txBody>
       </p:sp>
-      <p:pic>
-        <p:nvPicPr>
-          <p:cNvPr id="2" name="圖片 1"/>
-          <p:cNvPicPr>
-            <a:picLocks noChangeAspect="1"/>
-          </p:cNvPicPr>
-          <p:nvPr/>
-        </p:nvPicPr>
-        <p:blipFill>
-          <a:blip r:embed="rId2"/>
-          <a:stretch>
-            <a:fillRect/>
-          </a:stretch>
-        </p:blipFill>
-        <p:spPr>
-          <a:xfrm>
-            <a:off x="340443" y="2733682"/>
-            <a:ext cx="5759171" cy="3576629"/>
-          </a:xfrm>
-          <a:prstGeom prst="rect">
-            <a:avLst/>
-          </a:prstGeom>
-        </p:spPr>
-      </p:pic>
-      <p:pic>
-        <p:nvPicPr>
-          <p:cNvPr id="3" name="圖片 2"/>
-          <p:cNvPicPr>
-            <a:picLocks noChangeAspect="1"/>
-          </p:cNvPicPr>
-          <p:nvPr/>
-        </p:nvPicPr>
-        <p:blipFill>
-          <a:blip r:embed="rId3"/>
-          <a:stretch>
-            <a:fillRect/>
-          </a:stretch>
-        </p:blipFill>
-        <p:spPr>
-          <a:xfrm>
-            <a:off x="6099614" y="2733681"/>
-            <a:ext cx="5759173" cy="3576629"/>
-          </a:xfrm>
-          <a:prstGeom prst="rect">
-            <a:avLst/>
-          </a:prstGeom>
-        </p:spPr>
-      </p:pic>
-      <p:sp>
-        <p:nvSpPr>
-          <p:cNvPr id="10" name="文字方塊 9"/>
+      <p:sp>
+        <p:nvSpPr>
+          <p:cNvPr id="9" name="矩形 8"/>
+          <p:cNvSpPr/>
+          <p:nvPr/>
+        </p:nvSpPr>
+        <p:spPr>
+          <a:xfrm>
+            <a:off x="1066878" y="1530399"/>
+            <a:ext cx="6096000" cy="646331"/>
+          </a:xfrm>
+          <a:prstGeom prst="rect">
+            <a:avLst/>
+          </a:prstGeom>
+        </p:spPr>
+        <p:txBody>
+          <a:bodyPr>
+            <a:spAutoFit/>
+          </a:bodyPr>
+          <a:lstStyle/>
+          <a:p>
+            <a:r>
+              <a:rPr lang="zh-TW" altLang="en-US" dirty="0"/>
+              <a:t>$ COLUMN DATA</a:t>
+            </a:r>
+          </a:p>
+          <a:p>
+            <a:r>
+              <a:rPr lang="zh-TW" altLang="en-US" dirty="0"/>
+              <a:t>$Name   story    section      shape     Height  L       fromBtm</a:t>
+            </a:r>
+          </a:p>
+        </p:txBody>
+      </p:sp>
+      <p:sp>
+        <p:nvSpPr>
+          <p:cNvPr id="2" name="文字方塊 1"/>
           <p:cNvSpPr txBox="1"/>
           <p:nvPr/>
         </p:nvSpPr>
         <p:spPr>
           <a:xfrm>
-            <a:off x="2934393" y="1992234"/>
-            <a:ext cx="582211" cy="369332"/>
+            <a:off x="1066878" y="2460570"/>
+            <a:ext cx="2324226" cy="646331"/>
           </a:xfrm>
           <a:prstGeom prst="rect">
             <a:avLst/>
@@ -9149,8 +9978,14 @@
           <a:lstStyle/>
           <a:p>
             <a:r>
-              <a:rPr lang="en-US" altLang="zh-TW" dirty="0" smtClean="0"/>
-              <a:t>&lt;2%</a:t>
+              <a:rPr lang="en-US" altLang="zh-TW" dirty="0"/>
+              <a:t>$ BEAM DATA</a:t>
+            </a:r>
+          </a:p>
+          <a:p>
+            <a:r>
+              <a:rPr lang="en-US" altLang="zh-TW" dirty="0"/>
+              <a:t>$Name   story   section</a:t>
             </a:r>
             <a:endParaRPr lang="zh-TW" altLang="en-US" dirty="0"/>
           </a:p>
@@ -9158,14 +9993,84 @@
       </p:sp>
       <p:sp>
         <p:nvSpPr>
-          <p:cNvPr id="20" name="文字方塊 19"/>
+          <p:cNvPr id="3" name="矩形 2"/>
+          <p:cNvSpPr/>
+          <p:nvPr/>
+        </p:nvSpPr>
+        <p:spPr>
+          <a:xfrm>
+            <a:off x="1066878" y="3390741"/>
+            <a:ext cx="6096000" cy="646331"/>
+          </a:xfrm>
+          <a:prstGeom prst="rect">
+            <a:avLst/>
+          </a:prstGeom>
+        </p:spPr>
+        <p:txBody>
+          <a:bodyPr>
+            <a:spAutoFit/>
+          </a:bodyPr>
+          <a:lstStyle/>
+          <a:p>
+            <a:r>
+              <a:rPr lang="zh-TW" altLang="en-US" dirty="0"/>
+              <a:t>$ AXIAL LOAD</a:t>
+            </a:r>
+          </a:p>
+          <a:p>
+            <a:r>
+              <a:rPr lang="zh-TW" altLang="en-US" dirty="0"/>
+              <a:t>$ Story  Column  Loc     P</a:t>
+            </a:r>
+          </a:p>
+        </p:txBody>
+      </p:sp>
+      <p:cxnSp>
+        <p:nvCxnSpPr>
+          <p:cNvPr id="10" name="直線單箭頭接點 9"/>
+          <p:cNvCxnSpPr/>
+          <p:nvPr/>
+        </p:nvCxnSpPr>
+        <p:spPr>
+          <a:xfrm flipH="1">
+            <a:off x="3790604" y="3616039"/>
+            <a:ext cx="1072341" cy="0"/>
+          </a:xfrm>
+          <a:prstGeom prst="straightConnector1">
+            <a:avLst/>
+          </a:prstGeom>
+          <a:ln w="38100">
+            <a:solidFill>
+              <a:srgbClr val="FF0000"/>
+            </a:solidFill>
+            <a:tailEnd type="triangle"/>
+          </a:ln>
+        </p:spPr>
+        <p:style>
+          <a:lnRef idx="1">
+            <a:schemeClr val="accent1"/>
+          </a:lnRef>
+          <a:fillRef idx="0">
+            <a:schemeClr val="accent1"/>
+          </a:fillRef>
+          <a:effectRef idx="0">
+            <a:schemeClr val="accent1"/>
+          </a:effectRef>
+          <a:fontRef idx="minor">
+            <a:schemeClr val="tx1"/>
+          </a:fontRef>
+        </p:style>
+      </p:cxnSp>
+      <p:sp>
+        <p:nvSpPr>
+          <p:cNvPr id="19" name="文字方塊 18"/>
           <p:cNvSpPr txBox="1"/>
           <p:nvPr/>
         </p:nvSpPr>
         <p:spPr>
           <a:xfrm>
-            <a:off x="8858714" y="1992234"/>
-            <a:ext cx="582211" cy="369332"/>
+            <a:off x="5020888" y="3431373"/>
+            <a:ext cx="1296252" cy="369332"/>
           </a:xfrm>
           <a:prstGeom prst="rect">
             <a:avLst/>
@@ -9180,7 +10085,204 @@
           <a:p>
             <a:r>
               <a:rPr lang="en-US" altLang="zh-TW" dirty="0" smtClean="0"/>
-              <a:t>&lt;2%</a:t>
+              <a:t>From ETABS</a:t>
+            </a:r>
+            <a:endParaRPr lang="zh-TW" altLang="en-US" dirty="0"/>
+          </a:p>
+        </p:txBody>
+      </p:sp>
+      <p:cxnSp>
+        <p:nvCxnSpPr>
+          <p:cNvPr id="21" name="直線單箭頭接點 20"/>
+          <p:cNvCxnSpPr/>
+          <p:nvPr/>
+        </p:nvCxnSpPr>
+        <p:spPr>
+          <a:xfrm flipH="1">
+            <a:off x="6833062" y="2269377"/>
+            <a:ext cx="1213658" cy="0"/>
+          </a:xfrm>
+          <a:prstGeom prst="straightConnector1">
+            <a:avLst/>
+          </a:prstGeom>
+          <a:ln w="38100">
+            <a:solidFill>
+              <a:srgbClr val="FF0000"/>
+            </a:solidFill>
+            <a:tailEnd type="triangle"/>
+          </a:ln>
+        </p:spPr>
+        <p:style>
+          <a:lnRef idx="1">
+            <a:schemeClr val="accent1"/>
+          </a:lnRef>
+          <a:fillRef idx="0">
+            <a:schemeClr val="accent1"/>
+          </a:fillRef>
+          <a:effectRef idx="0">
+            <a:schemeClr val="accent1"/>
+          </a:effectRef>
+          <a:fontRef idx="minor">
+            <a:schemeClr val="tx1"/>
+          </a:fontRef>
+        </p:style>
+      </p:cxnSp>
+      <p:sp>
+        <p:nvSpPr>
+          <p:cNvPr id="22" name="文字方塊 21"/>
+          <p:cNvSpPr txBox="1"/>
+          <p:nvPr/>
+        </p:nvSpPr>
+        <p:spPr>
+          <a:xfrm>
+            <a:off x="8345978" y="2084711"/>
+            <a:ext cx="1294393" cy="369332"/>
+          </a:xfrm>
+          <a:prstGeom prst="rect">
+            <a:avLst/>
+          </a:prstGeom>
+          <a:noFill/>
+        </p:spPr>
+        <p:txBody>
+          <a:bodyPr wrap="none" rtlCol="0">
+            <a:spAutoFit/>
+          </a:bodyPr>
+          <a:lstStyle/>
+          <a:p>
+            <a:r>
+              <a:rPr lang="en-US" altLang="zh-TW" dirty="0" smtClean="0"/>
+              <a:t>One by One</a:t>
+            </a:r>
+            <a:endParaRPr lang="zh-TW" altLang="en-US" dirty="0"/>
+          </a:p>
+        </p:txBody>
+      </p:sp>
+      <p:sp>
+        <p:nvSpPr>
+          <p:cNvPr id="23" name="矩形 22"/>
+          <p:cNvSpPr/>
+          <p:nvPr/>
+        </p:nvSpPr>
+        <p:spPr>
+          <a:xfrm>
+            <a:off x="1066878" y="4320912"/>
+            <a:ext cx="6096000" cy="2031325"/>
+          </a:xfrm>
+          <a:prstGeom prst="rect">
+            <a:avLst/>
+          </a:prstGeom>
+        </p:spPr>
+        <p:txBody>
+          <a:bodyPr>
+            <a:spAutoFit/>
+          </a:bodyPr>
+          <a:lstStyle/>
+          <a:p>
+            <a:r>
+              <a:rPr lang="zh-TW" altLang="en-US" dirty="0"/>
+              <a:t>$ COLUMN SECTION PROPERTIES</a:t>
+            </a:r>
+          </a:p>
+          <a:p>
+            <a:r>
+              <a:rPr lang="pl-PL" altLang="zh-TW" dirty="0"/>
+              <a:t>2B4D_400</a:t>
+            </a:r>
+          </a:p>
+          <a:p>
+            <a:r>
+              <a:rPr lang="pl-PL" altLang="zh-TW" dirty="0"/>
+              <a:t>15      100     40      25</a:t>
+            </a:r>
+          </a:p>
+          <a:p>
+            <a:r>
+              <a:rPr lang="pl-PL" altLang="zh-TW" dirty="0"/>
+              <a:t>2.5     2800    3       3       3       3       3       3</a:t>
+            </a:r>
+          </a:p>
+          <a:p>
+            <a:r>
+              <a:rPr lang="pl-PL" altLang="zh-TW" dirty="0"/>
+              <a:t>5.95    2800            6                       6</a:t>
+            </a:r>
+          </a:p>
+          <a:p>
+            <a:r>
+              <a:rPr lang="pl-PL" altLang="zh-TW" dirty="0"/>
+              <a:t>12.5    2800    3       3       3       3       3       3</a:t>
+            </a:r>
+          </a:p>
+          <a:p>
+            <a:r>
+              <a:rPr lang="pl-PL" altLang="zh-TW" dirty="0"/>
+              <a:t>34      2800            6                       6</a:t>
+            </a:r>
+            <a:endParaRPr lang="zh-TW" altLang="en-US" dirty="0"/>
+          </a:p>
+        </p:txBody>
+      </p:sp>
+      <p:cxnSp>
+        <p:nvCxnSpPr>
+          <p:cNvPr id="24" name="直線單箭頭接點 23"/>
+          <p:cNvCxnSpPr/>
+          <p:nvPr/>
+        </p:nvCxnSpPr>
+        <p:spPr>
+          <a:xfrm flipH="1">
+            <a:off x="5520184" y="5572301"/>
+            <a:ext cx="1072341" cy="0"/>
+          </a:xfrm>
+          <a:prstGeom prst="straightConnector1">
+            <a:avLst/>
+          </a:prstGeom>
+          <a:ln w="38100">
+            <a:solidFill>
+              <a:srgbClr val="FF0000"/>
+            </a:solidFill>
+            <a:tailEnd type="triangle"/>
+          </a:ln>
+        </p:spPr>
+        <p:style>
+          <a:lnRef idx="1">
+            <a:schemeClr val="accent1"/>
+          </a:lnRef>
+          <a:fillRef idx="0">
+            <a:schemeClr val="accent1"/>
+          </a:fillRef>
+          <a:effectRef idx="0">
+            <a:schemeClr val="accent1"/>
+          </a:effectRef>
+          <a:fontRef idx="minor">
+            <a:schemeClr val="tx1"/>
+          </a:fontRef>
+        </p:style>
+      </p:cxnSp>
+      <p:sp>
+        <p:nvSpPr>
+          <p:cNvPr id="25" name="文字方塊 24"/>
+          <p:cNvSpPr txBox="1"/>
+          <p:nvPr/>
+        </p:nvSpPr>
+        <p:spPr>
+          <a:xfrm>
+            <a:off x="6750468" y="5387635"/>
+            <a:ext cx="885179" cy="369332"/>
+          </a:xfrm>
+          <a:prstGeom prst="rect">
+            <a:avLst/>
+          </a:prstGeom>
+          <a:noFill/>
+        </p:spPr>
+        <p:txBody>
+          <a:bodyPr wrap="none" rtlCol="0">
+            <a:spAutoFit/>
+          </a:bodyPr>
+          <a:lstStyle/>
+          <a:p>
+            <a:r>
+              <a:rPr lang="en-US" altLang="zh-TW" dirty="0" smtClean="0"/>
+              <a:t>T Beam</a:t>
             </a:r>
             <a:endParaRPr lang="zh-TW" altLang="en-US" dirty="0"/>
           </a:p>
@@ -9189,7 +10291,7 @@
     </p:spTree>
     <p:extLst>
       <p:ext uri="{BB962C8B-B14F-4D97-AF65-F5344CB8AC3E}">
-        <p14:creationId xmlns:p14="http://schemas.microsoft.com/office/powerpoint/2010/main" val="3006853703"/>
+        <p14:creationId xmlns:p14="http://schemas.microsoft.com/office/powerpoint/2010/main" val="2671089339"/>
       </p:ext>
     </p:extLst>
   </p:cSld>
@@ -10312,7 +11414,7 @@
         <p:spPr>
           <a:xfrm>
             <a:off x="566166" y="660451"/>
-            <a:ext cx="3177793" cy="646331"/>
+            <a:ext cx="1923796" cy="646331"/>
           </a:xfrm>
           <a:prstGeom prst="rect">
             <a:avLst/>
@@ -10332,7 +11434,7 @@
                 </a:solidFill>
                 <a:latin typeface="Tekton Pro" panose="020F0603020208020904" pitchFamily="34" charset="0"/>
               </a:rPr>
-              <a:t>XP Performance</a:t>
+              <a:t>Pushover</a:t>
             </a:r>
             <a:endParaRPr lang="zh-TW" altLang="en-US" sz="3600" dirty="0">
               <a:solidFill>
@@ -10345,7 +11447,7 @@
       </p:sp>
       <p:pic>
         <p:nvPicPr>
-          <p:cNvPr id="2" name="圖片 1"/>
+          <p:cNvPr id="5" name="圖片 4"/>
           <p:cNvPicPr>
             <a:picLocks noChangeAspect="1"/>
           </p:cNvPicPr>
@@ -10359,48 +11461,93 @@
         </p:blipFill>
         <p:spPr>
           <a:xfrm>
-            <a:off x="355600" y="1385925"/>
-            <a:ext cx="11499688" cy="5472076"/>
+            <a:off x="1066878" y="1990281"/>
+            <a:ext cx="4328082" cy="4321234"/>
           </a:xfrm>
           <a:prstGeom prst="rect">
             <a:avLst/>
           </a:prstGeom>
         </p:spPr>
       </p:pic>
-      <p:sp>
-        <p:nvSpPr>
-          <p:cNvPr id="19" name="文字方塊 18"/>
-          <p:cNvSpPr txBox="1"/>
-          <p:nvPr/>
-        </p:nvSpPr>
-        <p:spPr>
-          <a:xfrm>
-            <a:off x="3942902" y="904198"/>
-            <a:ext cx="1037976" cy="369332"/>
+      <p:pic>
+        <p:nvPicPr>
+          <p:cNvPr id="7" name="圖片 6"/>
+          <p:cNvPicPr>
+            <a:picLocks noChangeAspect="1"/>
+          </p:cNvPicPr>
+          <p:nvPr/>
+        </p:nvPicPr>
+        <p:blipFill>
+          <a:blip r:embed="rId3"/>
+          <a:stretch>
+            <a:fillRect/>
+          </a:stretch>
+        </p:blipFill>
+        <p:spPr>
+          <a:xfrm>
+            <a:off x="6102587" y="1990759"/>
+            <a:ext cx="4645769" cy="4320756"/>
+          </a:xfrm>
+          <a:prstGeom prst="rect">
+            <a:avLst/>
+          </a:prstGeom>
+        </p:spPr>
+      </p:pic>
+      <p:sp>
+        <p:nvSpPr>
+          <p:cNvPr id="2" name="矩形 1"/>
+          <p:cNvSpPr/>
+          <p:nvPr/>
+        </p:nvSpPr>
+        <p:spPr>
+          <a:xfrm>
+            <a:off x="6799811" y="6043352"/>
+            <a:ext cx="1333009" cy="243224"/>
           </a:xfrm>
           <a:prstGeom prst="rect">
             <a:avLst/>
           </a:prstGeom>
           <a:noFill/>
-        </p:spPr>
-        <p:txBody>
-          <a:bodyPr wrap="none" rtlCol="0">
-            <a:spAutoFit/>
+          <a:ln w="28575">
+            <a:solidFill>
+              <a:srgbClr val="FF0000"/>
+            </a:solidFill>
+          </a:ln>
+        </p:spPr>
+        <p:style>
+          <a:lnRef idx="2">
+            <a:schemeClr val="accent1">
+              <a:shade val="50000"/>
+            </a:schemeClr>
+          </a:lnRef>
+          <a:fillRef idx="1">
+            <a:schemeClr val="accent1"/>
+          </a:fillRef>
+          <a:effectRef idx="0">
+            <a:schemeClr val="accent1"/>
+          </a:effectRef>
+          <a:fontRef idx="minor">
+            <a:schemeClr val="lt1"/>
+          </a:fontRef>
+        </p:style>
+        <p:txBody>
+          <a:bodyPr rot="0" spcFirstLastPara="0" vertOverflow="overflow" horzOverflow="overflow" vert="horz" wrap="square" lIns="91440" tIns="45720" rIns="91440" bIns="45720" numCol="1" spcCol="0" rtlCol="0" fromWordArt="0" anchor="ctr" anchorCtr="0" forceAA="0" compatLnSpc="1">
+            <a:prstTxWarp prst="textNoShape">
+              <a:avLst/>
+            </a:prstTxWarp>
+            <a:noAutofit/>
           </a:bodyPr>
           <a:lstStyle/>
           <a:p>
-            <a:r>
-              <a:rPr lang="en-US" altLang="zh-TW" dirty="0" smtClean="0"/>
-              <a:t>AT: 0.548</a:t>
-            </a:r>
-            <a:endParaRPr lang="zh-TW" altLang="en-US" dirty="0"/>
+            <a:pPr algn="ctr"/>
+            <a:endParaRPr lang="zh-TW" altLang="en-US"/>
           </a:p>
         </p:txBody>
       </p:sp>
     </p:spTree>
     <p:extLst>
       <p:ext uri="{BB962C8B-B14F-4D97-AF65-F5344CB8AC3E}">
-        <p14:creationId xmlns:p14="http://schemas.microsoft.com/office/powerpoint/2010/main" val="1099140791"/>
+        <p14:creationId xmlns:p14="http://schemas.microsoft.com/office/powerpoint/2010/main" val="3274696501"/>
       </p:ext>
     </p:extLst>
   </p:cSld>
@@ -10434,6 +11581,36 @@
           <a:chExt cx="0" cy="0"/>
         </a:xfrm>
       </p:grpSpPr>
+      <p:pic>
+        <p:nvPicPr>
+          <p:cNvPr id="20" name="圖片 19"/>
+          <p:cNvPicPr>
+            <a:picLocks noChangeAspect="1"/>
+          </p:cNvPicPr>
+          <p:nvPr/>
+        </p:nvPicPr>
+        <p:blipFill>
+          <a:blip r:embed="rId2">
+            <a:extLst>
+              <a:ext uri="{28A0092B-C50C-407E-A947-70E740481C1C}">
+                <a14:useLocalDpi xmlns:a14="http://schemas.microsoft.com/office/drawing/2010/main" val="0"/>
+              </a:ext>
+            </a:extLst>
+          </a:blip>
+          <a:stretch>
+            <a:fillRect/>
+          </a:stretch>
+        </p:blipFill>
+        <p:spPr>
+          <a:xfrm>
+            <a:off x="2498823" y="4152380"/>
+            <a:ext cx="6173061" cy="2476846"/>
+          </a:xfrm>
+          <a:prstGeom prst="rect">
+            <a:avLst/>
+          </a:prstGeom>
+        </p:spPr>
+      </p:pic>
       <p:sp>
         <p:nvSpPr>
           <p:cNvPr id="11" name="矩形 10"/>
@@ -10805,7 +11982,7 @@
         <p:spPr>
           <a:xfrm>
             <a:off x="566166" y="660451"/>
-            <a:ext cx="3237105" cy="646331"/>
+            <a:ext cx="2563459" cy="646331"/>
           </a:xfrm>
           <a:prstGeom prst="rect">
             <a:avLst/>
@@ -10825,16 +12002,7 @@
                 </a:solidFill>
                 <a:latin typeface="Tekton Pro" panose="020F0603020208020904" pitchFamily="34" charset="0"/>
               </a:rPr>
-              <a:t>XN </a:t>
-            </a:r>
-            <a:r>
-              <a:rPr lang="en-US" altLang="zh-TW" sz="3600" dirty="0">
-                <a:solidFill>
-                  <a:srgbClr val="98CFCE"/>
-                </a:solidFill>
-                <a:latin typeface="Tekton Pro" panose="020F0603020208020904" pitchFamily="34" charset="0"/>
-              </a:rPr>
-              <a:t>Performance</a:t>
+              <a:t>Load Pattern</a:t>
             </a:r>
             <a:endParaRPr lang="zh-TW" altLang="en-US" sz="3600" dirty="0">
               <a:solidFill>
@@ -10847,22 +12015,28 @@
       </p:sp>
       <p:pic>
         <p:nvPicPr>
-          <p:cNvPr id="2" name="圖片 1"/>
+          <p:cNvPr id="19" name="圖片 18"/>
           <p:cNvPicPr>
             <a:picLocks noChangeAspect="1"/>
           </p:cNvPicPr>
           <p:nvPr/>
         </p:nvPicPr>
         <p:blipFill>
-          <a:blip r:embed="rId2"/>
+          <a:blip r:embed="rId3">
+            <a:extLst>
+              <a:ext uri="{28A0092B-C50C-407E-A947-70E740481C1C}">
+                <a14:useLocalDpi xmlns:a14="http://schemas.microsoft.com/office/drawing/2010/main" val="0"/>
+              </a:ext>
+            </a:extLst>
+          </a:blip>
           <a:stretch>
             <a:fillRect/>
           </a:stretch>
         </p:blipFill>
         <p:spPr>
           <a:xfrm>
-            <a:off x="355600" y="1045032"/>
-            <a:ext cx="11497733" cy="5802913"/>
+            <a:off x="2498823" y="1278399"/>
+            <a:ext cx="7792537" cy="2524477"/>
           </a:xfrm>
           <a:prstGeom prst="rect">
             <a:avLst/>
@@ -10871,14 +12045,14 @@
       </p:pic>
       <p:sp>
         <p:nvSpPr>
-          <p:cNvPr id="19" name="文字方塊 18"/>
+          <p:cNvPr id="21" name="文字方塊 20"/>
           <p:cNvSpPr txBox="1"/>
           <p:nvPr/>
         </p:nvSpPr>
         <p:spPr>
           <a:xfrm>
-            <a:off x="3942902" y="904198"/>
-            <a:ext cx="1037976" cy="369332"/>
+            <a:off x="9007066" y="5206137"/>
+            <a:ext cx="2623988" cy="369332"/>
           </a:xfrm>
           <a:prstGeom prst="rect">
             <a:avLst/>
@@ -10893,7 +12067,7 @@
           <a:p>
             <a:r>
               <a:rPr lang="en-US" altLang="zh-TW" dirty="0" smtClean="0"/>
-              <a:t>AT: 0.548</a:t>
+              <a:t>No Consider Eccentricities</a:t>
             </a:r>
             <a:endParaRPr lang="zh-TW" altLang="en-US" dirty="0"/>
           </a:p>
@@ -10902,7 +12076,7 @@
     </p:spTree>
     <p:extLst>
       <p:ext uri="{BB962C8B-B14F-4D97-AF65-F5344CB8AC3E}">
-        <p14:creationId xmlns:p14="http://schemas.microsoft.com/office/powerpoint/2010/main" val="3757846614"/>
+        <p14:creationId xmlns:p14="http://schemas.microsoft.com/office/powerpoint/2010/main" val="4014906116"/>
       </p:ext>
     </p:extLst>
   </p:cSld>
@@ -10920,6 +12094,1859 @@
 </file>
 
 <file path=ppt/slides/slide22.xml><?xml version="1.0" encoding="utf-8"?>
+<p:sld xmlns:a="http://schemas.openxmlformats.org/drawingml/2006/main" xmlns:r="http://schemas.openxmlformats.org/officeDocument/2006/relationships" xmlns:p="http://schemas.openxmlformats.org/presentationml/2006/main">
+  <p:cSld>
+    <p:spTree>
+      <p:nvGrpSpPr>
+        <p:cNvPr id="1" name=""/>
+        <p:cNvGrpSpPr/>
+        <p:nvPr/>
+      </p:nvGrpSpPr>
+      <p:grpSpPr>
+        <a:xfrm>
+          <a:off x="0" y="0"/>
+          <a:ext cx="0" cy="0"/>
+          <a:chOff x="0" y="0"/>
+          <a:chExt cx="0" cy="0"/>
+        </a:xfrm>
+      </p:grpSpPr>
+      <p:sp>
+        <p:nvSpPr>
+          <p:cNvPr id="11" name="矩形 10"/>
+          <p:cNvSpPr/>
+          <p:nvPr/>
+        </p:nvSpPr>
+        <p:spPr>
+          <a:xfrm>
+            <a:off x="-1" y="288000"/>
+            <a:ext cx="12200025" cy="542424"/>
+          </a:xfrm>
+          <a:prstGeom prst="rect">
+            <a:avLst/>
+          </a:prstGeom>
+          <a:solidFill>
+            <a:srgbClr val="98CFCE"/>
+          </a:solidFill>
+          <a:ln>
+            <a:noFill/>
+          </a:ln>
+        </p:spPr>
+        <p:style>
+          <a:lnRef idx="2">
+            <a:schemeClr val="accent1">
+              <a:shade val="50000"/>
+            </a:schemeClr>
+          </a:lnRef>
+          <a:fillRef idx="1">
+            <a:schemeClr val="accent1"/>
+          </a:fillRef>
+          <a:effectRef idx="0">
+            <a:schemeClr val="accent1"/>
+          </a:effectRef>
+          <a:fontRef idx="minor">
+            <a:schemeClr val="lt1"/>
+          </a:fontRef>
+        </p:style>
+        <p:txBody>
+          <a:bodyPr rtlCol="0" anchor="ctr"/>
+          <a:lstStyle/>
+          <a:p>
+            <a:pPr algn="ctr"/>
+            <a:endParaRPr lang="zh-TW" altLang="en-US"/>
+          </a:p>
+        </p:txBody>
+      </p:sp>
+      <p:sp>
+        <p:nvSpPr>
+          <p:cNvPr id="4" name="文字方塊 3"/>
+          <p:cNvSpPr txBox="1"/>
+          <p:nvPr/>
+        </p:nvSpPr>
+        <p:spPr>
+          <a:xfrm>
+            <a:off x="-159" y="232014"/>
+            <a:ext cx="2280753" cy="830997"/>
+          </a:xfrm>
+          <a:prstGeom prst="rect">
+            <a:avLst/>
+          </a:prstGeom>
+          <a:noFill/>
+        </p:spPr>
+        <p:txBody>
+          <a:bodyPr wrap="none" rtlCol="0">
+            <a:spAutoFit/>
+          </a:bodyPr>
+          <a:lstStyle/>
+          <a:p>
+            <a:r>
+              <a:rPr lang="en-US" altLang="zh-TW" sz="4800" dirty="0" smtClean="0">
+                <a:solidFill>
+                  <a:schemeClr val="bg1"/>
+                </a:solidFill>
+                <a:latin typeface="Tekton Pro" panose="020F0603020208020904" pitchFamily="34" charset="0"/>
+              </a:rPr>
+              <a:t>TEASPA</a:t>
+            </a:r>
+            <a:endParaRPr lang="zh-TW" altLang="en-US" sz="4800" dirty="0">
+              <a:solidFill>
+                <a:schemeClr val="bg1"/>
+              </a:solidFill>
+              <a:latin typeface="Tekton Pro" panose="020F0603020208020904" pitchFamily="34" charset="0"/>
+            </a:endParaRPr>
+          </a:p>
+        </p:txBody>
+      </p:sp>
+      <p:sp>
+        <p:nvSpPr>
+          <p:cNvPr id="12" name="矩形 11"/>
+          <p:cNvSpPr/>
+          <p:nvPr/>
+        </p:nvSpPr>
+        <p:spPr>
+          <a:xfrm>
+            <a:off x="0" y="0"/>
+            <a:ext cx="2034000" cy="288000"/>
+          </a:xfrm>
+          <a:prstGeom prst="rect">
+            <a:avLst/>
+          </a:prstGeom>
+          <a:solidFill>
+            <a:srgbClr val="79ADDD"/>
+          </a:solidFill>
+          <a:ln>
+            <a:noFill/>
+          </a:ln>
+        </p:spPr>
+        <p:style>
+          <a:lnRef idx="2">
+            <a:schemeClr val="accent1">
+              <a:shade val="50000"/>
+            </a:schemeClr>
+          </a:lnRef>
+          <a:fillRef idx="1">
+            <a:schemeClr val="accent1"/>
+          </a:fillRef>
+          <a:effectRef idx="0">
+            <a:schemeClr val="accent1"/>
+          </a:effectRef>
+          <a:fontRef idx="minor">
+            <a:schemeClr val="lt1"/>
+          </a:fontRef>
+        </p:style>
+        <p:txBody>
+          <a:bodyPr rtlCol="0" anchor="ctr"/>
+          <a:lstStyle/>
+          <a:p>
+            <a:pPr algn="ctr"/>
+            <a:endParaRPr lang="zh-TW" altLang="en-US"/>
+          </a:p>
+        </p:txBody>
+      </p:sp>
+      <p:sp>
+        <p:nvSpPr>
+          <p:cNvPr id="13" name="矩形 12"/>
+          <p:cNvSpPr/>
+          <p:nvPr/>
+        </p:nvSpPr>
+        <p:spPr>
+          <a:xfrm>
+            <a:off x="2033046" y="0"/>
+            <a:ext cx="2034000" cy="288000"/>
+          </a:xfrm>
+          <a:prstGeom prst="rect">
+            <a:avLst/>
+          </a:prstGeom>
+          <a:solidFill>
+            <a:srgbClr val="9FB8CD"/>
+          </a:solidFill>
+          <a:ln>
+            <a:noFill/>
+          </a:ln>
+        </p:spPr>
+        <p:style>
+          <a:lnRef idx="2">
+            <a:schemeClr val="accent1">
+              <a:shade val="50000"/>
+            </a:schemeClr>
+          </a:lnRef>
+          <a:fillRef idx="1">
+            <a:schemeClr val="accent1"/>
+          </a:fillRef>
+          <a:effectRef idx="0">
+            <a:schemeClr val="accent1"/>
+          </a:effectRef>
+          <a:fontRef idx="minor">
+            <a:schemeClr val="lt1"/>
+          </a:fontRef>
+        </p:style>
+        <p:txBody>
+          <a:bodyPr rtlCol="0" anchor="ctr"/>
+          <a:lstStyle/>
+          <a:p>
+            <a:pPr algn="ctr"/>
+            <a:endParaRPr lang="zh-TW" altLang="en-US"/>
+          </a:p>
+        </p:txBody>
+      </p:sp>
+      <p:sp>
+        <p:nvSpPr>
+          <p:cNvPr id="14" name="矩形 13"/>
+          <p:cNvSpPr/>
+          <p:nvPr/>
+        </p:nvSpPr>
+        <p:spPr>
+          <a:xfrm>
+            <a:off x="4066251" y="0"/>
+            <a:ext cx="2034000" cy="288000"/>
+          </a:xfrm>
+          <a:prstGeom prst="rect">
+            <a:avLst/>
+          </a:prstGeom>
+          <a:solidFill>
+            <a:srgbClr val="98CFCE"/>
+          </a:solidFill>
+          <a:ln>
+            <a:noFill/>
+          </a:ln>
+        </p:spPr>
+        <p:style>
+          <a:lnRef idx="2">
+            <a:schemeClr val="accent1">
+              <a:shade val="50000"/>
+            </a:schemeClr>
+          </a:lnRef>
+          <a:fillRef idx="1">
+            <a:schemeClr val="accent1"/>
+          </a:fillRef>
+          <a:effectRef idx="0">
+            <a:schemeClr val="accent1"/>
+          </a:effectRef>
+          <a:fontRef idx="minor">
+            <a:schemeClr val="lt1"/>
+          </a:fontRef>
+        </p:style>
+        <p:txBody>
+          <a:bodyPr rtlCol="0" anchor="ctr"/>
+          <a:lstStyle/>
+          <a:p>
+            <a:pPr algn="ctr"/>
+            <a:endParaRPr lang="zh-TW" altLang="en-US"/>
+          </a:p>
+        </p:txBody>
+      </p:sp>
+      <p:sp>
+        <p:nvSpPr>
+          <p:cNvPr id="15" name="矩形 14"/>
+          <p:cNvSpPr/>
+          <p:nvPr/>
+        </p:nvSpPr>
+        <p:spPr>
+          <a:xfrm>
+            <a:off x="6099615" y="0"/>
+            <a:ext cx="2034000" cy="288000"/>
+          </a:xfrm>
+          <a:prstGeom prst="rect">
+            <a:avLst/>
+          </a:prstGeom>
+          <a:solidFill>
+            <a:srgbClr val="8AD48C"/>
+          </a:solidFill>
+          <a:ln>
+            <a:noFill/>
+          </a:ln>
+        </p:spPr>
+        <p:style>
+          <a:lnRef idx="2">
+            <a:schemeClr val="accent1">
+              <a:shade val="50000"/>
+            </a:schemeClr>
+          </a:lnRef>
+          <a:fillRef idx="1">
+            <a:schemeClr val="accent1"/>
+          </a:fillRef>
+          <a:effectRef idx="0">
+            <a:schemeClr val="accent1"/>
+          </a:effectRef>
+          <a:fontRef idx="minor">
+            <a:schemeClr val="lt1"/>
+          </a:fontRef>
+        </p:style>
+        <p:txBody>
+          <a:bodyPr rtlCol="0" anchor="ctr"/>
+          <a:lstStyle/>
+          <a:p>
+            <a:pPr algn="ctr"/>
+            <a:endParaRPr lang="zh-TW" altLang="en-US"/>
+          </a:p>
+        </p:txBody>
+      </p:sp>
+      <p:sp>
+        <p:nvSpPr>
+          <p:cNvPr id="16" name="矩形 15"/>
+          <p:cNvSpPr/>
+          <p:nvPr/>
+        </p:nvSpPr>
+        <p:spPr>
+          <a:xfrm>
+            <a:off x="8132820" y="0"/>
+            <a:ext cx="2034000" cy="288000"/>
+          </a:xfrm>
+          <a:prstGeom prst="rect">
+            <a:avLst/>
+          </a:prstGeom>
+          <a:solidFill>
+            <a:srgbClr val="A7D782"/>
+          </a:solidFill>
+          <a:ln>
+            <a:noFill/>
+          </a:ln>
+        </p:spPr>
+        <p:style>
+          <a:lnRef idx="2">
+            <a:schemeClr val="accent1">
+              <a:shade val="50000"/>
+            </a:schemeClr>
+          </a:lnRef>
+          <a:fillRef idx="1">
+            <a:schemeClr val="accent1"/>
+          </a:fillRef>
+          <a:effectRef idx="0">
+            <a:schemeClr val="accent1"/>
+          </a:effectRef>
+          <a:fontRef idx="minor">
+            <a:schemeClr val="lt1"/>
+          </a:fontRef>
+        </p:style>
+        <p:txBody>
+          <a:bodyPr rtlCol="0" anchor="ctr"/>
+          <a:lstStyle/>
+          <a:p>
+            <a:pPr algn="ctr"/>
+            <a:endParaRPr lang="zh-TW" altLang="en-US"/>
+          </a:p>
+        </p:txBody>
+      </p:sp>
+      <p:sp>
+        <p:nvSpPr>
+          <p:cNvPr id="17" name="矩形 16"/>
+          <p:cNvSpPr/>
+          <p:nvPr/>
+        </p:nvSpPr>
+        <p:spPr>
+          <a:xfrm>
+            <a:off x="10166025" y="0"/>
+            <a:ext cx="2034000" cy="288000"/>
+          </a:xfrm>
+          <a:prstGeom prst="rect">
+            <a:avLst/>
+          </a:prstGeom>
+          <a:solidFill>
+            <a:srgbClr val="D2DA7A"/>
+          </a:solidFill>
+          <a:ln>
+            <a:noFill/>
+          </a:ln>
+        </p:spPr>
+        <p:style>
+          <a:lnRef idx="2">
+            <a:schemeClr val="accent1">
+              <a:shade val="50000"/>
+            </a:schemeClr>
+          </a:lnRef>
+          <a:fillRef idx="1">
+            <a:schemeClr val="accent1"/>
+          </a:fillRef>
+          <a:effectRef idx="0">
+            <a:schemeClr val="accent1"/>
+          </a:effectRef>
+          <a:fontRef idx="minor">
+            <a:schemeClr val="lt1"/>
+          </a:fontRef>
+        </p:style>
+        <p:txBody>
+          <a:bodyPr rtlCol="0" anchor="ctr"/>
+          <a:lstStyle/>
+          <a:p>
+            <a:pPr algn="ctr"/>
+            <a:endParaRPr lang="zh-TW" altLang="en-US"/>
+          </a:p>
+        </p:txBody>
+      </p:sp>
+      <p:sp>
+        <p:nvSpPr>
+          <p:cNvPr id="18" name="文字方塊 17"/>
+          <p:cNvSpPr txBox="1"/>
+          <p:nvPr/>
+        </p:nvSpPr>
+        <p:spPr>
+          <a:xfrm>
+            <a:off x="566166" y="660451"/>
+            <a:ext cx="3215304" cy="646331"/>
+          </a:xfrm>
+          <a:prstGeom prst="rect">
+            <a:avLst/>
+          </a:prstGeom>
+          <a:noFill/>
+        </p:spPr>
+        <p:txBody>
+          <a:bodyPr wrap="none" rtlCol="0">
+            <a:spAutoFit/>
+          </a:bodyPr>
+          <a:lstStyle/>
+          <a:p>
+            <a:r>
+              <a:rPr lang="en-US" altLang="zh-TW" sz="3600" dirty="0" smtClean="0">
+                <a:solidFill>
+                  <a:srgbClr val="98CFCE"/>
+                </a:solidFill>
+                <a:latin typeface="Tekton Pro" panose="020F0603020208020904" pitchFamily="34" charset="0"/>
+              </a:rPr>
+              <a:t>Nonlinear Hinge</a:t>
+            </a:r>
+            <a:endParaRPr lang="zh-TW" altLang="en-US" sz="3600" dirty="0">
+              <a:solidFill>
+                <a:srgbClr val="98CFCE"/>
+              </a:solidFill>
+              <a:latin typeface="Tekton Pro" panose="020F0603020208020904" pitchFamily="34" charset="0"/>
+            </a:endParaRPr>
+          </a:p>
+        </p:txBody>
+      </p:sp>
+      <p:pic>
+        <p:nvPicPr>
+          <p:cNvPr id="6" name="圖片 5"/>
+          <p:cNvPicPr>
+            <a:picLocks noChangeAspect="1"/>
+          </p:cNvPicPr>
+          <p:nvPr/>
+        </p:nvPicPr>
+        <p:blipFill>
+          <a:blip r:embed="rId2"/>
+          <a:stretch>
+            <a:fillRect/>
+          </a:stretch>
+        </p:blipFill>
+        <p:spPr>
+          <a:xfrm>
+            <a:off x="339842" y="2729364"/>
+            <a:ext cx="5759774" cy="3577002"/>
+          </a:xfrm>
+          <a:prstGeom prst="rect">
+            <a:avLst/>
+          </a:prstGeom>
+        </p:spPr>
+      </p:pic>
+      <p:pic>
+        <p:nvPicPr>
+          <p:cNvPr id="19" name="圖片 18"/>
+          <p:cNvPicPr>
+            <a:picLocks noChangeAspect="1"/>
+          </p:cNvPicPr>
+          <p:nvPr/>
+        </p:nvPicPr>
+        <p:blipFill>
+          <a:blip r:embed="rId3"/>
+          <a:stretch>
+            <a:fillRect/>
+          </a:stretch>
+        </p:blipFill>
+        <p:spPr>
+          <a:xfrm>
+            <a:off x="6074678" y="2729364"/>
+            <a:ext cx="5780521" cy="3589887"/>
+          </a:xfrm>
+          <a:prstGeom prst="rect">
+            <a:avLst/>
+          </a:prstGeom>
+        </p:spPr>
+      </p:pic>
+      <p:sp>
+        <p:nvSpPr>
+          <p:cNvPr id="20" name="文字方塊 19"/>
+          <p:cNvSpPr txBox="1"/>
+          <p:nvPr/>
+        </p:nvSpPr>
+        <p:spPr>
+          <a:xfrm>
+            <a:off x="3005163" y="3775765"/>
+            <a:ext cx="423514" cy="369332"/>
+          </a:xfrm>
+          <a:prstGeom prst="rect">
+            <a:avLst/>
+          </a:prstGeom>
+          <a:noFill/>
+        </p:spPr>
+        <p:txBody>
+          <a:bodyPr wrap="none" rtlCol="0">
+            <a:spAutoFit/>
+          </a:bodyPr>
+          <a:lstStyle/>
+          <a:p>
+            <a:r>
+              <a:rPr lang="en-US" altLang="zh-TW" dirty="0" smtClean="0"/>
+              <a:t>XP</a:t>
+            </a:r>
+            <a:endParaRPr lang="zh-TW" altLang="en-US" dirty="0"/>
+          </a:p>
+        </p:txBody>
+      </p:sp>
+      <p:sp>
+        <p:nvSpPr>
+          <p:cNvPr id="21" name="文字方塊 20"/>
+          <p:cNvSpPr txBox="1"/>
+          <p:nvPr/>
+        </p:nvSpPr>
+        <p:spPr>
+          <a:xfrm>
+            <a:off x="8765823" y="3777552"/>
+            <a:ext cx="453970" cy="369332"/>
+          </a:xfrm>
+          <a:prstGeom prst="rect">
+            <a:avLst/>
+          </a:prstGeom>
+          <a:noFill/>
+        </p:spPr>
+        <p:txBody>
+          <a:bodyPr wrap="none" rtlCol="0">
+            <a:spAutoFit/>
+          </a:bodyPr>
+          <a:lstStyle/>
+          <a:p>
+            <a:r>
+              <a:rPr lang="en-US" altLang="zh-TW" dirty="0" smtClean="0"/>
+              <a:t>XN</a:t>
+            </a:r>
+            <a:endParaRPr lang="zh-TW" altLang="en-US" dirty="0"/>
+          </a:p>
+        </p:txBody>
+      </p:sp>
+    </p:spTree>
+    <p:extLst>
+      <p:ext uri="{BB962C8B-B14F-4D97-AF65-F5344CB8AC3E}">
+        <p14:creationId xmlns:p14="http://schemas.microsoft.com/office/powerpoint/2010/main" val="1876642533"/>
+      </p:ext>
+    </p:extLst>
+  </p:cSld>
+  <p:clrMapOvr>
+    <a:masterClrMapping/>
+  </p:clrMapOvr>
+  <p:timing>
+    <p:tnLst>
+      <p:par>
+        <p:cTn id="1" dur="indefinite" restart="never" nodeType="tmRoot"/>
+      </p:par>
+    </p:tnLst>
+  </p:timing>
+</p:sld>
+</file>
+
+<file path=ppt/slides/slide23.xml><?xml version="1.0" encoding="utf-8"?>
+<p:sld xmlns:a="http://schemas.openxmlformats.org/drawingml/2006/main" xmlns:r="http://schemas.openxmlformats.org/officeDocument/2006/relationships" xmlns:p="http://schemas.openxmlformats.org/presentationml/2006/main">
+  <p:cSld>
+    <p:spTree>
+      <p:nvGrpSpPr>
+        <p:cNvPr id="1" name=""/>
+        <p:cNvGrpSpPr/>
+        <p:nvPr/>
+      </p:nvGrpSpPr>
+      <p:grpSpPr>
+        <a:xfrm>
+          <a:off x="0" y="0"/>
+          <a:ext cx="0" cy="0"/>
+          <a:chOff x="0" y="0"/>
+          <a:chExt cx="0" cy="0"/>
+        </a:xfrm>
+      </p:grpSpPr>
+      <p:sp>
+        <p:nvSpPr>
+          <p:cNvPr id="11" name="矩形 10"/>
+          <p:cNvSpPr/>
+          <p:nvPr/>
+        </p:nvSpPr>
+        <p:spPr>
+          <a:xfrm>
+            <a:off x="-1" y="288000"/>
+            <a:ext cx="12200025" cy="542424"/>
+          </a:xfrm>
+          <a:prstGeom prst="rect">
+            <a:avLst/>
+          </a:prstGeom>
+          <a:solidFill>
+            <a:srgbClr val="98CFCE"/>
+          </a:solidFill>
+          <a:ln>
+            <a:noFill/>
+          </a:ln>
+        </p:spPr>
+        <p:style>
+          <a:lnRef idx="2">
+            <a:schemeClr val="accent1">
+              <a:shade val="50000"/>
+            </a:schemeClr>
+          </a:lnRef>
+          <a:fillRef idx="1">
+            <a:schemeClr val="accent1"/>
+          </a:fillRef>
+          <a:effectRef idx="0">
+            <a:schemeClr val="accent1"/>
+          </a:effectRef>
+          <a:fontRef idx="minor">
+            <a:schemeClr val="lt1"/>
+          </a:fontRef>
+        </p:style>
+        <p:txBody>
+          <a:bodyPr rtlCol="0" anchor="ctr"/>
+          <a:lstStyle/>
+          <a:p>
+            <a:pPr algn="ctr"/>
+            <a:endParaRPr lang="zh-TW" altLang="en-US"/>
+          </a:p>
+        </p:txBody>
+      </p:sp>
+      <p:sp>
+        <p:nvSpPr>
+          <p:cNvPr id="4" name="文字方塊 3"/>
+          <p:cNvSpPr txBox="1"/>
+          <p:nvPr/>
+        </p:nvSpPr>
+        <p:spPr>
+          <a:xfrm>
+            <a:off x="-159" y="232014"/>
+            <a:ext cx="2280753" cy="830997"/>
+          </a:xfrm>
+          <a:prstGeom prst="rect">
+            <a:avLst/>
+          </a:prstGeom>
+          <a:noFill/>
+        </p:spPr>
+        <p:txBody>
+          <a:bodyPr wrap="none" rtlCol="0">
+            <a:spAutoFit/>
+          </a:bodyPr>
+          <a:lstStyle/>
+          <a:p>
+            <a:r>
+              <a:rPr lang="en-US" altLang="zh-TW" sz="4800" dirty="0" smtClean="0">
+                <a:solidFill>
+                  <a:schemeClr val="bg1"/>
+                </a:solidFill>
+                <a:latin typeface="Tekton Pro" panose="020F0603020208020904" pitchFamily="34" charset="0"/>
+              </a:rPr>
+              <a:t>TEASPA</a:t>
+            </a:r>
+            <a:endParaRPr lang="zh-TW" altLang="en-US" sz="4800" dirty="0">
+              <a:solidFill>
+                <a:schemeClr val="bg1"/>
+              </a:solidFill>
+              <a:latin typeface="Tekton Pro" panose="020F0603020208020904" pitchFamily="34" charset="0"/>
+            </a:endParaRPr>
+          </a:p>
+        </p:txBody>
+      </p:sp>
+      <p:sp>
+        <p:nvSpPr>
+          <p:cNvPr id="12" name="矩形 11"/>
+          <p:cNvSpPr/>
+          <p:nvPr/>
+        </p:nvSpPr>
+        <p:spPr>
+          <a:xfrm>
+            <a:off x="0" y="0"/>
+            <a:ext cx="2034000" cy="288000"/>
+          </a:xfrm>
+          <a:prstGeom prst="rect">
+            <a:avLst/>
+          </a:prstGeom>
+          <a:solidFill>
+            <a:srgbClr val="79ADDD"/>
+          </a:solidFill>
+          <a:ln>
+            <a:noFill/>
+          </a:ln>
+        </p:spPr>
+        <p:style>
+          <a:lnRef idx="2">
+            <a:schemeClr val="accent1">
+              <a:shade val="50000"/>
+            </a:schemeClr>
+          </a:lnRef>
+          <a:fillRef idx="1">
+            <a:schemeClr val="accent1"/>
+          </a:fillRef>
+          <a:effectRef idx="0">
+            <a:schemeClr val="accent1"/>
+          </a:effectRef>
+          <a:fontRef idx="minor">
+            <a:schemeClr val="lt1"/>
+          </a:fontRef>
+        </p:style>
+        <p:txBody>
+          <a:bodyPr rtlCol="0" anchor="ctr"/>
+          <a:lstStyle/>
+          <a:p>
+            <a:pPr algn="ctr"/>
+            <a:endParaRPr lang="zh-TW" altLang="en-US"/>
+          </a:p>
+        </p:txBody>
+      </p:sp>
+      <p:sp>
+        <p:nvSpPr>
+          <p:cNvPr id="13" name="矩形 12"/>
+          <p:cNvSpPr/>
+          <p:nvPr/>
+        </p:nvSpPr>
+        <p:spPr>
+          <a:xfrm>
+            <a:off x="2033046" y="0"/>
+            <a:ext cx="2034000" cy="288000"/>
+          </a:xfrm>
+          <a:prstGeom prst="rect">
+            <a:avLst/>
+          </a:prstGeom>
+          <a:solidFill>
+            <a:srgbClr val="9FB8CD"/>
+          </a:solidFill>
+          <a:ln>
+            <a:noFill/>
+          </a:ln>
+        </p:spPr>
+        <p:style>
+          <a:lnRef idx="2">
+            <a:schemeClr val="accent1">
+              <a:shade val="50000"/>
+            </a:schemeClr>
+          </a:lnRef>
+          <a:fillRef idx="1">
+            <a:schemeClr val="accent1"/>
+          </a:fillRef>
+          <a:effectRef idx="0">
+            <a:schemeClr val="accent1"/>
+          </a:effectRef>
+          <a:fontRef idx="minor">
+            <a:schemeClr val="lt1"/>
+          </a:fontRef>
+        </p:style>
+        <p:txBody>
+          <a:bodyPr rtlCol="0" anchor="ctr"/>
+          <a:lstStyle/>
+          <a:p>
+            <a:pPr algn="ctr"/>
+            <a:endParaRPr lang="zh-TW" altLang="en-US"/>
+          </a:p>
+        </p:txBody>
+      </p:sp>
+      <p:sp>
+        <p:nvSpPr>
+          <p:cNvPr id="14" name="矩形 13"/>
+          <p:cNvSpPr/>
+          <p:nvPr/>
+        </p:nvSpPr>
+        <p:spPr>
+          <a:xfrm>
+            <a:off x="4066251" y="0"/>
+            <a:ext cx="2034000" cy="288000"/>
+          </a:xfrm>
+          <a:prstGeom prst="rect">
+            <a:avLst/>
+          </a:prstGeom>
+          <a:solidFill>
+            <a:srgbClr val="98CFCE"/>
+          </a:solidFill>
+          <a:ln>
+            <a:noFill/>
+          </a:ln>
+        </p:spPr>
+        <p:style>
+          <a:lnRef idx="2">
+            <a:schemeClr val="accent1">
+              <a:shade val="50000"/>
+            </a:schemeClr>
+          </a:lnRef>
+          <a:fillRef idx="1">
+            <a:schemeClr val="accent1"/>
+          </a:fillRef>
+          <a:effectRef idx="0">
+            <a:schemeClr val="accent1"/>
+          </a:effectRef>
+          <a:fontRef idx="minor">
+            <a:schemeClr val="lt1"/>
+          </a:fontRef>
+        </p:style>
+        <p:txBody>
+          <a:bodyPr rtlCol="0" anchor="ctr"/>
+          <a:lstStyle/>
+          <a:p>
+            <a:pPr algn="ctr"/>
+            <a:endParaRPr lang="zh-TW" altLang="en-US"/>
+          </a:p>
+        </p:txBody>
+      </p:sp>
+      <p:sp>
+        <p:nvSpPr>
+          <p:cNvPr id="15" name="矩形 14"/>
+          <p:cNvSpPr/>
+          <p:nvPr/>
+        </p:nvSpPr>
+        <p:spPr>
+          <a:xfrm>
+            <a:off x="6099615" y="0"/>
+            <a:ext cx="2034000" cy="288000"/>
+          </a:xfrm>
+          <a:prstGeom prst="rect">
+            <a:avLst/>
+          </a:prstGeom>
+          <a:solidFill>
+            <a:srgbClr val="8AD48C"/>
+          </a:solidFill>
+          <a:ln>
+            <a:noFill/>
+          </a:ln>
+        </p:spPr>
+        <p:style>
+          <a:lnRef idx="2">
+            <a:schemeClr val="accent1">
+              <a:shade val="50000"/>
+            </a:schemeClr>
+          </a:lnRef>
+          <a:fillRef idx="1">
+            <a:schemeClr val="accent1"/>
+          </a:fillRef>
+          <a:effectRef idx="0">
+            <a:schemeClr val="accent1"/>
+          </a:effectRef>
+          <a:fontRef idx="minor">
+            <a:schemeClr val="lt1"/>
+          </a:fontRef>
+        </p:style>
+        <p:txBody>
+          <a:bodyPr rtlCol="0" anchor="ctr"/>
+          <a:lstStyle/>
+          <a:p>
+            <a:pPr algn="ctr"/>
+            <a:endParaRPr lang="zh-TW" altLang="en-US"/>
+          </a:p>
+        </p:txBody>
+      </p:sp>
+      <p:sp>
+        <p:nvSpPr>
+          <p:cNvPr id="16" name="矩形 15"/>
+          <p:cNvSpPr/>
+          <p:nvPr/>
+        </p:nvSpPr>
+        <p:spPr>
+          <a:xfrm>
+            <a:off x="8132820" y="0"/>
+            <a:ext cx="2034000" cy="288000"/>
+          </a:xfrm>
+          <a:prstGeom prst="rect">
+            <a:avLst/>
+          </a:prstGeom>
+          <a:solidFill>
+            <a:srgbClr val="A7D782"/>
+          </a:solidFill>
+          <a:ln>
+            <a:noFill/>
+          </a:ln>
+        </p:spPr>
+        <p:style>
+          <a:lnRef idx="2">
+            <a:schemeClr val="accent1">
+              <a:shade val="50000"/>
+            </a:schemeClr>
+          </a:lnRef>
+          <a:fillRef idx="1">
+            <a:schemeClr val="accent1"/>
+          </a:fillRef>
+          <a:effectRef idx="0">
+            <a:schemeClr val="accent1"/>
+          </a:effectRef>
+          <a:fontRef idx="minor">
+            <a:schemeClr val="lt1"/>
+          </a:fontRef>
+        </p:style>
+        <p:txBody>
+          <a:bodyPr rtlCol="0" anchor="ctr"/>
+          <a:lstStyle/>
+          <a:p>
+            <a:pPr algn="ctr"/>
+            <a:endParaRPr lang="zh-TW" altLang="en-US"/>
+          </a:p>
+        </p:txBody>
+      </p:sp>
+      <p:sp>
+        <p:nvSpPr>
+          <p:cNvPr id="17" name="矩形 16"/>
+          <p:cNvSpPr/>
+          <p:nvPr/>
+        </p:nvSpPr>
+        <p:spPr>
+          <a:xfrm>
+            <a:off x="10166025" y="0"/>
+            <a:ext cx="2034000" cy="288000"/>
+          </a:xfrm>
+          <a:prstGeom prst="rect">
+            <a:avLst/>
+          </a:prstGeom>
+          <a:solidFill>
+            <a:srgbClr val="D2DA7A"/>
+          </a:solidFill>
+          <a:ln>
+            <a:noFill/>
+          </a:ln>
+        </p:spPr>
+        <p:style>
+          <a:lnRef idx="2">
+            <a:schemeClr val="accent1">
+              <a:shade val="50000"/>
+            </a:schemeClr>
+          </a:lnRef>
+          <a:fillRef idx="1">
+            <a:schemeClr val="accent1"/>
+          </a:fillRef>
+          <a:effectRef idx="0">
+            <a:schemeClr val="accent1"/>
+          </a:effectRef>
+          <a:fontRef idx="minor">
+            <a:schemeClr val="lt1"/>
+          </a:fontRef>
+        </p:style>
+        <p:txBody>
+          <a:bodyPr rtlCol="0" anchor="ctr"/>
+          <a:lstStyle/>
+          <a:p>
+            <a:pPr algn="ctr"/>
+            <a:endParaRPr lang="zh-TW" altLang="en-US"/>
+          </a:p>
+        </p:txBody>
+      </p:sp>
+      <p:sp>
+        <p:nvSpPr>
+          <p:cNvPr id="18" name="文字方塊 17"/>
+          <p:cNvSpPr txBox="1"/>
+          <p:nvPr/>
+        </p:nvSpPr>
+        <p:spPr>
+          <a:xfrm>
+            <a:off x="566166" y="660451"/>
+            <a:ext cx="3378169" cy="646331"/>
+          </a:xfrm>
+          <a:prstGeom prst="rect">
+            <a:avLst/>
+          </a:prstGeom>
+          <a:noFill/>
+        </p:spPr>
+        <p:txBody>
+          <a:bodyPr wrap="none" rtlCol="0">
+            <a:spAutoFit/>
+          </a:bodyPr>
+          <a:lstStyle/>
+          <a:p>
+            <a:r>
+              <a:rPr lang="en-US" altLang="zh-TW" sz="3600" dirty="0" smtClean="0">
+                <a:solidFill>
+                  <a:srgbClr val="98CFCE"/>
+                </a:solidFill>
+                <a:latin typeface="Tekton Pro" panose="020F0603020208020904" pitchFamily="34" charset="0"/>
+              </a:rPr>
+              <a:t>DM</a:t>
+            </a:r>
+            <a:r>
+              <a:rPr lang="zh-TW" altLang="en-US" sz="3600" dirty="0" smtClean="0">
+                <a:solidFill>
+                  <a:srgbClr val="98CFCE"/>
+                </a:solidFill>
+                <a:latin typeface="Tekton Pro" panose="020F0603020208020904" pitchFamily="34" charset="0"/>
+              </a:rPr>
+              <a:t> </a:t>
+            </a:r>
+            <a:r>
+              <a:rPr lang="en-US" altLang="zh-TW" sz="3600" dirty="0" smtClean="0">
+                <a:solidFill>
+                  <a:srgbClr val="98CFCE"/>
+                </a:solidFill>
+                <a:latin typeface="Tekton Pro" panose="020F0603020208020904" pitchFamily="34" charset="0"/>
+              </a:rPr>
+              <a:t>Performance</a:t>
+            </a:r>
+            <a:endParaRPr lang="zh-TW" altLang="en-US" sz="3600" dirty="0">
+              <a:solidFill>
+                <a:srgbClr val="98CFCE"/>
+              </a:solidFill>
+              <a:latin typeface="Tekton Pro" panose="020F0603020208020904" pitchFamily="34" charset="0"/>
+            </a:endParaRPr>
+          </a:p>
+        </p:txBody>
+      </p:sp>
+      <p:pic>
+        <p:nvPicPr>
+          <p:cNvPr id="5" name="圖片 4"/>
+          <p:cNvPicPr>
+            <a:picLocks noChangeAspect="1"/>
+          </p:cNvPicPr>
+          <p:nvPr/>
+        </p:nvPicPr>
+        <p:blipFill>
+          <a:blip r:embed="rId2"/>
+          <a:stretch>
+            <a:fillRect/>
+          </a:stretch>
+        </p:blipFill>
+        <p:spPr>
+          <a:xfrm>
+            <a:off x="2162423" y="1995113"/>
+            <a:ext cx="3219450" cy="4600575"/>
+          </a:xfrm>
+          <a:prstGeom prst="rect">
+            <a:avLst/>
+          </a:prstGeom>
+        </p:spPr>
+      </p:pic>
+      <p:pic>
+        <p:nvPicPr>
+          <p:cNvPr id="6" name="圖片 5"/>
+          <p:cNvPicPr>
+            <a:picLocks noChangeAspect="1"/>
+          </p:cNvPicPr>
+          <p:nvPr/>
+        </p:nvPicPr>
+        <p:blipFill>
+          <a:blip r:embed="rId3"/>
+          <a:stretch>
+            <a:fillRect/>
+          </a:stretch>
+        </p:blipFill>
+        <p:spPr>
+          <a:xfrm>
+            <a:off x="6825670" y="1995114"/>
+            <a:ext cx="3219450" cy="4600575"/>
+          </a:xfrm>
+          <a:prstGeom prst="rect">
+            <a:avLst/>
+          </a:prstGeom>
+        </p:spPr>
+      </p:pic>
+      <p:sp>
+        <p:nvSpPr>
+          <p:cNvPr id="7" name="文字方塊 6"/>
+          <p:cNvSpPr txBox="1"/>
+          <p:nvPr/>
+        </p:nvSpPr>
+        <p:spPr>
+          <a:xfrm>
+            <a:off x="5246657" y="1625782"/>
+            <a:ext cx="2315057" cy="369332"/>
+          </a:xfrm>
+          <a:prstGeom prst="rect">
+            <a:avLst/>
+          </a:prstGeom>
+          <a:noFill/>
+        </p:spPr>
+        <p:txBody>
+          <a:bodyPr wrap="none" rtlCol="0">
+            <a:spAutoFit/>
+          </a:bodyPr>
+          <a:lstStyle/>
+          <a:p>
+            <a:r>
+              <a:rPr lang="en-US" altLang="zh-TW" dirty="0" smtClean="0"/>
+              <a:t>Smaller than 2%</a:t>
+            </a:r>
+            <a:r>
+              <a:rPr lang="zh-TW" altLang="en-US" dirty="0" smtClean="0"/>
+              <a:t> </a:t>
+            </a:r>
+            <a:r>
+              <a:rPr lang="en-US" altLang="zh-TW" dirty="0" smtClean="0"/>
+              <a:t>=&gt;</a:t>
+            </a:r>
+            <a:r>
+              <a:rPr lang="zh-TW" altLang="en-US" dirty="0" smtClean="0"/>
+              <a:t> </a:t>
+            </a:r>
+            <a:r>
+              <a:rPr lang="en-US" altLang="zh-TW" dirty="0" smtClean="0"/>
+              <a:t>OK</a:t>
+            </a:r>
+            <a:endParaRPr lang="zh-TW" altLang="en-US" dirty="0"/>
+          </a:p>
+        </p:txBody>
+      </p:sp>
+      <p:sp>
+        <p:nvSpPr>
+          <p:cNvPr id="8" name="文字方塊 7"/>
+          <p:cNvSpPr txBox="1"/>
+          <p:nvPr/>
+        </p:nvSpPr>
+        <p:spPr>
+          <a:xfrm>
+            <a:off x="1653963" y="3926068"/>
+            <a:ext cx="423514" cy="369332"/>
+          </a:xfrm>
+          <a:prstGeom prst="rect">
+            <a:avLst/>
+          </a:prstGeom>
+          <a:noFill/>
+        </p:spPr>
+        <p:txBody>
+          <a:bodyPr wrap="none" rtlCol="0">
+            <a:spAutoFit/>
+          </a:bodyPr>
+          <a:lstStyle/>
+          <a:p>
+            <a:r>
+              <a:rPr lang="en-US" altLang="zh-TW" dirty="0" smtClean="0"/>
+              <a:t>XP</a:t>
+            </a:r>
+            <a:endParaRPr lang="zh-TW" altLang="en-US" dirty="0"/>
+          </a:p>
+        </p:txBody>
+      </p:sp>
+      <p:sp>
+        <p:nvSpPr>
+          <p:cNvPr id="19" name="文字方塊 18"/>
+          <p:cNvSpPr txBox="1"/>
+          <p:nvPr/>
+        </p:nvSpPr>
+        <p:spPr>
+          <a:xfrm>
+            <a:off x="6368200" y="3926068"/>
+            <a:ext cx="453970" cy="369332"/>
+          </a:xfrm>
+          <a:prstGeom prst="rect">
+            <a:avLst/>
+          </a:prstGeom>
+          <a:noFill/>
+        </p:spPr>
+        <p:txBody>
+          <a:bodyPr wrap="none" rtlCol="0">
+            <a:spAutoFit/>
+          </a:bodyPr>
+          <a:lstStyle/>
+          <a:p>
+            <a:r>
+              <a:rPr lang="en-US" altLang="zh-TW" dirty="0" smtClean="0"/>
+              <a:t>XN</a:t>
+            </a:r>
+            <a:endParaRPr lang="zh-TW" altLang="en-US" dirty="0"/>
+          </a:p>
+        </p:txBody>
+      </p:sp>
+    </p:spTree>
+    <p:extLst>
+      <p:ext uri="{BB962C8B-B14F-4D97-AF65-F5344CB8AC3E}">
+        <p14:creationId xmlns:p14="http://schemas.microsoft.com/office/powerpoint/2010/main" val="3006853703"/>
+      </p:ext>
+    </p:extLst>
+  </p:cSld>
+  <p:clrMapOvr>
+    <a:masterClrMapping/>
+  </p:clrMapOvr>
+  <p:timing>
+    <p:tnLst>
+      <p:par>
+        <p:cTn id="1" dur="indefinite" restart="never" nodeType="tmRoot"/>
+      </p:par>
+    </p:tnLst>
+  </p:timing>
+</p:sld>
+</file>
+
+<file path=ppt/slides/slide24.xml><?xml version="1.0" encoding="utf-8"?>
+<p:sld xmlns:a="http://schemas.openxmlformats.org/drawingml/2006/main" xmlns:r="http://schemas.openxmlformats.org/officeDocument/2006/relationships" xmlns:p="http://schemas.openxmlformats.org/presentationml/2006/main">
+  <p:cSld>
+    <p:spTree>
+      <p:nvGrpSpPr>
+        <p:cNvPr id="1" name=""/>
+        <p:cNvGrpSpPr/>
+        <p:nvPr/>
+      </p:nvGrpSpPr>
+      <p:grpSpPr>
+        <a:xfrm>
+          <a:off x="0" y="0"/>
+          <a:ext cx="0" cy="0"/>
+          <a:chOff x="0" y="0"/>
+          <a:chExt cx="0" cy="0"/>
+        </a:xfrm>
+      </p:grpSpPr>
+      <p:sp>
+        <p:nvSpPr>
+          <p:cNvPr id="11" name="矩形 10"/>
+          <p:cNvSpPr/>
+          <p:nvPr/>
+        </p:nvSpPr>
+        <p:spPr>
+          <a:xfrm>
+            <a:off x="-1" y="288000"/>
+            <a:ext cx="12200025" cy="542424"/>
+          </a:xfrm>
+          <a:prstGeom prst="rect">
+            <a:avLst/>
+          </a:prstGeom>
+          <a:solidFill>
+            <a:srgbClr val="98CFCE"/>
+          </a:solidFill>
+          <a:ln>
+            <a:noFill/>
+          </a:ln>
+        </p:spPr>
+        <p:style>
+          <a:lnRef idx="2">
+            <a:schemeClr val="accent1">
+              <a:shade val="50000"/>
+            </a:schemeClr>
+          </a:lnRef>
+          <a:fillRef idx="1">
+            <a:schemeClr val="accent1"/>
+          </a:fillRef>
+          <a:effectRef idx="0">
+            <a:schemeClr val="accent1"/>
+          </a:effectRef>
+          <a:fontRef idx="minor">
+            <a:schemeClr val="lt1"/>
+          </a:fontRef>
+        </p:style>
+        <p:txBody>
+          <a:bodyPr rtlCol="0" anchor="ctr"/>
+          <a:lstStyle/>
+          <a:p>
+            <a:pPr algn="ctr"/>
+            <a:endParaRPr lang="zh-TW" altLang="en-US"/>
+          </a:p>
+        </p:txBody>
+      </p:sp>
+      <p:sp>
+        <p:nvSpPr>
+          <p:cNvPr id="4" name="文字方塊 3"/>
+          <p:cNvSpPr txBox="1"/>
+          <p:nvPr/>
+        </p:nvSpPr>
+        <p:spPr>
+          <a:xfrm>
+            <a:off x="-159" y="232014"/>
+            <a:ext cx="2280753" cy="830997"/>
+          </a:xfrm>
+          <a:prstGeom prst="rect">
+            <a:avLst/>
+          </a:prstGeom>
+          <a:noFill/>
+        </p:spPr>
+        <p:txBody>
+          <a:bodyPr wrap="none" rtlCol="0">
+            <a:spAutoFit/>
+          </a:bodyPr>
+          <a:lstStyle/>
+          <a:p>
+            <a:r>
+              <a:rPr lang="en-US" altLang="zh-TW" sz="4800" dirty="0" smtClean="0">
+                <a:solidFill>
+                  <a:schemeClr val="bg1"/>
+                </a:solidFill>
+                <a:latin typeface="Tekton Pro" panose="020F0603020208020904" pitchFamily="34" charset="0"/>
+              </a:rPr>
+              <a:t>TEASPA</a:t>
+            </a:r>
+            <a:endParaRPr lang="zh-TW" altLang="en-US" sz="4800" dirty="0">
+              <a:solidFill>
+                <a:schemeClr val="bg1"/>
+              </a:solidFill>
+              <a:latin typeface="Tekton Pro" panose="020F0603020208020904" pitchFamily="34" charset="0"/>
+            </a:endParaRPr>
+          </a:p>
+        </p:txBody>
+      </p:sp>
+      <p:sp>
+        <p:nvSpPr>
+          <p:cNvPr id="12" name="矩形 11"/>
+          <p:cNvSpPr/>
+          <p:nvPr/>
+        </p:nvSpPr>
+        <p:spPr>
+          <a:xfrm>
+            <a:off x="0" y="0"/>
+            <a:ext cx="2034000" cy="288000"/>
+          </a:xfrm>
+          <a:prstGeom prst="rect">
+            <a:avLst/>
+          </a:prstGeom>
+          <a:solidFill>
+            <a:srgbClr val="79ADDD"/>
+          </a:solidFill>
+          <a:ln>
+            <a:noFill/>
+          </a:ln>
+        </p:spPr>
+        <p:style>
+          <a:lnRef idx="2">
+            <a:schemeClr val="accent1">
+              <a:shade val="50000"/>
+            </a:schemeClr>
+          </a:lnRef>
+          <a:fillRef idx="1">
+            <a:schemeClr val="accent1"/>
+          </a:fillRef>
+          <a:effectRef idx="0">
+            <a:schemeClr val="accent1"/>
+          </a:effectRef>
+          <a:fontRef idx="minor">
+            <a:schemeClr val="lt1"/>
+          </a:fontRef>
+        </p:style>
+        <p:txBody>
+          <a:bodyPr rtlCol="0" anchor="ctr"/>
+          <a:lstStyle/>
+          <a:p>
+            <a:pPr algn="ctr"/>
+            <a:endParaRPr lang="zh-TW" altLang="en-US"/>
+          </a:p>
+        </p:txBody>
+      </p:sp>
+      <p:sp>
+        <p:nvSpPr>
+          <p:cNvPr id="13" name="矩形 12"/>
+          <p:cNvSpPr/>
+          <p:nvPr/>
+        </p:nvSpPr>
+        <p:spPr>
+          <a:xfrm>
+            <a:off x="2033046" y="0"/>
+            <a:ext cx="2034000" cy="288000"/>
+          </a:xfrm>
+          <a:prstGeom prst="rect">
+            <a:avLst/>
+          </a:prstGeom>
+          <a:solidFill>
+            <a:srgbClr val="9FB8CD"/>
+          </a:solidFill>
+          <a:ln>
+            <a:noFill/>
+          </a:ln>
+        </p:spPr>
+        <p:style>
+          <a:lnRef idx="2">
+            <a:schemeClr val="accent1">
+              <a:shade val="50000"/>
+            </a:schemeClr>
+          </a:lnRef>
+          <a:fillRef idx="1">
+            <a:schemeClr val="accent1"/>
+          </a:fillRef>
+          <a:effectRef idx="0">
+            <a:schemeClr val="accent1"/>
+          </a:effectRef>
+          <a:fontRef idx="minor">
+            <a:schemeClr val="lt1"/>
+          </a:fontRef>
+        </p:style>
+        <p:txBody>
+          <a:bodyPr rtlCol="0" anchor="ctr"/>
+          <a:lstStyle/>
+          <a:p>
+            <a:pPr algn="ctr"/>
+            <a:endParaRPr lang="zh-TW" altLang="en-US"/>
+          </a:p>
+        </p:txBody>
+      </p:sp>
+      <p:sp>
+        <p:nvSpPr>
+          <p:cNvPr id="14" name="矩形 13"/>
+          <p:cNvSpPr/>
+          <p:nvPr/>
+        </p:nvSpPr>
+        <p:spPr>
+          <a:xfrm>
+            <a:off x="4066251" y="0"/>
+            <a:ext cx="2034000" cy="288000"/>
+          </a:xfrm>
+          <a:prstGeom prst="rect">
+            <a:avLst/>
+          </a:prstGeom>
+          <a:solidFill>
+            <a:srgbClr val="98CFCE"/>
+          </a:solidFill>
+          <a:ln>
+            <a:noFill/>
+          </a:ln>
+        </p:spPr>
+        <p:style>
+          <a:lnRef idx="2">
+            <a:schemeClr val="accent1">
+              <a:shade val="50000"/>
+            </a:schemeClr>
+          </a:lnRef>
+          <a:fillRef idx="1">
+            <a:schemeClr val="accent1"/>
+          </a:fillRef>
+          <a:effectRef idx="0">
+            <a:schemeClr val="accent1"/>
+          </a:effectRef>
+          <a:fontRef idx="minor">
+            <a:schemeClr val="lt1"/>
+          </a:fontRef>
+        </p:style>
+        <p:txBody>
+          <a:bodyPr rtlCol="0" anchor="ctr"/>
+          <a:lstStyle/>
+          <a:p>
+            <a:pPr algn="ctr"/>
+            <a:endParaRPr lang="zh-TW" altLang="en-US"/>
+          </a:p>
+        </p:txBody>
+      </p:sp>
+      <p:sp>
+        <p:nvSpPr>
+          <p:cNvPr id="15" name="矩形 14"/>
+          <p:cNvSpPr/>
+          <p:nvPr/>
+        </p:nvSpPr>
+        <p:spPr>
+          <a:xfrm>
+            <a:off x="6099615" y="0"/>
+            <a:ext cx="2034000" cy="288000"/>
+          </a:xfrm>
+          <a:prstGeom prst="rect">
+            <a:avLst/>
+          </a:prstGeom>
+          <a:solidFill>
+            <a:srgbClr val="8AD48C"/>
+          </a:solidFill>
+          <a:ln>
+            <a:noFill/>
+          </a:ln>
+        </p:spPr>
+        <p:style>
+          <a:lnRef idx="2">
+            <a:schemeClr val="accent1">
+              <a:shade val="50000"/>
+            </a:schemeClr>
+          </a:lnRef>
+          <a:fillRef idx="1">
+            <a:schemeClr val="accent1"/>
+          </a:fillRef>
+          <a:effectRef idx="0">
+            <a:schemeClr val="accent1"/>
+          </a:effectRef>
+          <a:fontRef idx="minor">
+            <a:schemeClr val="lt1"/>
+          </a:fontRef>
+        </p:style>
+        <p:txBody>
+          <a:bodyPr rtlCol="0" anchor="ctr"/>
+          <a:lstStyle/>
+          <a:p>
+            <a:pPr algn="ctr"/>
+            <a:endParaRPr lang="zh-TW" altLang="en-US"/>
+          </a:p>
+        </p:txBody>
+      </p:sp>
+      <p:sp>
+        <p:nvSpPr>
+          <p:cNvPr id="16" name="矩形 15"/>
+          <p:cNvSpPr/>
+          <p:nvPr/>
+        </p:nvSpPr>
+        <p:spPr>
+          <a:xfrm>
+            <a:off x="8132820" y="0"/>
+            <a:ext cx="2034000" cy="288000"/>
+          </a:xfrm>
+          <a:prstGeom prst="rect">
+            <a:avLst/>
+          </a:prstGeom>
+          <a:solidFill>
+            <a:srgbClr val="A7D782"/>
+          </a:solidFill>
+          <a:ln>
+            <a:noFill/>
+          </a:ln>
+        </p:spPr>
+        <p:style>
+          <a:lnRef idx="2">
+            <a:schemeClr val="accent1">
+              <a:shade val="50000"/>
+            </a:schemeClr>
+          </a:lnRef>
+          <a:fillRef idx="1">
+            <a:schemeClr val="accent1"/>
+          </a:fillRef>
+          <a:effectRef idx="0">
+            <a:schemeClr val="accent1"/>
+          </a:effectRef>
+          <a:fontRef idx="minor">
+            <a:schemeClr val="lt1"/>
+          </a:fontRef>
+        </p:style>
+        <p:txBody>
+          <a:bodyPr rtlCol="0" anchor="ctr"/>
+          <a:lstStyle/>
+          <a:p>
+            <a:pPr algn="ctr"/>
+            <a:endParaRPr lang="zh-TW" altLang="en-US"/>
+          </a:p>
+        </p:txBody>
+      </p:sp>
+      <p:sp>
+        <p:nvSpPr>
+          <p:cNvPr id="17" name="矩形 16"/>
+          <p:cNvSpPr/>
+          <p:nvPr/>
+        </p:nvSpPr>
+        <p:spPr>
+          <a:xfrm>
+            <a:off x="10166025" y="0"/>
+            <a:ext cx="2034000" cy="288000"/>
+          </a:xfrm>
+          <a:prstGeom prst="rect">
+            <a:avLst/>
+          </a:prstGeom>
+          <a:solidFill>
+            <a:srgbClr val="D2DA7A"/>
+          </a:solidFill>
+          <a:ln>
+            <a:noFill/>
+          </a:ln>
+        </p:spPr>
+        <p:style>
+          <a:lnRef idx="2">
+            <a:schemeClr val="accent1">
+              <a:shade val="50000"/>
+            </a:schemeClr>
+          </a:lnRef>
+          <a:fillRef idx="1">
+            <a:schemeClr val="accent1"/>
+          </a:fillRef>
+          <a:effectRef idx="0">
+            <a:schemeClr val="accent1"/>
+          </a:effectRef>
+          <a:fontRef idx="minor">
+            <a:schemeClr val="lt1"/>
+          </a:fontRef>
+        </p:style>
+        <p:txBody>
+          <a:bodyPr rtlCol="0" anchor="ctr"/>
+          <a:lstStyle/>
+          <a:p>
+            <a:pPr algn="ctr"/>
+            <a:endParaRPr lang="zh-TW" altLang="en-US"/>
+          </a:p>
+        </p:txBody>
+      </p:sp>
+      <p:sp>
+        <p:nvSpPr>
+          <p:cNvPr id="18" name="文字方塊 17"/>
+          <p:cNvSpPr txBox="1"/>
+          <p:nvPr/>
+        </p:nvSpPr>
+        <p:spPr>
+          <a:xfrm>
+            <a:off x="566166" y="660451"/>
+            <a:ext cx="3211457" cy="646331"/>
+          </a:xfrm>
+          <a:prstGeom prst="rect">
+            <a:avLst/>
+          </a:prstGeom>
+          <a:noFill/>
+        </p:spPr>
+        <p:txBody>
+          <a:bodyPr wrap="none" rtlCol="0">
+            <a:spAutoFit/>
+          </a:bodyPr>
+          <a:lstStyle/>
+          <a:p>
+            <a:r>
+              <a:rPr lang="en-US" altLang="zh-TW" sz="3600" dirty="0" smtClean="0">
+                <a:solidFill>
+                  <a:srgbClr val="98CFCE"/>
+                </a:solidFill>
+                <a:latin typeface="Tekton Pro" panose="020F0603020208020904" pitchFamily="34" charset="0"/>
+              </a:rPr>
+              <a:t>IM</a:t>
+            </a:r>
+            <a:r>
+              <a:rPr lang="zh-TW" altLang="en-US" sz="3600" dirty="0" smtClean="0">
+                <a:solidFill>
+                  <a:srgbClr val="98CFCE"/>
+                </a:solidFill>
+                <a:latin typeface="Tekton Pro" panose="020F0603020208020904" pitchFamily="34" charset="0"/>
+              </a:rPr>
+              <a:t> </a:t>
+            </a:r>
+            <a:r>
+              <a:rPr lang="en-US" altLang="zh-TW" sz="3600" dirty="0" smtClean="0">
+                <a:solidFill>
+                  <a:srgbClr val="98CFCE"/>
+                </a:solidFill>
+                <a:latin typeface="Tekton Pro" panose="020F0603020208020904" pitchFamily="34" charset="0"/>
+              </a:rPr>
+              <a:t>Performance</a:t>
+            </a:r>
+            <a:endParaRPr lang="zh-TW" altLang="en-US" sz="3600" dirty="0">
+              <a:solidFill>
+                <a:srgbClr val="98CFCE"/>
+              </a:solidFill>
+              <a:latin typeface="Tekton Pro" panose="020F0603020208020904" pitchFamily="34" charset="0"/>
+            </a:endParaRPr>
+          </a:p>
+        </p:txBody>
+      </p:sp>
+      <p:pic>
+        <p:nvPicPr>
+          <p:cNvPr id="2" name="圖片 1"/>
+          <p:cNvPicPr>
+            <a:picLocks noChangeAspect="1"/>
+          </p:cNvPicPr>
+          <p:nvPr/>
+        </p:nvPicPr>
+        <p:blipFill>
+          <a:blip r:embed="rId2"/>
+          <a:stretch>
+            <a:fillRect/>
+          </a:stretch>
+        </p:blipFill>
+        <p:spPr>
+          <a:xfrm>
+            <a:off x="341733" y="2719464"/>
+            <a:ext cx="5760000" cy="2740870"/>
+          </a:xfrm>
+          <a:prstGeom prst="rect">
+            <a:avLst/>
+          </a:prstGeom>
+        </p:spPr>
+      </p:pic>
+      <p:sp>
+        <p:nvSpPr>
+          <p:cNvPr id="19" name="文字方塊 18"/>
+          <p:cNvSpPr txBox="1"/>
+          <p:nvPr/>
+        </p:nvSpPr>
+        <p:spPr>
+          <a:xfrm>
+            <a:off x="1117086" y="1958650"/>
+            <a:ext cx="2299540" cy="369332"/>
+          </a:xfrm>
+          <a:prstGeom prst="rect">
+            <a:avLst/>
+          </a:prstGeom>
+          <a:noFill/>
+        </p:spPr>
+        <p:txBody>
+          <a:bodyPr wrap="none" rtlCol="0">
+            <a:spAutoFit/>
+          </a:bodyPr>
+          <a:lstStyle/>
+          <a:p>
+            <a:r>
+              <a:rPr lang="en-US" altLang="zh-TW" dirty="0" smtClean="0"/>
+              <a:t>AT: </a:t>
+            </a:r>
+            <a:r>
+              <a:rPr lang="en-US" altLang="zh-TW" dirty="0" smtClean="0"/>
+              <a:t>0.4</a:t>
+            </a:r>
+            <a:r>
+              <a:rPr lang="zh-TW" altLang="en-US" dirty="0" smtClean="0"/>
+              <a:t> * </a:t>
+            </a:r>
+            <a:r>
+              <a:rPr lang="en-US" altLang="zh-TW" dirty="0" smtClean="0"/>
+              <a:t>SDS</a:t>
+            </a:r>
+            <a:r>
+              <a:rPr lang="zh-TW" altLang="en-US" dirty="0" smtClean="0"/>
+              <a:t> * </a:t>
+            </a:r>
+            <a:r>
+              <a:rPr lang="en-US" altLang="zh-TW" dirty="0" smtClean="0"/>
+              <a:t>I=0.548</a:t>
+            </a:r>
+            <a:endParaRPr lang="zh-TW" altLang="en-US" dirty="0"/>
+          </a:p>
+        </p:txBody>
+      </p:sp>
+      <p:pic>
+        <p:nvPicPr>
+          <p:cNvPr id="20" name="圖片 19"/>
+          <p:cNvPicPr>
+            <a:picLocks noChangeAspect="1"/>
+          </p:cNvPicPr>
+          <p:nvPr/>
+        </p:nvPicPr>
+        <p:blipFill>
+          <a:blip r:embed="rId3"/>
+          <a:stretch>
+            <a:fillRect/>
+          </a:stretch>
+        </p:blipFill>
+        <p:spPr>
+          <a:xfrm>
+            <a:off x="6091302" y="2719464"/>
+            <a:ext cx="5760000" cy="2907075"/>
+          </a:xfrm>
+          <a:prstGeom prst="rect">
+            <a:avLst/>
+          </a:prstGeom>
+        </p:spPr>
+      </p:pic>
+      <p:sp>
+        <p:nvSpPr>
+          <p:cNvPr id="21" name="文字方塊 20"/>
+          <p:cNvSpPr txBox="1"/>
+          <p:nvPr/>
+        </p:nvSpPr>
+        <p:spPr>
+          <a:xfrm>
+            <a:off x="2442107" y="5626539"/>
+            <a:ext cx="2632067" cy="369332"/>
+          </a:xfrm>
+          <a:prstGeom prst="rect">
+            <a:avLst/>
+          </a:prstGeom>
+          <a:noFill/>
+        </p:spPr>
+        <p:txBody>
+          <a:bodyPr wrap="none" rtlCol="0">
+            <a:spAutoFit/>
+          </a:bodyPr>
+          <a:lstStyle/>
+          <a:p>
+            <a:r>
+              <a:rPr lang="en-US" altLang="zh-TW" dirty="0" smtClean="0"/>
+              <a:t>XP: </a:t>
+            </a:r>
+            <a:r>
+              <a:rPr lang="en-US" altLang="zh-TW" dirty="0" err="1" smtClean="0"/>
+              <a:t>Ap</a:t>
+            </a:r>
+            <a:r>
+              <a:rPr lang="en-US" altLang="zh-TW" dirty="0" smtClean="0"/>
+              <a:t>=0.2897</a:t>
+            </a:r>
+            <a:r>
+              <a:rPr lang="zh-TW" altLang="en-US" dirty="0" smtClean="0"/>
+              <a:t> </a:t>
+            </a:r>
+            <a:r>
+              <a:rPr lang="en-US" altLang="zh-TW" dirty="0" smtClean="0"/>
+              <a:t>&lt;</a:t>
+            </a:r>
+            <a:r>
+              <a:rPr lang="zh-TW" altLang="en-US" dirty="0" smtClean="0"/>
+              <a:t> </a:t>
+            </a:r>
+            <a:r>
+              <a:rPr lang="en-US" altLang="zh-TW" dirty="0" smtClean="0"/>
+              <a:t>AT</a:t>
+            </a:r>
+            <a:r>
+              <a:rPr lang="zh-TW" altLang="en-US" dirty="0" smtClean="0"/>
+              <a:t> </a:t>
+            </a:r>
+            <a:r>
+              <a:rPr lang="en-US" altLang="zh-TW" dirty="0" smtClean="0"/>
+              <a:t>=&gt;</a:t>
+            </a:r>
+            <a:r>
+              <a:rPr lang="zh-TW" altLang="en-US" dirty="0" smtClean="0"/>
+              <a:t> </a:t>
+            </a:r>
+            <a:r>
+              <a:rPr lang="en-US" altLang="zh-TW" dirty="0" smtClean="0"/>
+              <a:t>NG</a:t>
+            </a:r>
+            <a:endParaRPr lang="zh-TW" altLang="en-US" dirty="0"/>
+          </a:p>
+        </p:txBody>
+      </p:sp>
+      <p:sp>
+        <p:nvSpPr>
+          <p:cNvPr id="22" name="文字方塊 21"/>
+          <p:cNvSpPr txBox="1"/>
+          <p:nvPr/>
+        </p:nvSpPr>
+        <p:spPr>
+          <a:xfrm>
+            <a:off x="8219333" y="5626539"/>
+            <a:ext cx="2662524" cy="369332"/>
+          </a:xfrm>
+          <a:prstGeom prst="rect">
+            <a:avLst/>
+          </a:prstGeom>
+          <a:noFill/>
+        </p:spPr>
+        <p:txBody>
+          <a:bodyPr wrap="none" rtlCol="0">
+            <a:spAutoFit/>
+          </a:bodyPr>
+          <a:lstStyle/>
+          <a:p>
+            <a:r>
+              <a:rPr lang="en-US" altLang="zh-TW" dirty="0" smtClean="0"/>
+              <a:t>XN: </a:t>
+            </a:r>
+            <a:r>
+              <a:rPr lang="en-US" altLang="zh-TW" dirty="0" err="1" smtClean="0"/>
+              <a:t>Ap</a:t>
+            </a:r>
+            <a:r>
+              <a:rPr lang="en-US" altLang="zh-TW" dirty="0" smtClean="0"/>
+              <a:t>=0.2883</a:t>
+            </a:r>
+            <a:r>
+              <a:rPr lang="zh-TW" altLang="en-US" dirty="0" smtClean="0"/>
+              <a:t> </a:t>
+            </a:r>
+            <a:r>
+              <a:rPr lang="en-US" altLang="zh-TW" dirty="0" smtClean="0"/>
+              <a:t>&lt;</a:t>
+            </a:r>
+            <a:r>
+              <a:rPr lang="zh-TW" altLang="en-US" dirty="0" smtClean="0"/>
+              <a:t> </a:t>
+            </a:r>
+            <a:r>
+              <a:rPr lang="en-US" altLang="zh-TW" dirty="0" smtClean="0"/>
+              <a:t>AT</a:t>
+            </a:r>
+            <a:r>
+              <a:rPr lang="zh-TW" altLang="en-US" dirty="0" smtClean="0"/>
+              <a:t> </a:t>
+            </a:r>
+            <a:r>
+              <a:rPr lang="en-US" altLang="zh-TW" dirty="0" smtClean="0"/>
+              <a:t>=&gt;</a:t>
+            </a:r>
+            <a:r>
+              <a:rPr lang="zh-TW" altLang="en-US" dirty="0" smtClean="0"/>
+              <a:t> </a:t>
+            </a:r>
+            <a:r>
+              <a:rPr lang="en-US" altLang="zh-TW" dirty="0" smtClean="0"/>
+              <a:t>NG</a:t>
+            </a:r>
+            <a:endParaRPr lang="zh-TW" altLang="en-US" dirty="0"/>
+          </a:p>
+        </p:txBody>
+      </p:sp>
+    </p:spTree>
+    <p:extLst>
+      <p:ext uri="{BB962C8B-B14F-4D97-AF65-F5344CB8AC3E}">
+        <p14:creationId xmlns:p14="http://schemas.microsoft.com/office/powerpoint/2010/main" val="1099140791"/>
+      </p:ext>
+    </p:extLst>
+  </p:cSld>
+  <p:clrMapOvr>
+    <a:masterClrMapping/>
+  </p:clrMapOvr>
+  <p:timing>
+    <p:tnLst>
+      <p:par>
+        <p:cTn id="1" dur="indefinite" restart="never" nodeType="tmRoot"/>
+      </p:par>
+    </p:tnLst>
+  </p:timing>
+</p:sld>
+</file>
+
+<file path=ppt/slides/slide25.xml><?xml version="1.0" encoding="utf-8"?>
 <p:sld xmlns:a="http://schemas.openxmlformats.org/drawingml/2006/main" xmlns:r="http://schemas.openxmlformats.org/officeDocument/2006/relationships" xmlns:p="http://schemas.openxmlformats.org/presentationml/2006/main">
   <p:cSld>
     <p:spTree>
@@ -13633,7 +16660,7 @@
 </p:sld>
 </file>
 
-<file path=ppt/slides/slide23.xml><?xml version="1.0" encoding="utf-8"?>
+<file path=ppt/slides/slide26.xml><?xml version="1.0" encoding="utf-8"?>
 <p:sld xmlns:a="http://schemas.openxmlformats.org/drawingml/2006/main" xmlns:r="http://schemas.openxmlformats.org/officeDocument/2006/relationships" xmlns:p="http://schemas.openxmlformats.org/presentationml/2006/main">
   <p:cSld>
     <p:spTree>
@@ -14220,7 +17247,7 @@
 </p:sld>
 </file>
 
-<file path=ppt/slides/slide24.xml><?xml version="1.0" encoding="utf-8"?>
+<file path=ppt/slides/slide27.xml><?xml version="1.0" encoding="utf-8"?>
 <p:sld xmlns:a="http://schemas.openxmlformats.org/drawingml/2006/main" xmlns:r="http://schemas.openxmlformats.org/officeDocument/2006/relationships" xmlns:p="http://schemas.openxmlformats.org/presentationml/2006/main">
   <p:cSld>
     <p:spTree>
@@ -15923,7 +18950,7 @@
 </p:sld>
 </file>
 
-<file path=ppt/slides/slide25.xml><?xml version="1.0" encoding="utf-8"?>
+<file path=ppt/slides/slide28.xml><?xml version="1.0" encoding="utf-8"?>
 <p:sld xmlns:a="http://schemas.openxmlformats.org/drawingml/2006/main" xmlns:r="http://schemas.openxmlformats.org/officeDocument/2006/relationships" xmlns:p="http://schemas.openxmlformats.org/presentationml/2006/main">
   <p:cSld>
     <p:spTree>
@@ -16481,7 +19508,7 @@
 </p:sld>
 </file>
 
-<file path=ppt/slides/slide26.xml><?xml version="1.0" encoding="utf-8"?>
+<file path=ppt/slides/slide29.xml><?xml version="1.0" encoding="utf-8"?>
 <p:sld xmlns:a="http://schemas.openxmlformats.org/drawingml/2006/main" xmlns:r="http://schemas.openxmlformats.org/officeDocument/2006/relationships" xmlns:p="http://schemas.openxmlformats.org/presentationml/2006/main">
   <p:cSld>
     <p:spTree>
@@ -17103,7 +20130,811 @@
 </p:sld>
 </file>
 
-<file path=ppt/slides/slide27.xml><?xml version="1.0" encoding="utf-8"?>
+<file path=ppt/slides/slide3.xml><?xml version="1.0" encoding="utf-8"?>
+<p:sld xmlns:a="http://schemas.openxmlformats.org/drawingml/2006/main" xmlns:r="http://schemas.openxmlformats.org/officeDocument/2006/relationships" xmlns:p="http://schemas.openxmlformats.org/presentationml/2006/main">
+  <p:cSld>
+    <p:spTree>
+      <p:nvGrpSpPr>
+        <p:cNvPr id="1" name=""/>
+        <p:cNvGrpSpPr/>
+        <p:nvPr/>
+      </p:nvGrpSpPr>
+      <p:grpSpPr>
+        <a:xfrm>
+          <a:off x="0" y="0"/>
+          <a:ext cx="0" cy="0"/>
+          <a:chOff x="0" y="0"/>
+          <a:chExt cx="0" cy="0"/>
+        </a:xfrm>
+      </p:grpSpPr>
+      <p:sp>
+        <p:nvSpPr>
+          <p:cNvPr id="5" name="矩形 4"/>
+          <p:cNvSpPr/>
+          <p:nvPr/>
+        </p:nvSpPr>
+        <p:spPr>
+          <a:xfrm>
+            <a:off x="0" y="0"/>
+            <a:ext cx="2034000" cy="540000"/>
+          </a:xfrm>
+          <a:prstGeom prst="rect">
+            <a:avLst/>
+          </a:prstGeom>
+          <a:solidFill>
+            <a:srgbClr val="79ADDD"/>
+          </a:solidFill>
+          <a:ln>
+            <a:noFill/>
+          </a:ln>
+        </p:spPr>
+        <p:style>
+          <a:lnRef idx="2">
+            <a:schemeClr val="accent1">
+              <a:shade val="50000"/>
+            </a:schemeClr>
+          </a:lnRef>
+          <a:fillRef idx="1">
+            <a:schemeClr val="accent1"/>
+          </a:fillRef>
+          <a:effectRef idx="0">
+            <a:schemeClr val="accent1"/>
+          </a:effectRef>
+          <a:fontRef idx="minor">
+            <a:schemeClr val="lt1"/>
+          </a:fontRef>
+        </p:style>
+        <p:txBody>
+          <a:bodyPr rtlCol="0" anchor="ctr"/>
+          <a:lstStyle/>
+          <a:p>
+            <a:pPr algn="ctr"/>
+            <a:endParaRPr lang="zh-TW" altLang="en-US"/>
+          </a:p>
+        </p:txBody>
+      </p:sp>
+      <p:sp>
+        <p:nvSpPr>
+          <p:cNvPr id="6" name="矩形 5"/>
+          <p:cNvSpPr/>
+          <p:nvPr/>
+        </p:nvSpPr>
+        <p:spPr>
+          <a:xfrm>
+            <a:off x="2033046" y="0"/>
+            <a:ext cx="2034000" cy="1080000"/>
+          </a:xfrm>
+          <a:prstGeom prst="rect">
+            <a:avLst/>
+          </a:prstGeom>
+          <a:solidFill>
+            <a:srgbClr val="9FB8CD"/>
+          </a:solidFill>
+          <a:ln>
+            <a:noFill/>
+          </a:ln>
+        </p:spPr>
+        <p:style>
+          <a:lnRef idx="2">
+            <a:schemeClr val="accent1">
+              <a:shade val="50000"/>
+            </a:schemeClr>
+          </a:lnRef>
+          <a:fillRef idx="1">
+            <a:schemeClr val="accent1"/>
+          </a:fillRef>
+          <a:effectRef idx="0">
+            <a:schemeClr val="accent1"/>
+          </a:effectRef>
+          <a:fontRef idx="minor">
+            <a:schemeClr val="lt1"/>
+          </a:fontRef>
+        </p:style>
+        <p:txBody>
+          <a:bodyPr rtlCol="0" anchor="ctr"/>
+          <a:lstStyle/>
+          <a:p>
+            <a:pPr algn="ctr"/>
+            <a:endParaRPr lang="zh-TW" altLang="en-US"/>
+          </a:p>
+        </p:txBody>
+      </p:sp>
+      <p:sp>
+        <p:nvSpPr>
+          <p:cNvPr id="7" name="矩形 6"/>
+          <p:cNvSpPr/>
+          <p:nvPr/>
+        </p:nvSpPr>
+        <p:spPr>
+          <a:xfrm>
+            <a:off x="4065218" y="0"/>
+            <a:ext cx="2034000" cy="1620000"/>
+          </a:xfrm>
+          <a:prstGeom prst="rect">
+            <a:avLst/>
+          </a:prstGeom>
+          <a:solidFill>
+            <a:srgbClr val="98CFCE"/>
+          </a:solidFill>
+          <a:ln>
+            <a:noFill/>
+          </a:ln>
+        </p:spPr>
+        <p:style>
+          <a:lnRef idx="2">
+            <a:schemeClr val="accent1">
+              <a:shade val="50000"/>
+            </a:schemeClr>
+          </a:lnRef>
+          <a:fillRef idx="1">
+            <a:schemeClr val="accent1"/>
+          </a:fillRef>
+          <a:effectRef idx="0">
+            <a:schemeClr val="accent1"/>
+          </a:effectRef>
+          <a:fontRef idx="minor">
+            <a:schemeClr val="lt1"/>
+          </a:fontRef>
+        </p:style>
+        <p:txBody>
+          <a:bodyPr rtlCol="0" anchor="ctr"/>
+          <a:lstStyle/>
+          <a:p>
+            <a:pPr algn="ctr"/>
+            <a:endParaRPr lang="zh-TW" altLang="en-US"/>
+          </a:p>
+        </p:txBody>
+      </p:sp>
+      <p:sp>
+        <p:nvSpPr>
+          <p:cNvPr id="8" name="矩形 7"/>
+          <p:cNvSpPr/>
+          <p:nvPr/>
+        </p:nvSpPr>
+        <p:spPr>
+          <a:xfrm>
+            <a:off x="6099615" y="0"/>
+            <a:ext cx="2034000" cy="2160000"/>
+          </a:xfrm>
+          <a:prstGeom prst="rect">
+            <a:avLst/>
+          </a:prstGeom>
+          <a:solidFill>
+            <a:srgbClr val="8AD48C"/>
+          </a:solidFill>
+          <a:ln>
+            <a:noFill/>
+          </a:ln>
+        </p:spPr>
+        <p:style>
+          <a:lnRef idx="2">
+            <a:schemeClr val="accent1">
+              <a:shade val="50000"/>
+            </a:schemeClr>
+          </a:lnRef>
+          <a:fillRef idx="1">
+            <a:schemeClr val="accent1"/>
+          </a:fillRef>
+          <a:effectRef idx="0">
+            <a:schemeClr val="accent1"/>
+          </a:effectRef>
+          <a:fontRef idx="minor">
+            <a:schemeClr val="lt1"/>
+          </a:fontRef>
+        </p:style>
+        <p:txBody>
+          <a:bodyPr rtlCol="0" anchor="ctr"/>
+          <a:lstStyle/>
+          <a:p>
+            <a:pPr algn="ctr"/>
+            <a:endParaRPr lang="zh-TW" altLang="en-US"/>
+          </a:p>
+        </p:txBody>
+      </p:sp>
+      <p:sp>
+        <p:nvSpPr>
+          <p:cNvPr id="9" name="矩形 8"/>
+          <p:cNvSpPr/>
+          <p:nvPr/>
+        </p:nvSpPr>
+        <p:spPr>
+          <a:xfrm>
+            <a:off x="8132820" y="0"/>
+            <a:ext cx="2034000" cy="2700000"/>
+          </a:xfrm>
+          <a:prstGeom prst="rect">
+            <a:avLst/>
+          </a:prstGeom>
+          <a:solidFill>
+            <a:srgbClr val="A7D782"/>
+          </a:solidFill>
+          <a:ln>
+            <a:noFill/>
+          </a:ln>
+        </p:spPr>
+        <p:style>
+          <a:lnRef idx="2">
+            <a:schemeClr val="accent1">
+              <a:shade val="50000"/>
+            </a:schemeClr>
+          </a:lnRef>
+          <a:fillRef idx="1">
+            <a:schemeClr val="accent1"/>
+          </a:fillRef>
+          <a:effectRef idx="0">
+            <a:schemeClr val="accent1"/>
+          </a:effectRef>
+          <a:fontRef idx="minor">
+            <a:schemeClr val="lt1"/>
+          </a:fontRef>
+        </p:style>
+        <p:txBody>
+          <a:bodyPr rtlCol="0" anchor="ctr"/>
+          <a:lstStyle/>
+          <a:p>
+            <a:pPr algn="ctr"/>
+            <a:endParaRPr lang="zh-TW" altLang="en-US"/>
+          </a:p>
+        </p:txBody>
+      </p:sp>
+      <p:sp>
+        <p:nvSpPr>
+          <p:cNvPr id="10" name="矩形 9"/>
+          <p:cNvSpPr/>
+          <p:nvPr/>
+        </p:nvSpPr>
+        <p:spPr>
+          <a:xfrm>
+            <a:off x="10166025" y="0"/>
+            <a:ext cx="2034000" cy="3240000"/>
+          </a:xfrm>
+          <a:prstGeom prst="rect">
+            <a:avLst/>
+          </a:prstGeom>
+          <a:solidFill>
+            <a:srgbClr val="D2DA7A"/>
+          </a:solidFill>
+          <a:ln>
+            <a:noFill/>
+          </a:ln>
+        </p:spPr>
+        <p:style>
+          <a:lnRef idx="2">
+            <a:schemeClr val="accent1">
+              <a:shade val="50000"/>
+            </a:schemeClr>
+          </a:lnRef>
+          <a:fillRef idx="1">
+            <a:schemeClr val="accent1"/>
+          </a:fillRef>
+          <a:effectRef idx="0">
+            <a:schemeClr val="accent1"/>
+          </a:effectRef>
+          <a:fontRef idx="minor">
+            <a:schemeClr val="lt1"/>
+          </a:fontRef>
+        </p:style>
+        <p:txBody>
+          <a:bodyPr rtlCol="0" anchor="ctr"/>
+          <a:lstStyle/>
+          <a:p>
+            <a:pPr algn="ctr"/>
+            <a:endParaRPr lang="zh-TW" altLang="en-US"/>
+          </a:p>
+        </p:txBody>
+      </p:sp>
+      <p:sp>
+        <p:nvSpPr>
+          <p:cNvPr id="4" name="文字方塊 3"/>
+          <p:cNvSpPr txBox="1"/>
+          <p:nvPr/>
+        </p:nvSpPr>
+        <p:spPr>
+          <a:xfrm>
+            <a:off x="-1" y="1134815"/>
+            <a:ext cx="2032013" cy="523220"/>
+          </a:xfrm>
+          <a:prstGeom prst="rect">
+            <a:avLst/>
+          </a:prstGeom>
+          <a:noFill/>
+        </p:spPr>
+        <p:txBody>
+          <a:bodyPr wrap="square" rtlCol="0">
+            <a:spAutoFit/>
+          </a:bodyPr>
+          <a:lstStyle/>
+          <a:p>
+            <a:pPr algn="ctr"/>
+            <a:r>
+              <a:rPr lang="en-US" altLang="zh-TW" sz="2800" dirty="0">
+                <a:latin typeface="Tekton Pro" panose="020F0603020208020904" pitchFamily="34" charset="0"/>
+              </a:rPr>
+              <a:t>I</a:t>
+            </a:r>
+            <a:r>
+              <a:rPr lang="en-US" altLang="zh-TW" sz="2800" dirty="0" smtClean="0">
+                <a:latin typeface="Tekton Pro" panose="020F0603020208020904" pitchFamily="34" charset="0"/>
+              </a:rPr>
+              <a:t>ntroduction</a:t>
+            </a:r>
+            <a:endParaRPr lang="zh-TW" altLang="en-US" sz="2800" dirty="0">
+              <a:latin typeface="Tekton Pro" panose="020F0603020208020904" pitchFamily="34" charset="0"/>
+            </a:endParaRPr>
+          </a:p>
+        </p:txBody>
+      </p:sp>
+      <p:sp>
+        <p:nvSpPr>
+          <p:cNvPr id="18" name="文字方塊 17"/>
+          <p:cNvSpPr txBox="1"/>
+          <p:nvPr/>
+        </p:nvSpPr>
+        <p:spPr>
+          <a:xfrm>
+            <a:off x="2446982" y="1636796"/>
+            <a:ext cx="1074461" cy="523220"/>
+          </a:xfrm>
+          <a:prstGeom prst="rect">
+            <a:avLst/>
+          </a:prstGeom>
+          <a:noFill/>
+        </p:spPr>
+        <p:txBody>
+          <a:bodyPr wrap="none" rtlCol="0">
+            <a:spAutoFit/>
+          </a:bodyPr>
+          <a:lstStyle/>
+          <a:p>
+            <a:r>
+              <a:rPr lang="en-US" altLang="zh-TW" sz="2800" dirty="0" smtClean="0">
+                <a:latin typeface="Tekton Pro" panose="020F0603020208020904" pitchFamily="34" charset="0"/>
+              </a:rPr>
+              <a:t>Etabs</a:t>
+            </a:r>
+            <a:endParaRPr lang="zh-TW" altLang="en-US" sz="2800" dirty="0">
+              <a:latin typeface="Tekton Pro" panose="020F0603020208020904" pitchFamily="34" charset="0"/>
+            </a:endParaRPr>
+          </a:p>
+        </p:txBody>
+      </p:sp>
+      <p:sp>
+        <p:nvSpPr>
+          <p:cNvPr id="20" name="矩形 19"/>
+          <p:cNvSpPr/>
+          <p:nvPr/>
+        </p:nvSpPr>
+        <p:spPr>
+          <a:xfrm>
+            <a:off x="-955" y="2160000"/>
+            <a:ext cx="2041907" cy="4698000"/>
+          </a:xfrm>
+          <a:prstGeom prst="rect">
+            <a:avLst/>
+          </a:prstGeom>
+          <a:solidFill>
+            <a:srgbClr val="79ADDD"/>
+          </a:solidFill>
+          <a:ln>
+            <a:noFill/>
+          </a:ln>
+        </p:spPr>
+        <p:style>
+          <a:lnRef idx="2">
+            <a:schemeClr val="accent1">
+              <a:shade val="50000"/>
+            </a:schemeClr>
+          </a:lnRef>
+          <a:fillRef idx="1">
+            <a:schemeClr val="accent1"/>
+          </a:fillRef>
+          <a:effectRef idx="0">
+            <a:schemeClr val="accent1"/>
+          </a:effectRef>
+          <a:fontRef idx="minor">
+            <a:schemeClr val="lt1"/>
+          </a:fontRef>
+        </p:style>
+        <p:txBody>
+          <a:bodyPr rtlCol="0" anchor="ctr"/>
+          <a:lstStyle/>
+          <a:p>
+            <a:pPr algn="ctr"/>
+            <a:endParaRPr lang="zh-TW" altLang="en-US"/>
+          </a:p>
+        </p:txBody>
+      </p:sp>
+      <p:sp>
+        <p:nvSpPr>
+          <p:cNvPr id="21" name="矩形 20"/>
+          <p:cNvSpPr/>
+          <p:nvPr/>
+        </p:nvSpPr>
+        <p:spPr>
+          <a:xfrm>
+            <a:off x="2042383" y="2700000"/>
+            <a:ext cx="2034000" cy="4158000"/>
+          </a:xfrm>
+          <a:prstGeom prst="rect">
+            <a:avLst/>
+          </a:prstGeom>
+          <a:solidFill>
+            <a:srgbClr val="9FB8CD"/>
+          </a:solidFill>
+          <a:ln>
+            <a:noFill/>
+          </a:ln>
+        </p:spPr>
+        <p:style>
+          <a:lnRef idx="2">
+            <a:schemeClr val="accent1">
+              <a:shade val="50000"/>
+            </a:schemeClr>
+          </a:lnRef>
+          <a:fillRef idx="1">
+            <a:schemeClr val="accent1"/>
+          </a:fillRef>
+          <a:effectRef idx="0">
+            <a:schemeClr val="accent1"/>
+          </a:effectRef>
+          <a:fontRef idx="minor">
+            <a:schemeClr val="lt1"/>
+          </a:fontRef>
+        </p:style>
+        <p:txBody>
+          <a:bodyPr rtlCol="0" anchor="ctr"/>
+          <a:lstStyle/>
+          <a:p>
+            <a:pPr algn="ctr"/>
+            <a:endParaRPr lang="zh-TW" altLang="en-US"/>
+          </a:p>
+        </p:txBody>
+      </p:sp>
+      <p:sp>
+        <p:nvSpPr>
+          <p:cNvPr id="22" name="矩形 21"/>
+          <p:cNvSpPr/>
+          <p:nvPr/>
+        </p:nvSpPr>
+        <p:spPr>
+          <a:xfrm>
+            <a:off x="4074555" y="3240000"/>
+            <a:ext cx="2034000" cy="3618000"/>
+          </a:xfrm>
+          <a:prstGeom prst="rect">
+            <a:avLst/>
+          </a:prstGeom>
+          <a:solidFill>
+            <a:srgbClr val="98CFCE"/>
+          </a:solidFill>
+          <a:ln>
+            <a:noFill/>
+          </a:ln>
+        </p:spPr>
+        <p:style>
+          <a:lnRef idx="2">
+            <a:schemeClr val="accent1">
+              <a:shade val="50000"/>
+            </a:schemeClr>
+          </a:lnRef>
+          <a:fillRef idx="1">
+            <a:schemeClr val="accent1"/>
+          </a:fillRef>
+          <a:effectRef idx="0">
+            <a:schemeClr val="accent1"/>
+          </a:effectRef>
+          <a:fontRef idx="minor">
+            <a:schemeClr val="lt1"/>
+          </a:fontRef>
+        </p:style>
+        <p:txBody>
+          <a:bodyPr rtlCol="0" anchor="ctr"/>
+          <a:lstStyle/>
+          <a:p>
+            <a:pPr algn="ctr"/>
+            <a:endParaRPr lang="zh-TW" altLang="en-US"/>
+          </a:p>
+        </p:txBody>
+      </p:sp>
+      <p:sp>
+        <p:nvSpPr>
+          <p:cNvPr id="23" name="矩形 22"/>
+          <p:cNvSpPr/>
+          <p:nvPr/>
+        </p:nvSpPr>
+        <p:spPr>
+          <a:xfrm>
+            <a:off x="6108952" y="3780000"/>
+            <a:ext cx="2034000" cy="3078000"/>
+          </a:xfrm>
+          <a:prstGeom prst="rect">
+            <a:avLst/>
+          </a:prstGeom>
+          <a:solidFill>
+            <a:srgbClr val="8AD48C"/>
+          </a:solidFill>
+          <a:ln>
+            <a:noFill/>
+          </a:ln>
+        </p:spPr>
+        <p:style>
+          <a:lnRef idx="2">
+            <a:schemeClr val="accent1">
+              <a:shade val="50000"/>
+            </a:schemeClr>
+          </a:lnRef>
+          <a:fillRef idx="1">
+            <a:schemeClr val="accent1"/>
+          </a:fillRef>
+          <a:effectRef idx="0">
+            <a:schemeClr val="accent1"/>
+          </a:effectRef>
+          <a:fontRef idx="minor">
+            <a:schemeClr val="lt1"/>
+          </a:fontRef>
+        </p:style>
+        <p:txBody>
+          <a:bodyPr rtlCol="0" anchor="ctr"/>
+          <a:lstStyle/>
+          <a:p>
+            <a:pPr algn="ctr"/>
+            <a:endParaRPr lang="zh-TW" altLang="en-US"/>
+          </a:p>
+        </p:txBody>
+      </p:sp>
+      <p:sp>
+        <p:nvSpPr>
+          <p:cNvPr id="24" name="矩形 23"/>
+          <p:cNvSpPr/>
+          <p:nvPr/>
+        </p:nvSpPr>
+        <p:spPr>
+          <a:xfrm>
+            <a:off x="8142157" y="4320000"/>
+            <a:ext cx="2034000" cy="2538000"/>
+          </a:xfrm>
+          <a:prstGeom prst="rect">
+            <a:avLst/>
+          </a:prstGeom>
+          <a:solidFill>
+            <a:srgbClr val="A7D782"/>
+          </a:solidFill>
+          <a:ln>
+            <a:noFill/>
+          </a:ln>
+        </p:spPr>
+        <p:style>
+          <a:lnRef idx="2">
+            <a:schemeClr val="accent1">
+              <a:shade val="50000"/>
+            </a:schemeClr>
+          </a:lnRef>
+          <a:fillRef idx="1">
+            <a:schemeClr val="accent1"/>
+          </a:fillRef>
+          <a:effectRef idx="0">
+            <a:schemeClr val="accent1"/>
+          </a:effectRef>
+          <a:fontRef idx="minor">
+            <a:schemeClr val="lt1"/>
+          </a:fontRef>
+        </p:style>
+        <p:txBody>
+          <a:bodyPr rtlCol="0" anchor="ctr"/>
+          <a:lstStyle/>
+          <a:p>
+            <a:pPr algn="ctr"/>
+            <a:endParaRPr lang="zh-TW" altLang="en-US"/>
+          </a:p>
+        </p:txBody>
+      </p:sp>
+      <p:sp>
+        <p:nvSpPr>
+          <p:cNvPr id="25" name="矩形 24"/>
+          <p:cNvSpPr/>
+          <p:nvPr/>
+        </p:nvSpPr>
+        <p:spPr>
+          <a:xfrm>
+            <a:off x="10175362" y="4860000"/>
+            <a:ext cx="2034000" cy="1998000"/>
+          </a:xfrm>
+          <a:prstGeom prst="rect">
+            <a:avLst/>
+          </a:prstGeom>
+          <a:solidFill>
+            <a:srgbClr val="D2DA7A"/>
+          </a:solidFill>
+          <a:ln>
+            <a:noFill/>
+          </a:ln>
+        </p:spPr>
+        <p:style>
+          <a:lnRef idx="2">
+            <a:schemeClr val="accent1">
+              <a:shade val="50000"/>
+            </a:schemeClr>
+          </a:lnRef>
+          <a:fillRef idx="1">
+            <a:schemeClr val="accent1"/>
+          </a:fillRef>
+          <a:effectRef idx="0">
+            <a:schemeClr val="accent1"/>
+          </a:effectRef>
+          <a:fontRef idx="minor">
+            <a:schemeClr val="lt1"/>
+          </a:fontRef>
+        </p:style>
+        <p:txBody>
+          <a:bodyPr rtlCol="0" anchor="ctr"/>
+          <a:lstStyle/>
+          <a:p>
+            <a:pPr algn="ctr"/>
+            <a:endParaRPr lang="zh-TW" altLang="en-US"/>
+          </a:p>
+        </p:txBody>
+      </p:sp>
+      <p:sp>
+        <p:nvSpPr>
+          <p:cNvPr id="26" name="文字方塊 25"/>
+          <p:cNvSpPr txBox="1"/>
+          <p:nvPr/>
+        </p:nvSpPr>
+        <p:spPr>
+          <a:xfrm>
+            <a:off x="4065218" y="2159984"/>
+            <a:ext cx="2034000" cy="523220"/>
+          </a:xfrm>
+          <a:prstGeom prst="rect">
+            <a:avLst/>
+          </a:prstGeom>
+          <a:noFill/>
+        </p:spPr>
+        <p:txBody>
+          <a:bodyPr wrap="square" rtlCol="0">
+            <a:spAutoFit/>
+          </a:bodyPr>
+          <a:lstStyle/>
+          <a:p>
+            <a:pPr algn="ctr"/>
+            <a:r>
+              <a:rPr lang="en-US" altLang="zh-TW" sz="2800" dirty="0" smtClean="0">
+                <a:latin typeface="Tekton Pro" panose="020F0603020208020904" pitchFamily="34" charset="0"/>
+              </a:rPr>
+              <a:t>TEASPA</a:t>
+            </a:r>
+            <a:endParaRPr lang="zh-TW" altLang="en-US" sz="2800" dirty="0">
+              <a:latin typeface="Tekton Pro" panose="020F0603020208020904" pitchFamily="34" charset="0"/>
+            </a:endParaRPr>
+          </a:p>
+        </p:txBody>
+      </p:sp>
+      <p:sp>
+        <p:nvSpPr>
+          <p:cNvPr id="27" name="文字方塊 26"/>
+          <p:cNvSpPr txBox="1"/>
+          <p:nvPr/>
+        </p:nvSpPr>
+        <p:spPr>
+          <a:xfrm>
+            <a:off x="6108952" y="2708390"/>
+            <a:ext cx="2034000" cy="523220"/>
+          </a:xfrm>
+          <a:prstGeom prst="rect">
+            <a:avLst/>
+          </a:prstGeom>
+          <a:noFill/>
+        </p:spPr>
+        <p:txBody>
+          <a:bodyPr wrap="square" rtlCol="0">
+            <a:spAutoFit/>
+          </a:bodyPr>
+          <a:lstStyle/>
+          <a:p>
+            <a:pPr algn="ctr"/>
+            <a:r>
+              <a:rPr lang="en-US" altLang="zh-TW" sz="2800" dirty="0" smtClean="0">
+                <a:latin typeface="Tekton Pro" panose="020F0603020208020904" pitchFamily="34" charset="0"/>
+              </a:rPr>
+              <a:t>Xtract</a:t>
+            </a:r>
+            <a:endParaRPr lang="zh-TW" altLang="en-US" sz="2800" dirty="0">
+              <a:latin typeface="Tekton Pro" panose="020F0603020208020904" pitchFamily="34" charset="0"/>
+            </a:endParaRPr>
+          </a:p>
+        </p:txBody>
+      </p:sp>
+      <p:sp>
+        <p:nvSpPr>
+          <p:cNvPr id="28" name="文字方塊 27"/>
+          <p:cNvSpPr txBox="1"/>
+          <p:nvPr/>
+        </p:nvSpPr>
+        <p:spPr>
+          <a:xfrm>
+            <a:off x="8142157" y="3240000"/>
+            <a:ext cx="2034000" cy="523220"/>
+          </a:xfrm>
+          <a:prstGeom prst="rect">
+            <a:avLst/>
+          </a:prstGeom>
+          <a:noFill/>
+        </p:spPr>
+        <p:txBody>
+          <a:bodyPr wrap="square" rtlCol="0">
+            <a:spAutoFit/>
+          </a:bodyPr>
+          <a:lstStyle/>
+          <a:p>
+            <a:pPr algn="ctr"/>
+            <a:r>
+              <a:rPr lang="en-US" altLang="zh-TW" sz="2800" dirty="0" smtClean="0">
+                <a:latin typeface="Tekton Pro" panose="020F0603020208020904" pitchFamily="34" charset="0"/>
+              </a:rPr>
+              <a:t>Upper bound</a:t>
+            </a:r>
+            <a:endParaRPr lang="zh-TW" altLang="en-US" sz="2800" dirty="0">
+              <a:latin typeface="Tekton Pro" panose="020F0603020208020904" pitchFamily="34" charset="0"/>
+            </a:endParaRPr>
+          </a:p>
+        </p:txBody>
+      </p:sp>
+      <p:sp>
+        <p:nvSpPr>
+          <p:cNvPr id="29" name="文字方塊 28"/>
+          <p:cNvSpPr txBox="1"/>
+          <p:nvPr/>
+        </p:nvSpPr>
+        <p:spPr>
+          <a:xfrm>
+            <a:off x="10175362" y="3780000"/>
+            <a:ext cx="2034000" cy="523220"/>
+          </a:xfrm>
+          <a:prstGeom prst="rect">
+            <a:avLst/>
+          </a:prstGeom>
+          <a:noFill/>
+        </p:spPr>
+        <p:txBody>
+          <a:bodyPr wrap="square" rtlCol="0">
+            <a:spAutoFit/>
+          </a:bodyPr>
+          <a:lstStyle/>
+          <a:p>
+            <a:pPr algn="ctr"/>
+            <a:r>
+              <a:rPr lang="en-US" altLang="zh-TW" sz="2800" dirty="0" smtClean="0">
+                <a:latin typeface="Tekton Pro" panose="020F0603020208020904" pitchFamily="34" charset="0"/>
+              </a:rPr>
+              <a:t>Summary</a:t>
+            </a:r>
+            <a:endParaRPr lang="zh-TW" altLang="en-US" sz="2800" dirty="0">
+              <a:latin typeface="Tekton Pro" panose="020F0603020208020904" pitchFamily="34" charset="0"/>
+            </a:endParaRPr>
+          </a:p>
+        </p:txBody>
+      </p:sp>
+    </p:spTree>
+    <p:extLst>
+      <p:ext uri="{BB962C8B-B14F-4D97-AF65-F5344CB8AC3E}">
+        <p14:creationId xmlns:p14="http://schemas.microsoft.com/office/powerpoint/2010/main" val="2534147135"/>
+      </p:ext>
+    </p:extLst>
+  </p:cSld>
+  <p:clrMapOvr>
+    <a:masterClrMapping/>
+  </p:clrMapOvr>
+  <p:timing>
+    <p:tnLst>
+      <p:par>
+        <p:cTn id="1" dur="indefinite" restart="never" nodeType="tmRoot"/>
+      </p:par>
+    </p:tnLst>
+  </p:timing>
+</p:sld>
+</file>
+
+<file path=ppt/slides/slide30.xml><?xml version="1.0" encoding="utf-8"?>
 <p:sld xmlns:a="http://schemas.openxmlformats.org/drawingml/2006/main" xmlns:r="http://schemas.openxmlformats.org/officeDocument/2006/relationships" xmlns:p="http://schemas.openxmlformats.org/presentationml/2006/main">
   <p:cSld>
     <p:spTree>
@@ -19531,7 +23362,7 @@
 </p:sld>
 </file>
 
-<file path=ppt/slides/slide28.xml><?xml version="1.0" encoding="utf-8"?>
+<file path=ppt/slides/slide31.xml><?xml version="1.0" encoding="utf-8"?>
 <p:sld xmlns:a="http://schemas.openxmlformats.org/drawingml/2006/main" xmlns:r="http://schemas.openxmlformats.org/officeDocument/2006/relationships" xmlns:p="http://schemas.openxmlformats.org/presentationml/2006/main">
   <p:cSld>
     <p:spTree>
@@ -20676,14 +24507,14 @@
                         <a:rPr lang="en-US" altLang="zh-TW" sz="2000" b="0" i="1" smtClean="0">
                           <a:latin typeface="Cambria Math" panose="02040503050406030204" pitchFamily="18" charset="0"/>
                         </a:rPr>
-                        <m:t>=1.519×134560.02=2</m:t>
+                        <m:t>=1.519×134560.02=20439</m:t>
                       </m:r>
                       <m:r>
                         <a:rPr lang="en-US" altLang="zh-TW" sz="2000" b="0" i="1" smtClean="0">
                           <a:latin typeface="Cambria Math" panose="02040503050406030204" pitchFamily="18" charset="0"/>
                           <a:ea typeface="Cambria Math" panose="02040503050406030204" pitchFamily="18" charset="0"/>
                         </a:rPr>
-                        <m:t>04396.7 </m:t>
+                        <m:t>6.7 </m:t>
                       </m:r>
                       <m:r>
                         <a:rPr lang="en-US" altLang="zh-TW" sz="2000" b="0" i="1" smtClean="0">
@@ -20924,7 +24755,7 @@
 </p:sld>
 </file>
 
-<file path=ppt/slides/slide29.xml><?xml version="1.0" encoding="utf-8"?>
+<file path=ppt/slides/slide32.xml><?xml version="1.0" encoding="utf-8"?>
 <p:sld xmlns:a="http://schemas.openxmlformats.org/drawingml/2006/main" xmlns:r="http://schemas.openxmlformats.org/officeDocument/2006/relationships" xmlns:p="http://schemas.openxmlformats.org/presentationml/2006/main">
   <p:cSld>
     <p:spTree>
@@ -21307,810 +25138,6 @@
     <p:extLst>
       <p:ext uri="{BB962C8B-B14F-4D97-AF65-F5344CB8AC3E}">
         <p14:creationId xmlns:p14="http://schemas.microsoft.com/office/powerpoint/2010/main" val="916037179"/>
-      </p:ext>
-    </p:extLst>
-  </p:cSld>
-  <p:clrMapOvr>
-    <a:masterClrMapping/>
-  </p:clrMapOvr>
-  <p:timing>
-    <p:tnLst>
-      <p:par>
-        <p:cTn id="1" dur="indefinite" restart="never" nodeType="tmRoot"/>
-      </p:par>
-    </p:tnLst>
-  </p:timing>
-</p:sld>
-</file>
-
-<file path=ppt/slides/slide3.xml><?xml version="1.0" encoding="utf-8"?>
-<p:sld xmlns:a="http://schemas.openxmlformats.org/drawingml/2006/main" xmlns:r="http://schemas.openxmlformats.org/officeDocument/2006/relationships" xmlns:p="http://schemas.openxmlformats.org/presentationml/2006/main">
-  <p:cSld>
-    <p:spTree>
-      <p:nvGrpSpPr>
-        <p:cNvPr id="1" name=""/>
-        <p:cNvGrpSpPr/>
-        <p:nvPr/>
-      </p:nvGrpSpPr>
-      <p:grpSpPr>
-        <a:xfrm>
-          <a:off x="0" y="0"/>
-          <a:ext cx="0" cy="0"/>
-          <a:chOff x="0" y="0"/>
-          <a:chExt cx="0" cy="0"/>
-        </a:xfrm>
-      </p:grpSpPr>
-      <p:sp>
-        <p:nvSpPr>
-          <p:cNvPr id="5" name="矩形 4"/>
-          <p:cNvSpPr/>
-          <p:nvPr/>
-        </p:nvSpPr>
-        <p:spPr>
-          <a:xfrm>
-            <a:off x="0" y="0"/>
-            <a:ext cx="2034000" cy="540000"/>
-          </a:xfrm>
-          <a:prstGeom prst="rect">
-            <a:avLst/>
-          </a:prstGeom>
-          <a:solidFill>
-            <a:srgbClr val="79ADDD"/>
-          </a:solidFill>
-          <a:ln>
-            <a:noFill/>
-          </a:ln>
-        </p:spPr>
-        <p:style>
-          <a:lnRef idx="2">
-            <a:schemeClr val="accent1">
-              <a:shade val="50000"/>
-            </a:schemeClr>
-          </a:lnRef>
-          <a:fillRef idx="1">
-            <a:schemeClr val="accent1"/>
-          </a:fillRef>
-          <a:effectRef idx="0">
-            <a:schemeClr val="accent1"/>
-          </a:effectRef>
-          <a:fontRef idx="minor">
-            <a:schemeClr val="lt1"/>
-          </a:fontRef>
-        </p:style>
-        <p:txBody>
-          <a:bodyPr rtlCol="0" anchor="ctr"/>
-          <a:lstStyle/>
-          <a:p>
-            <a:pPr algn="ctr"/>
-            <a:endParaRPr lang="zh-TW" altLang="en-US"/>
-          </a:p>
-        </p:txBody>
-      </p:sp>
-      <p:sp>
-        <p:nvSpPr>
-          <p:cNvPr id="6" name="矩形 5"/>
-          <p:cNvSpPr/>
-          <p:nvPr/>
-        </p:nvSpPr>
-        <p:spPr>
-          <a:xfrm>
-            <a:off x="2033046" y="0"/>
-            <a:ext cx="2034000" cy="1080000"/>
-          </a:xfrm>
-          <a:prstGeom prst="rect">
-            <a:avLst/>
-          </a:prstGeom>
-          <a:solidFill>
-            <a:srgbClr val="9FB8CD"/>
-          </a:solidFill>
-          <a:ln>
-            <a:noFill/>
-          </a:ln>
-        </p:spPr>
-        <p:style>
-          <a:lnRef idx="2">
-            <a:schemeClr val="accent1">
-              <a:shade val="50000"/>
-            </a:schemeClr>
-          </a:lnRef>
-          <a:fillRef idx="1">
-            <a:schemeClr val="accent1"/>
-          </a:fillRef>
-          <a:effectRef idx="0">
-            <a:schemeClr val="accent1"/>
-          </a:effectRef>
-          <a:fontRef idx="minor">
-            <a:schemeClr val="lt1"/>
-          </a:fontRef>
-        </p:style>
-        <p:txBody>
-          <a:bodyPr rtlCol="0" anchor="ctr"/>
-          <a:lstStyle/>
-          <a:p>
-            <a:pPr algn="ctr"/>
-            <a:endParaRPr lang="zh-TW" altLang="en-US"/>
-          </a:p>
-        </p:txBody>
-      </p:sp>
-      <p:sp>
-        <p:nvSpPr>
-          <p:cNvPr id="7" name="矩形 6"/>
-          <p:cNvSpPr/>
-          <p:nvPr/>
-        </p:nvSpPr>
-        <p:spPr>
-          <a:xfrm>
-            <a:off x="4065218" y="0"/>
-            <a:ext cx="2034000" cy="1620000"/>
-          </a:xfrm>
-          <a:prstGeom prst="rect">
-            <a:avLst/>
-          </a:prstGeom>
-          <a:solidFill>
-            <a:srgbClr val="98CFCE"/>
-          </a:solidFill>
-          <a:ln>
-            <a:noFill/>
-          </a:ln>
-        </p:spPr>
-        <p:style>
-          <a:lnRef idx="2">
-            <a:schemeClr val="accent1">
-              <a:shade val="50000"/>
-            </a:schemeClr>
-          </a:lnRef>
-          <a:fillRef idx="1">
-            <a:schemeClr val="accent1"/>
-          </a:fillRef>
-          <a:effectRef idx="0">
-            <a:schemeClr val="accent1"/>
-          </a:effectRef>
-          <a:fontRef idx="minor">
-            <a:schemeClr val="lt1"/>
-          </a:fontRef>
-        </p:style>
-        <p:txBody>
-          <a:bodyPr rtlCol="0" anchor="ctr"/>
-          <a:lstStyle/>
-          <a:p>
-            <a:pPr algn="ctr"/>
-            <a:endParaRPr lang="zh-TW" altLang="en-US"/>
-          </a:p>
-        </p:txBody>
-      </p:sp>
-      <p:sp>
-        <p:nvSpPr>
-          <p:cNvPr id="8" name="矩形 7"/>
-          <p:cNvSpPr/>
-          <p:nvPr/>
-        </p:nvSpPr>
-        <p:spPr>
-          <a:xfrm>
-            <a:off x="6099615" y="0"/>
-            <a:ext cx="2034000" cy="2160000"/>
-          </a:xfrm>
-          <a:prstGeom prst="rect">
-            <a:avLst/>
-          </a:prstGeom>
-          <a:solidFill>
-            <a:srgbClr val="8AD48C"/>
-          </a:solidFill>
-          <a:ln>
-            <a:noFill/>
-          </a:ln>
-        </p:spPr>
-        <p:style>
-          <a:lnRef idx="2">
-            <a:schemeClr val="accent1">
-              <a:shade val="50000"/>
-            </a:schemeClr>
-          </a:lnRef>
-          <a:fillRef idx="1">
-            <a:schemeClr val="accent1"/>
-          </a:fillRef>
-          <a:effectRef idx="0">
-            <a:schemeClr val="accent1"/>
-          </a:effectRef>
-          <a:fontRef idx="minor">
-            <a:schemeClr val="lt1"/>
-          </a:fontRef>
-        </p:style>
-        <p:txBody>
-          <a:bodyPr rtlCol="0" anchor="ctr"/>
-          <a:lstStyle/>
-          <a:p>
-            <a:pPr algn="ctr"/>
-            <a:endParaRPr lang="zh-TW" altLang="en-US"/>
-          </a:p>
-        </p:txBody>
-      </p:sp>
-      <p:sp>
-        <p:nvSpPr>
-          <p:cNvPr id="9" name="矩形 8"/>
-          <p:cNvSpPr/>
-          <p:nvPr/>
-        </p:nvSpPr>
-        <p:spPr>
-          <a:xfrm>
-            <a:off x="8132820" y="0"/>
-            <a:ext cx="2034000" cy="2700000"/>
-          </a:xfrm>
-          <a:prstGeom prst="rect">
-            <a:avLst/>
-          </a:prstGeom>
-          <a:solidFill>
-            <a:srgbClr val="A7D782"/>
-          </a:solidFill>
-          <a:ln>
-            <a:noFill/>
-          </a:ln>
-        </p:spPr>
-        <p:style>
-          <a:lnRef idx="2">
-            <a:schemeClr val="accent1">
-              <a:shade val="50000"/>
-            </a:schemeClr>
-          </a:lnRef>
-          <a:fillRef idx="1">
-            <a:schemeClr val="accent1"/>
-          </a:fillRef>
-          <a:effectRef idx="0">
-            <a:schemeClr val="accent1"/>
-          </a:effectRef>
-          <a:fontRef idx="minor">
-            <a:schemeClr val="lt1"/>
-          </a:fontRef>
-        </p:style>
-        <p:txBody>
-          <a:bodyPr rtlCol="0" anchor="ctr"/>
-          <a:lstStyle/>
-          <a:p>
-            <a:pPr algn="ctr"/>
-            <a:endParaRPr lang="zh-TW" altLang="en-US"/>
-          </a:p>
-        </p:txBody>
-      </p:sp>
-      <p:sp>
-        <p:nvSpPr>
-          <p:cNvPr id="10" name="矩形 9"/>
-          <p:cNvSpPr/>
-          <p:nvPr/>
-        </p:nvSpPr>
-        <p:spPr>
-          <a:xfrm>
-            <a:off x="10166025" y="0"/>
-            <a:ext cx="2034000" cy="3240000"/>
-          </a:xfrm>
-          <a:prstGeom prst="rect">
-            <a:avLst/>
-          </a:prstGeom>
-          <a:solidFill>
-            <a:srgbClr val="D2DA7A"/>
-          </a:solidFill>
-          <a:ln>
-            <a:noFill/>
-          </a:ln>
-        </p:spPr>
-        <p:style>
-          <a:lnRef idx="2">
-            <a:schemeClr val="accent1">
-              <a:shade val="50000"/>
-            </a:schemeClr>
-          </a:lnRef>
-          <a:fillRef idx="1">
-            <a:schemeClr val="accent1"/>
-          </a:fillRef>
-          <a:effectRef idx="0">
-            <a:schemeClr val="accent1"/>
-          </a:effectRef>
-          <a:fontRef idx="minor">
-            <a:schemeClr val="lt1"/>
-          </a:fontRef>
-        </p:style>
-        <p:txBody>
-          <a:bodyPr rtlCol="0" anchor="ctr"/>
-          <a:lstStyle/>
-          <a:p>
-            <a:pPr algn="ctr"/>
-            <a:endParaRPr lang="zh-TW" altLang="en-US"/>
-          </a:p>
-        </p:txBody>
-      </p:sp>
-      <p:sp>
-        <p:nvSpPr>
-          <p:cNvPr id="4" name="文字方塊 3"/>
-          <p:cNvSpPr txBox="1"/>
-          <p:nvPr/>
-        </p:nvSpPr>
-        <p:spPr>
-          <a:xfrm>
-            <a:off x="-1" y="1134815"/>
-            <a:ext cx="2032013" cy="523220"/>
-          </a:xfrm>
-          <a:prstGeom prst="rect">
-            <a:avLst/>
-          </a:prstGeom>
-          <a:noFill/>
-        </p:spPr>
-        <p:txBody>
-          <a:bodyPr wrap="square" rtlCol="0">
-            <a:spAutoFit/>
-          </a:bodyPr>
-          <a:lstStyle/>
-          <a:p>
-            <a:pPr algn="ctr"/>
-            <a:r>
-              <a:rPr lang="en-US" altLang="zh-TW" sz="2800" dirty="0">
-                <a:latin typeface="Tekton Pro" panose="020F0603020208020904" pitchFamily="34" charset="0"/>
-              </a:rPr>
-              <a:t>I</a:t>
-            </a:r>
-            <a:r>
-              <a:rPr lang="en-US" altLang="zh-TW" sz="2800" dirty="0" smtClean="0">
-                <a:latin typeface="Tekton Pro" panose="020F0603020208020904" pitchFamily="34" charset="0"/>
-              </a:rPr>
-              <a:t>ntroduction</a:t>
-            </a:r>
-            <a:endParaRPr lang="zh-TW" altLang="en-US" sz="2800" dirty="0">
-              <a:latin typeface="Tekton Pro" panose="020F0603020208020904" pitchFamily="34" charset="0"/>
-            </a:endParaRPr>
-          </a:p>
-        </p:txBody>
-      </p:sp>
-      <p:sp>
-        <p:nvSpPr>
-          <p:cNvPr id="18" name="文字方塊 17"/>
-          <p:cNvSpPr txBox="1"/>
-          <p:nvPr/>
-        </p:nvSpPr>
-        <p:spPr>
-          <a:xfrm>
-            <a:off x="2446982" y="1636796"/>
-            <a:ext cx="1074461" cy="523220"/>
-          </a:xfrm>
-          <a:prstGeom prst="rect">
-            <a:avLst/>
-          </a:prstGeom>
-          <a:noFill/>
-        </p:spPr>
-        <p:txBody>
-          <a:bodyPr wrap="none" rtlCol="0">
-            <a:spAutoFit/>
-          </a:bodyPr>
-          <a:lstStyle/>
-          <a:p>
-            <a:r>
-              <a:rPr lang="en-US" altLang="zh-TW" sz="2800" dirty="0" smtClean="0">
-                <a:latin typeface="Tekton Pro" panose="020F0603020208020904" pitchFamily="34" charset="0"/>
-              </a:rPr>
-              <a:t>Etabs</a:t>
-            </a:r>
-            <a:endParaRPr lang="zh-TW" altLang="en-US" sz="2800" dirty="0">
-              <a:latin typeface="Tekton Pro" panose="020F0603020208020904" pitchFamily="34" charset="0"/>
-            </a:endParaRPr>
-          </a:p>
-        </p:txBody>
-      </p:sp>
-      <p:sp>
-        <p:nvSpPr>
-          <p:cNvPr id="20" name="矩形 19"/>
-          <p:cNvSpPr/>
-          <p:nvPr/>
-        </p:nvSpPr>
-        <p:spPr>
-          <a:xfrm>
-            <a:off x="-955" y="2160000"/>
-            <a:ext cx="2041907" cy="4698000"/>
-          </a:xfrm>
-          <a:prstGeom prst="rect">
-            <a:avLst/>
-          </a:prstGeom>
-          <a:solidFill>
-            <a:srgbClr val="79ADDD"/>
-          </a:solidFill>
-          <a:ln>
-            <a:noFill/>
-          </a:ln>
-        </p:spPr>
-        <p:style>
-          <a:lnRef idx="2">
-            <a:schemeClr val="accent1">
-              <a:shade val="50000"/>
-            </a:schemeClr>
-          </a:lnRef>
-          <a:fillRef idx="1">
-            <a:schemeClr val="accent1"/>
-          </a:fillRef>
-          <a:effectRef idx="0">
-            <a:schemeClr val="accent1"/>
-          </a:effectRef>
-          <a:fontRef idx="minor">
-            <a:schemeClr val="lt1"/>
-          </a:fontRef>
-        </p:style>
-        <p:txBody>
-          <a:bodyPr rtlCol="0" anchor="ctr"/>
-          <a:lstStyle/>
-          <a:p>
-            <a:pPr algn="ctr"/>
-            <a:endParaRPr lang="zh-TW" altLang="en-US"/>
-          </a:p>
-        </p:txBody>
-      </p:sp>
-      <p:sp>
-        <p:nvSpPr>
-          <p:cNvPr id="21" name="矩形 20"/>
-          <p:cNvSpPr/>
-          <p:nvPr/>
-        </p:nvSpPr>
-        <p:spPr>
-          <a:xfrm>
-            <a:off x="2042383" y="2700000"/>
-            <a:ext cx="2034000" cy="4158000"/>
-          </a:xfrm>
-          <a:prstGeom prst="rect">
-            <a:avLst/>
-          </a:prstGeom>
-          <a:solidFill>
-            <a:srgbClr val="9FB8CD"/>
-          </a:solidFill>
-          <a:ln>
-            <a:noFill/>
-          </a:ln>
-        </p:spPr>
-        <p:style>
-          <a:lnRef idx="2">
-            <a:schemeClr val="accent1">
-              <a:shade val="50000"/>
-            </a:schemeClr>
-          </a:lnRef>
-          <a:fillRef idx="1">
-            <a:schemeClr val="accent1"/>
-          </a:fillRef>
-          <a:effectRef idx="0">
-            <a:schemeClr val="accent1"/>
-          </a:effectRef>
-          <a:fontRef idx="minor">
-            <a:schemeClr val="lt1"/>
-          </a:fontRef>
-        </p:style>
-        <p:txBody>
-          <a:bodyPr rtlCol="0" anchor="ctr"/>
-          <a:lstStyle/>
-          <a:p>
-            <a:pPr algn="ctr"/>
-            <a:endParaRPr lang="zh-TW" altLang="en-US"/>
-          </a:p>
-        </p:txBody>
-      </p:sp>
-      <p:sp>
-        <p:nvSpPr>
-          <p:cNvPr id="22" name="矩形 21"/>
-          <p:cNvSpPr/>
-          <p:nvPr/>
-        </p:nvSpPr>
-        <p:spPr>
-          <a:xfrm>
-            <a:off x="4074555" y="3240000"/>
-            <a:ext cx="2034000" cy="3618000"/>
-          </a:xfrm>
-          <a:prstGeom prst="rect">
-            <a:avLst/>
-          </a:prstGeom>
-          <a:solidFill>
-            <a:srgbClr val="98CFCE"/>
-          </a:solidFill>
-          <a:ln>
-            <a:noFill/>
-          </a:ln>
-        </p:spPr>
-        <p:style>
-          <a:lnRef idx="2">
-            <a:schemeClr val="accent1">
-              <a:shade val="50000"/>
-            </a:schemeClr>
-          </a:lnRef>
-          <a:fillRef idx="1">
-            <a:schemeClr val="accent1"/>
-          </a:fillRef>
-          <a:effectRef idx="0">
-            <a:schemeClr val="accent1"/>
-          </a:effectRef>
-          <a:fontRef idx="minor">
-            <a:schemeClr val="lt1"/>
-          </a:fontRef>
-        </p:style>
-        <p:txBody>
-          <a:bodyPr rtlCol="0" anchor="ctr"/>
-          <a:lstStyle/>
-          <a:p>
-            <a:pPr algn="ctr"/>
-            <a:endParaRPr lang="zh-TW" altLang="en-US"/>
-          </a:p>
-        </p:txBody>
-      </p:sp>
-      <p:sp>
-        <p:nvSpPr>
-          <p:cNvPr id="23" name="矩形 22"/>
-          <p:cNvSpPr/>
-          <p:nvPr/>
-        </p:nvSpPr>
-        <p:spPr>
-          <a:xfrm>
-            <a:off x="6108952" y="3780000"/>
-            <a:ext cx="2034000" cy="3078000"/>
-          </a:xfrm>
-          <a:prstGeom prst="rect">
-            <a:avLst/>
-          </a:prstGeom>
-          <a:solidFill>
-            <a:srgbClr val="8AD48C"/>
-          </a:solidFill>
-          <a:ln>
-            <a:noFill/>
-          </a:ln>
-        </p:spPr>
-        <p:style>
-          <a:lnRef idx="2">
-            <a:schemeClr val="accent1">
-              <a:shade val="50000"/>
-            </a:schemeClr>
-          </a:lnRef>
-          <a:fillRef idx="1">
-            <a:schemeClr val="accent1"/>
-          </a:fillRef>
-          <a:effectRef idx="0">
-            <a:schemeClr val="accent1"/>
-          </a:effectRef>
-          <a:fontRef idx="minor">
-            <a:schemeClr val="lt1"/>
-          </a:fontRef>
-        </p:style>
-        <p:txBody>
-          <a:bodyPr rtlCol="0" anchor="ctr"/>
-          <a:lstStyle/>
-          <a:p>
-            <a:pPr algn="ctr"/>
-            <a:endParaRPr lang="zh-TW" altLang="en-US"/>
-          </a:p>
-        </p:txBody>
-      </p:sp>
-      <p:sp>
-        <p:nvSpPr>
-          <p:cNvPr id="24" name="矩形 23"/>
-          <p:cNvSpPr/>
-          <p:nvPr/>
-        </p:nvSpPr>
-        <p:spPr>
-          <a:xfrm>
-            <a:off x="8142157" y="4320000"/>
-            <a:ext cx="2034000" cy="2538000"/>
-          </a:xfrm>
-          <a:prstGeom prst="rect">
-            <a:avLst/>
-          </a:prstGeom>
-          <a:solidFill>
-            <a:srgbClr val="A7D782"/>
-          </a:solidFill>
-          <a:ln>
-            <a:noFill/>
-          </a:ln>
-        </p:spPr>
-        <p:style>
-          <a:lnRef idx="2">
-            <a:schemeClr val="accent1">
-              <a:shade val="50000"/>
-            </a:schemeClr>
-          </a:lnRef>
-          <a:fillRef idx="1">
-            <a:schemeClr val="accent1"/>
-          </a:fillRef>
-          <a:effectRef idx="0">
-            <a:schemeClr val="accent1"/>
-          </a:effectRef>
-          <a:fontRef idx="minor">
-            <a:schemeClr val="lt1"/>
-          </a:fontRef>
-        </p:style>
-        <p:txBody>
-          <a:bodyPr rtlCol="0" anchor="ctr"/>
-          <a:lstStyle/>
-          <a:p>
-            <a:pPr algn="ctr"/>
-            <a:endParaRPr lang="zh-TW" altLang="en-US"/>
-          </a:p>
-        </p:txBody>
-      </p:sp>
-      <p:sp>
-        <p:nvSpPr>
-          <p:cNvPr id="25" name="矩形 24"/>
-          <p:cNvSpPr/>
-          <p:nvPr/>
-        </p:nvSpPr>
-        <p:spPr>
-          <a:xfrm>
-            <a:off x="10175362" y="4860000"/>
-            <a:ext cx="2034000" cy="1998000"/>
-          </a:xfrm>
-          <a:prstGeom prst="rect">
-            <a:avLst/>
-          </a:prstGeom>
-          <a:solidFill>
-            <a:srgbClr val="D2DA7A"/>
-          </a:solidFill>
-          <a:ln>
-            <a:noFill/>
-          </a:ln>
-        </p:spPr>
-        <p:style>
-          <a:lnRef idx="2">
-            <a:schemeClr val="accent1">
-              <a:shade val="50000"/>
-            </a:schemeClr>
-          </a:lnRef>
-          <a:fillRef idx="1">
-            <a:schemeClr val="accent1"/>
-          </a:fillRef>
-          <a:effectRef idx="0">
-            <a:schemeClr val="accent1"/>
-          </a:effectRef>
-          <a:fontRef idx="minor">
-            <a:schemeClr val="lt1"/>
-          </a:fontRef>
-        </p:style>
-        <p:txBody>
-          <a:bodyPr rtlCol="0" anchor="ctr"/>
-          <a:lstStyle/>
-          <a:p>
-            <a:pPr algn="ctr"/>
-            <a:endParaRPr lang="zh-TW" altLang="en-US"/>
-          </a:p>
-        </p:txBody>
-      </p:sp>
-      <p:sp>
-        <p:nvSpPr>
-          <p:cNvPr id="26" name="文字方塊 25"/>
-          <p:cNvSpPr txBox="1"/>
-          <p:nvPr/>
-        </p:nvSpPr>
-        <p:spPr>
-          <a:xfrm>
-            <a:off x="4065218" y="2159984"/>
-            <a:ext cx="2034000" cy="523220"/>
-          </a:xfrm>
-          <a:prstGeom prst="rect">
-            <a:avLst/>
-          </a:prstGeom>
-          <a:noFill/>
-        </p:spPr>
-        <p:txBody>
-          <a:bodyPr wrap="square" rtlCol="0">
-            <a:spAutoFit/>
-          </a:bodyPr>
-          <a:lstStyle/>
-          <a:p>
-            <a:pPr algn="ctr"/>
-            <a:r>
-              <a:rPr lang="en-US" altLang="zh-TW" sz="2800" dirty="0" smtClean="0">
-                <a:latin typeface="Tekton Pro" panose="020F0603020208020904" pitchFamily="34" charset="0"/>
-              </a:rPr>
-              <a:t>TEASPA</a:t>
-            </a:r>
-            <a:endParaRPr lang="zh-TW" altLang="en-US" sz="2800" dirty="0">
-              <a:latin typeface="Tekton Pro" panose="020F0603020208020904" pitchFamily="34" charset="0"/>
-            </a:endParaRPr>
-          </a:p>
-        </p:txBody>
-      </p:sp>
-      <p:sp>
-        <p:nvSpPr>
-          <p:cNvPr id="27" name="文字方塊 26"/>
-          <p:cNvSpPr txBox="1"/>
-          <p:nvPr/>
-        </p:nvSpPr>
-        <p:spPr>
-          <a:xfrm>
-            <a:off x="6108952" y="2708390"/>
-            <a:ext cx="2034000" cy="523220"/>
-          </a:xfrm>
-          <a:prstGeom prst="rect">
-            <a:avLst/>
-          </a:prstGeom>
-          <a:noFill/>
-        </p:spPr>
-        <p:txBody>
-          <a:bodyPr wrap="square" rtlCol="0">
-            <a:spAutoFit/>
-          </a:bodyPr>
-          <a:lstStyle/>
-          <a:p>
-            <a:pPr algn="ctr"/>
-            <a:r>
-              <a:rPr lang="en-US" altLang="zh-TW" sz="2800" dirty="0" smtClean="0">
-                <a:latin typeface="Tekton Pro" panose="020F0603020208020904" pitchFamily="34" charset="0"/>
-              </a:rPr>
-              <a:t>Xtract</a:t>
-            </a:r>
-            <a:endParaRPr lang="zh-TW" altLang="en-US" sz="2800" dirty="0">
-              <a:latin typeface="Tekton Pro" panose="020F0603020208020904" pitchFamily="34" charset="0"/>
-            </a:endParaRPr>
-          </a:p>
-        </p:txBody>
-      </p:sp>
-      <p:sp>
-        <p:nvSpPr>
-          <p:cNvPr id="28" name="文字方塊 27"/>
-          <p:cNvSpPr txBox="1"/>
-          <p:nvPr/>
-        </p:nvSpPr>
-        <p:spPr>
-          <a:xfrm>
-            <a:off x="8142157" y="3240000"/>
-            <a:ext cx="2034000" cy="523220"/>
-          </a:xfrm>
-          <a:prstGeom prst="rect">
-            <a:avLst/>
-          </a:prstGeom>
-          <a:noFill/>
-        </p:spPr>
-        <p:txBody>
-          <a:bodyPr wrap="square" rtlCol="0">
-            <a:spAutoFit/>
-          </a:bodyPr>
-          <a:lstStyle/>
-          <a:p>
-            <a:pPr algn="ctr"/>
-            <a:r>
-              <a:rPr lang="en-US" altLang="zh-TW" sz="2800" dirty="0" smtClean="0">
-                <a:latin typeface="Tekton Pro" panose="020F0603020208020904" pitchFamily="34" charset="0"/>
-              </a:rPr>
-              <a:t>Upper bound</a:t>
-            </a:r>
-            <a:endParaRPr lang="zh-TW" altLang="en-US" sz="2800" dirty="0">
-              <a:latin typeface="Tekton Pro" panose="020F0603020208020904" pitchFamily="34" charset="0"/>
-            </a:endParaRPr>
-          </a:p>
-        </p:txBody>
-      </p:sp>
-      <p:sp>
-        <p:nvSpPr>
-          <p:cNvPr id="29" name="文字方塊 28"/>
-          <p:cNvSpPr txBox="1"/>
-          <p:nvPr/>
-        </p:nvSpPr>
-        <p:spPr>
-          <a:xfrm>
-            <a:off x="10175362" y="3780000"/>
-            <a:ext cx="2034000" cy="523220"/>
-          </a:xfrm>
-          <a:prstGeom prst="rect">
-            <a:avLst/>
-          </a:prstGeom>
-          <a:noFill/>
-        </p:spPr>
-        <p:txBody>
-          <a:bodyPr wrap="square" rtlCol="0">
-            <a:spAutoFit/>
-          </a:bodyPr>
-          <a:lstStyle/>
-          <a:p>
-            <a:pPr algn="ctr"/>
-            <a:r>
-              <a:rPr lang="en-US" altLang="zh-TW" sz="2800" dirty="0" smtClean="0">
-                <a:latin typeface="Tekton Pro" panose="020F0603020208020904" pitchFamily="34" charset="0"/>
-              </a:rPr>
-              <a:t>Summary</a:t>
-            </a:r>
-            <a:endParaRPr lang="zh-TW" altLang="en-US" sz="2800" dirty="0">
-              <a:latin typeface="Tekton Pro" panose="020F0603020208020904" pitchFamily="34" charset="0"/>
-            </a:endParaRPr>
-          </a:p>
-        </p:txBody>
-      </p:sp>
-    </p:spTree>
-    <p:extLst>
-      <p:ext uri="{BB962C8B-B14F-4D97-AF65-F5344CB8AC3E}">
-        <p14:creationId xmlns:p14="http://schemas.microsoft.com/office/powerpoint/2010/main" val="2534147135"/>
       </p:ext>
     </p:extLst>
   </p:cSld>
@@ -24501,7 +27528,7 @@
       </p:pic>
       <p:pic>
         <p:nvPicPr>
-          <p:cNvPr id="3" name="圖片 2"/>
+          <p:cNvPr id="5" name="圖片 4"/>
           <p:cNvPicPr>
             <a:picLocks noChangeAspect="1"/>
           </p:cNvPicPr>
@@ -24521,36 +27548,6 @@
         </p:blipFill>
         <p:spPr>
           <a:xfrm>
-            <a:off x="4148598" y="1647457"/>
-            <a:ext cx="3902034" cy="4661863"/>
-          </a:xfrm>
-          <a:prstGeom prst="rect">
-            <a:avLst/>
-          </a:prstGeom>
-        </p:spPr>
-      </p:pic>
-      <p:pic>
-        <p:nvPicPr>
-          <p:cNvPr id="5" name="圖片 4"/>
-          <p:cNvPicPr>
-            <a:picLocks noChangeAspect="1"/>
-          </p:cNvPicPr>
-          <p:nvPr/>
-        </p:nvPicPr>
-        <p:blipFill>
-          <a:blip r:embed="rId4">
-            <a:extLst>
-              <a:ext uri="{28A0092B-C50C-407E-A947-70E740481C1C}">
-                <a14:useLocalDpi xmlns:a14="http://schemas.microsoft.com/office/drawing/2010/main" val="0"/>
-              </a:ext>
-            </a:extLst>
-          </a:blip>
-          <a:stretch>
-            <a:fillRect/>
-          </a:stretch>
-        </p:blipFill>
-        <p:spPr>
-          <a:xfrm>
             <a:off x="8272756" y="1645778"/>
             <a:ext cx="3581193" cy="4663542"/>
           </a:xfrm>
@@ -24621,14 +27618,162 @@
       </p:sp>
       <p:sp>
         <p:nvSpPr>
-          <p:cNvPr id="19" name="文字方塊 18"/>
+          <p:cNvPr id="8" name="矩形 7"/>
+          <p:cNvSpPr/>
+          <p:nvPr/>
+        </p:nvSpPr>
+        <p:spPr>
+          <a:xfrm>
+            <a:off x="2427316" y="3258589"/>
+            <a:ext cx="1246909" cy="548640"/>
+          </a:xfrm>
+          <a:prstGeom prst="rect">
+            <a:avLst/>
+          </a:prstGeom>
+          <a:noFill/>
+          <a:ln w="28575">
+            <a:solidFill>
+              <a:srgbClr val="FF0000"/>
+            </a:solidFill>
+          </a:ln>
+        </p:spPr>
+        <p:style>
+          <a:lnRef idx="2">
+            <a:schemeClr val="accent1">
+              <a:shade val="50000"/>
+            </a:schemeClr>
+          </a:lnRef>
+          <a:fillRef idx="1">
+            <a:schemeClr val="accent1"/>
+          </a:fillRef>
+          <a:effectRef idx="0">
+            <a:schemeClr val="accent1"/>
+          </a:effectRef>
+          <a:fontRef idx="minor">
+            <a:schemeClr val="lt1"/>
+          </a:fontRef>
+        </p:style>
+        <p:txBody>
+          <a:bodyPr rtlCol="0" anchor="ctr"/>
+          <a:lstStyle/>
+          <a:p>
+            <a:pPr algn="ctr"/>
+            <a:endParaRPr lang="zh-TW" altLang="en-US"/>
+          </a:p>
+        </p:txBody>
+      </p:sp>
+      <p:sp>
+        <p:nvSpPr>
+          <p:cNvPr id="9" name="矩形 8"/>
+          <p:cNvSpPr/>
+          <p:nvPr/>
+        </p:nvSpPr>
+        <p:spPr>
+          <a:xfrm>
+            <a:off x="2410691" y="3906982"/>
+            <a:ext cx="1296785" cy="207818"/>
+          </a:xfrm>
+          <a:prstGeom prst="rect">
+            <a:avLst/>
+          </a:prstGeom>
+          <a:noFill/>
+          <a:ln w="28575">
+            <a:solidFill>
+              <a:srgbClr val="FF0000"/>
+            </a:solidFill>
+          </a:ln>
+        </p:spPr>
+        <p:style>
+          <a:lnRef idx="2">
+            <a:schemeClr val="accent1">
+              <a:shade val="50000"/>
+            </a:schemeClr>
+          </a:lnRef>
+          <a:fillRef idx="1">
+            <a:schemeClr val="accent1"/>
+          </a:fillRef>
+          <a:effectRef idx="0">
+            <a:schemeClr val="accent1"/>
+          </a:effectRef>
+          <a:fontRef idx="minor">
+            <a:schemeClr val="lt1"/>
+          </a:fontRef>
+        </p:style>
+        <p:txBody>
+          <a:bodyPr rot="0" spcFirstLastPara="0" vertOverflow="overflow" horzOverflow="overflow" vert="horz" wrap="square" lIns="91440" tIns="45720" rIns="91440" bIns="45720" numCol="1" spcCol="0" rtlCol="0" fromWordArt="0" anchor="ctr" anchorCtr="0" forceAA="0" compatLnSpc="1">
+            <a:prstTxWarp prst="textNoShape">
+              <a:avLst/>
+            </a:prstTxWarp>
+            <a:noAutofit/>
+          </a:bodyPr>
+          <a:lstStyle/>
+          <a:p>
+            <a:pPr algn="ctr"/>
+            <a:endParaRPr lang="zh-TW" altLang="en-US"/>
+          </a:p>
+        </p:txBody>
+      </p:sp>
+      <p:sp>
+        <p:nvSpPr>
+          <p:cNvPr id="20" name="矩形 19"/>
+          <p:cNvSpPr/>
+          <p:nvPr/>
+        </p:nvSpPr>
+        <p:spPr>
+          <a:xfrm>
+            <a:off x="10349345" y="3849921"/>
+            <a:ext cx="1213659" cy="264879"/>
+          </a:xfrm>
+          <a:prstGeom prst="rect">
+            <a:avLst/>
+          </a:prstGeom>
+          <a:noFill/>
+          <a:ln w="28575">
+            <a:solidFill>
+              <a:srgbClr val="FF0000"/>
+            </a:solidFill>
+          </a:ln>
+        </p:spPr>
+        <p:style>
+          <a:lnRef idx="2">
+            <a:schemeClr val="accent1">
+              <a:shade val="50000"/>
+            </a:schemeClr>
+          </a:lnRef>
+          <a:fillRef idx="1">
+            <a:schemeClr val="accent1"/>
+          </a:fillRef>
+          <a:effectRef idx="0">
+            <a:schemeClr val="accent1"/>
+          </a:effectRef>
+          <a:fontRef idx="minor">
+            <a:schemeClr val="lt1"/>
+          </a:fontRef>
+        </p:style>
+        <p:txBody>
+          <a:bodyPr rot="0" spcFirstLastPara="0" vertOverflow="overflow" horzOverflow="overflow" vert="horz" wrap="square" lIns="91440" tIns="45720" rIns="91440" bIns="45720" numCol="1" spcCol="0" rtlCol="0" fromWordArt="0" anchor="ctr" anchorCtr="0" forceAA="0" compatLnSpc="1">
+            <a:prstTxWarp prst="textNoShape">
+              <a:avLst/>
+            </a:prstTxWarp>
+            <a:noAutofit/>
+          </a:bodyPr>
+          <a:lstStyle/>
+          <a:p>
+            <a:pPr algn="ctr"/>
+            <a:endParaRPr lang="zh-TW" altLang="en-US"/>
+          </a:p>
+        </p:txBody>
+      </p:sp>
+      <p:sp>
+        <p:nvSpPr>
+          <p:cNvPr id="21" name="文字方塊 20"/>
           <p:cNvSpPr txBox="1"/>
           <p:nvPr/>
         </p:nvSpPr>
         <p:spPr>
           <a:xfrm>
-            <a:off x="5810058" y="6301766"/>
-            <a:ext cx="733662" cy="369332"/>
+            <a:off x="10337989" y="3484346"/>
+            <a:ext cx="1225015" cy="369332"/>
           </a:xfrm>
           <a:prstGeom prst="rect">
             <a:avLst/>
@@ -24642,13 +27787,150 @@
           <a:lstStyle/>
           <a:p>
             <a:r>
-              <a:rPr lang="en-US" altLang="zh-TW" dirty="0" smtClean="0"/>
-              <a:t>Rebar</a:t>
+              <a:rPr lang="en-US" altLang="zh-TW" dirty="0" smtClean="0">
+                <a:solidFill>
+                  <a:srgbClr val="FF0000"/>
+                </a:solidFill>
+              </a:rPr>
+              <a:t>1000</a:t>
             </a:r>
-            <a:endParaRPr lang="zh-TW" altLang="en-US" dirty="0"/>
-          </a:p>
-        </p:txBody>
-      </p:sp>
+            <a:r>
+              <a:rPr lang="zh-TW" altLang="en-US" dirty="0" smtClean="0">
+                <a:solidFill>
+                  <a:srgbClr val="FF0000"/>
+                </a:solidFill>
+              </a:rPr>
+              <a:t> </a:t>
+            </a:r>
+            <a:r>
+              <a:rPr lang="en-US" altLang="zh-TW" dirty="0" smtClean="0">
+                <a:solidFill>
+                  <a:srgbClr val="FF0000"/>
+                </a:solidFill>
+              </a:rPr>
+              <a:t>times</a:t>
+            </a:r>
+            <a:endParaRPr lang="zh-TW" altLang="en-US" dirty="0">
+              <a:solidFill>
+                <a:srgbClr val="FF0000"/>
+              </a:solidFill>
+            </a:endParaRPr>
+          </a:p>
+        </p:txBody>
+      </p:sp>
+      <p:pic>
+        <p:nvPicPr>
+          <p:cNvPr id="22" name="圖片 21"/>
+          <p:cNvPicPr>
+            <a:picLocks noChangeAspect="1"/>
+          </p:cNvPicPr>
+          <p:nvPr/>
+        </p:nvPicPr>
+        <p:blipFill>
+          <a:blip r:embed="rId4"/>
+          <a:stretch>
+            <a:fillRect/>
+          </a:stretch>
+        </p:blipFill>
+        <p:spPr>
+          <a:xfrm>
+            <a:off x="3999352" y="3532909"/>
+            <a:ext cx="4200525" cy="1390650"/>
+          </a:xfrm>
+          <a:prstGeom prst="rect">
+            <a:avLst/>
+          </a:prstGeom>
+        </p:spPr>
+      </p:pic>
+      <p:sp>
+        <p:nvSpPr>
+          <p:cNvPr id="23" name="矩形 22"/>
+          <p:cNvSpPr/>
+          <p:nvPr/>
+        </p:nvSpPr>
+        <p:spPr>
+          <a:xfrm>
+            <a:off x="4347557" y="4505498"/>
+            <a:ext cx="3491345" cy="418061"/>
+          </a:xfrm>
+          <a:prstGeom prst="rect">
+            <a:avLst/>
+          </a:prstGeom>
+          <a:noFill/>
+          <a:ln w="28575">
+            <a:solidFill>
+              <a:srgbClr val="FF0000"/>
+            </a:solidFill>
+          </a:ln>
+        </p:spPr>
+        <p:style>
+          <a:lnRef idx="2">
+            <a:schemeClr val="accent1">
+              <a:shade val="50000"/>
+            </a:schemeClr>
+          </a:lnRef>
+          <a:fillRef idx="1">
+            <a:schemeClr val="accent1"/>
+          </a:fillRef>
+          <a:effectRef idx="0">
+            <a:schemeClr val="accent1"/>
+          </a:effectRef>
+          <a:fontRef idx="minor">
+            <a:schemeClr val="lt1"/>
+          </a:fontRef>
+        </p:style>
+        <p:txBody>
+          <a:bodyPr rot="0" spcFirstLastPara="0" vertOverflow="overflow" horzOverflow="overflow" vert="horz" wrap="square" lIns="91440" tIns="45720" rIns="91440" bIns="45720" numCol="1" spcCol="0" rtlCol="0" fromWordArt="0" anchor="ctr" anchorCtr="0" forceAA="0" compatLnSpc="1">
+            <a:prstTxWarp prst="textNoShape">
+              <a:avLst/>
+            </a:prstTxWarp>
+            <a:noAutofit/>
+          </a:bodyPr>
+          <a:lstStyle/>
+          <a:p>
+            <a:pPr algn="ctr"/>
+            <a:endParaRPr lang="zh-TW" altLang="en-US"/>
+          </a:p>
+        </p:txBody>
+      </p:sp>
+      <p:cxnSp>
+        <p:nvCxnSpPr>
+          <p:cNvPr id="25" name="直線單箭頭接點 24"/>
+          <p:cNvCxnSpPr>
+            <a:stCxn id="22" idx="3"/>
+          </p:cNvCxnSpPr>
+          <p:nvPr/>
+        </p:nvCxnSpPr>
+        <p:spPr>
+          <a:xfrm flipV="1">
+            <a:off x="8199877" y="4189615"/>
+            <a:ext cx="1293258" cy="38619"/>
+          </a:xfrm>
+          <a:prstGeom prst="straightConnector1">
+            <a:avLst/>
+          </a:prstGeom>
+          <a:ln w="57150">
+            <a:solidFill>
+              <a:srgbClr val="FF0000"/>
+            </a:solidFill>
+            <a:tailEnd type="triangle"/>
+          </a:ln>
+        </p:spPr>
+        <p:style>
+          <a:lnRef idx="1">
+            <a:schemeClr val="accent1"/>
+          </a:lnRef>
+          <a:fillRef idx="0">
+            <a:schemeClr val="accent1"/>
+          </a:fillRef>
+          <a:effectRef idx="0">
+            <a:schemeClr val="accent1"/>
+          </a:effectRef>
+          <a:fontRef idx="minor">
+            <a:schemeClr val="tx1"/>
+          </a:fontRef>
+        </p:style>
+      </p:cxnSp>
     </p:spTree>
     <p:extLst>
       <p:ext uri="{BB962C8B-B14F-4D97-AF65-F5344CB8AC3E}">
@@ -25057,7 +28339,7 @@
         <p:spPr>
           <a:xfrm>
             <a:off x="566166" y="660451"/>
-            <a:ext cx="1566454" cy="646331"/>
+            <a:ext cx="5513048" cy="646331"/>
           </a:xfrm>
           <a:prstGeom prst="rect">
             <a:avLst/>
@@ -25077,7 +28359,7 @@
                 </a:solidFill>
                 <a:latin typeface="Tekton Pro" panose="020F0603020208020904" pitchFamily="34" charset="0"/>
               </a:rPr>
-              <a:t>Section</a:t>
+              <a:t>Section – Column Beam Slab</a:t>
             </a:r>
             <a:endParaRPr lang="zh-TW" altLang="en-US" sz="3600" dirty="0">
               <a:solidFill>
@@ -25148,6 +28430,57 @@
           </a:prstGeom>
         </p:spPr>
       </p:pic>
+      <p:sp>
+        <p:nvSpPr>
+          <p:cNvPr id="5" name="矩形 4"/>
+          <p:cNvSpPr/>
+          <p:nvPr/>
+        </p:nvSpPr>
+        <p:spPr>
+          <a:xfrm>
+            <a:off x="8229600" y="4455622"/>
+            <a:ext cx="1113905" cy="473825"/>
+          </a:xfrm>
+          <a:prstGeom prst="rect">
+            <a:avLst/>
+          </a:prstGeom>
+          <a:noFill/>
+          <a:ln w="28575">
+            <a:solidFill>
+              <a:srgbClr val="FF0000"/>
+            </a:solidFill>
+          </a:ln>
+        </p:spPr>
+        <p:style>
+          <a:lnRef idx="2">
+            <a:schemeClr val="accent1">
+              <a:shade val="50000"/>
+            </a:schemeClr>
+          </a:lnRef>
+          <a:fillRef idx="1">
+            <a:schemeClr val="accent1"/>
+          </a:fillRef>
+          <a:effectRef idx="0">
+            <a:schemeClr val="accent1"/>
+          </a:effectRef>
+          <a:fontRef idx="minor">
+            <a:schemeClr val="lt1"/>
+          </a:fontRef>
+        </p:style>
+        <p:txBody>
+          <a:bodyPr rot="0" spcFirstLastPara="0" vertOverflow="overflow" horzOverflow="overflow" vert="horz" wrap="square" lIns="91440" tIns="45720" rIns="91440" bIns="45720" numCol="1" spcCol="0" rtlCol="0" fromWordArt="0" anchor="ctr" anchorCtr="0" forceAA="0" compatLnSpc="1">
+            <a:prstTxWarp prst="textNoShape">
+              <a:avLst/>
+            </a:prstTxWarp>
+            <a:noAutofit/>
+          </a:bodyPr>
+          <a:lstStyle/>
+          <a:p>
+            <a:pPr algn="ctr"/>
+            <a:endParaRPr lang="zh-TW" altLang="en-US"/>
+          </a:p>
+        </p:txBody>
+      </p:sp>
     </p:spTree>
     <p:extLst>
       <p:ext uri="{BB962C8B-B14F-4D97-AF65-F5344CB8AC3E}">
@@ -25889,12 +29222,45 @@
     </a:fmtScheme>
   </a:themeElements>
   <a:objectDefaults>
+    <a:spDef>
+      <a:spPr>
+        <a:noFill/>
+        <a:ln w="28575">
+          <a:solidFill>
+            <a:srgbClr val="FF0000"/>
+          </a:solidFill>
+        </a:ln>
+      </a:spPr>
+      <a:bodyPr rtlCol="0" anchor="ctr"/>
+      <a:lstStyle>
+        <a:defPPr algn="ctr">
+          <a:defRPr/>
+        </a:defPPr>
+      </a:lstStyle>
+      <a:style>
+        <a:lnRef idx="2">
+          <a:schemeClr val="accent1">
+            <a:shade val="50000"/>
+          </a:schemeClr>
+        </a:lnRef>
+        <a:fillRef idx="1">
+          <a:schemeClr val="accent1"/>
+        </a:fillRef>
+        <a:effectRef idx="0">
+          <a:schemeClr val="accent1"/>
+        </a:effectRef>
+        <a:fontRef idx="minor">
+          <a:schemeClr val="lt1"/>
+        </a:fontRef>
+      </a:style>
+    </a:spDef>
     <a:lnDef>
       <a:spPr>
-        <a:ln w="57150">
+        <a:ln w="38100">
           <a:solidFill>
-            <a:srgbClr val="79ADDD"/>
+            <a:srgbClr val="FF0000"/>
           </a:solidFill>
+          <a:tailEnd type="triangle"/>
         </a:ln>
       </a:spPr>
       <a:bodyPr/>
